--- a/development_process/presentation.pptx
+++ b/development_process/presentation.pptx
@@ -4,6 +4,9 @@
   <p:sldMasterIdLst>
     <p:sldMasterId id="2147483648" r:id="rId1"/>
   </p:sldMasterIdLst>
+  <p:notesMasterIdLst>
+    <p:notesMasterId r:id="rId12"/>
+  </p:notesMasterIdLst>
   <p:sldIdLst>
     <p:sldId id="256" r:id="rId2"/>
     <p:sldId id="260" r:id="rId3"/>
@@ -113,7 +116,805 @@
       </a:defRPr>
     </a:lvl9pPr>
   </p:defaultTextStyle>
+  <p:extLst>
+    <p:ext uri="{EFAFB233-063F-42B5-8137-9DF3F51BA10A}">
+      <p15:sldGuideLst xmlns:p15="http://schemas.microsoft.com/office/powerpoint/2012/main"/>
+    </p:ext>
+  </p:extLst>
 </p:presentation>
+</file>
+
+<file path=ppt/notesMasters/notesMaster1.xml><?xml version="1.0" encoding="utf-8"?>
+<p:notesMaster xmlns:a="http://schemas.openxmlformats.org/drawingml/2006/main" xmlns:r="http://schemas.openxmlformats.org/officeDocument/2006/relationships" xmlns:p="http://schemas.openxmlformats.org/presentationml/2006/main">
+  <p:cSld>
+    <p:bg>
+      <p:bgRef idx="1001">
+        <a:schemeClr val="bg1"/>
+      </p:bgRef>
+    </p:bg>
+    <p:spTree>
+      <p:nvGrpSpPr>
+        <p:cNvPr id="1" name=""/>
+        <p:cNvGrpSpPr/>
+        <p:nvPr/>
+      </p:nvGrpSpPr>
+      <p:grpSpPr>
+        <a:xfrm>
+          <a:off x="0" y="0"/>
+          <a:ext cx="0" cy="0"/>
+          <a:chOff x="0" y="0"/>
+          <a:chExt cx="0" cy="0"/>
+        </a:xfrm>
+      </p:grpSpPr>
+      <p:sp>
+        <p:nvSpPr>
+          <p:cNvPr id="2" name="Header Placeholder 1"/>
+          <p:cNvSpPr>
+            <a:spLocks noGrp="1"/>
+          </p:cNvSpPr>
+          <p:nvPr>
+            <p:ph type="hdr" sz="quarter"/>
+          </p:nvPr>
+        </p:nvSpPr>
+        <p:spPr>
+          <a:xfrm>
+            <a:off x="0" y="0"/>
+            <a:ext cx="2971800" cy="458788"/>
+          </a:xfrm>
+          <a:prstGeom prst="rect">
+            <a:avLst/>
+          </a:prstGeom>
+        </p:spPr>
+        <p:txBody>
+          <a:bodyPr vert="horz" lIns="91440" tIns="45720" rIns="91440" bIns="45720" rtlCol="0"/>
+          <a:lstStyle>
+            <a:lvl1pPr algn="l">
+              <a:defRPr sz="1200"/>
+            </a:lvl1pPr>
+          </a:lstStyle>
+          <a:p>
+            <a:endParaRPr lang="en-US"/>
+          </a:p>
+        </p:txBody>
+      </p:sp>
+      <p:sp>
+        <p:nvSpPr>
+          <p:cNvPr id="3" name="Date Placeholder 2"/>
+          <p:cNvSpPr>
+            <a:spLocks noGrp="1"/>
+          </p:cNvSpPr>
+          <p:nvPr>
+            <p:ph type="dt" idx="1"/>
+          </p:nvPr>
+        </p:nvSpPr>
+        <p:spPr>
+          <a:xfrm>
+            <a:off x="3884613" y="0"/>
+            <a:ext cx="2971800" cy="458788"/>
+          </a:xfrm>
+          <a:prstGeom prst="rect">
+            <a:avLst/>
+          </a:prstGeom>
+        </p:spPr>
+        <p:txBody>
+          <a:bodyPr vert="horz" lIns="91440" tIns="45720" rIns="91440" bIns="45720" rtlCol="0"/>
+          <a:lstStyle>
+            <a:lvl1pPr algn="r">
+              <a:defRPr sz="1200"/>
+            </a:lvl1pPr>
+          </a:lstStyle>
+          <a:p>
+            <a:fld id="{6E383F4D-CBEF-4D7D-99F7-C94CF4D4AC81}" type="datetimeFigureOut">
+              <a:rPr lang="en-US" smtClean="0"/>
+              <a:t>2/28/2018</a:t>
+            </a:fld>
+            <a:endParaRPr lang="en-US"/>
+          </a:p>
+        </p:txBody>
+      </p:sp>
+      <p:sp>
+        <p:nvSpPr>
+          <p:cNvPr id="4" name="Slide Image Placeholder 3"/>
+          <p:cNvSpPr>
+            <a:spLocks noGrp="1" noRot="1" noChangeAspect="1"/>
+          </p:cNvSpPr>
+          <p:nvPr>
+            <p:ph type="sldImg" idx="2"/>
+          </p:nvPr>
+        </p:nvSpPr>
+        <p:spPr>
+          <a:xfrm>
+            <a:off x="685800" y="1143000"/>
+            <a:ext cx="5486400" cy="3086100"/>
+          </a:xfrm>
+          <a:prstGeom prst="rect">
+            <a:avLst/>
+          </a:prstGeom>
+          <a:noFill/>
+          <a:ln w="12700">
+            <a:solidFill>
+              <a:prstClr val="black"/>
+            </a:solidFill>
+          </a:ln>
+        </p:spPr>
+        <p:txBody>
+          <a:bodyPr vert="horz" lIns="91440" tIns="45720" rIns="91440" bIns="45720" rtlCol="0" anchor="ctr"/>
+          <a:lstStyle/>
+          <a:p>
+            <a:endParaRPr lang="en-US"/>
+          </a:p>
+        </p:txBody>
+      </p:sp>
+      <p:sp>
+        <p:nvSpPr>
+          <p:cNvPr id="5" name="Notes Placeholder 4"/>
+          <p:cNvSpPr>
+            <a:spLocks noGrp="1"/>
+          </p:cNvSpPr>
+          <p:nvPr>
+            <p:ph type="body" sz="quarter" idx="3"/>
+          </p:nvPr>
+        </p:nvSpPr>
+        <p:spPr>
+          <a:xfrm>
+            <a:off x="685800" y="4400550"/>
+            <a:ext cx="5486400" cy="3600450"/>
+          </a:xfrm>
+          <a:prstGeom prst="rect">
+            <a:avLst/>
+          </a:prstGeom>
+        </p:spPr>
+        <p:txBody>
+          <a:bodyPr vert="horz" lIns="91440" tIns="45720" rIns="91440" bIns="45720" rtlCol="0"/>
+          <a:lstStyle/>
+          <a:p>
+            <a:pPr lvl="0"/>
+            <a:r>
+              <a:rPr lang="en-US"/>
+              <a:t>Edit Master text styles</a:t>
+            </a:r>
+          </a:p>
+          <a:p>
+            <a:pPr lvl="1"/>
+            <a:r>
+              <a:rPr lang="en-US"/>
+              <a:t>Second level</a:t>
+            </a:r>
+          </a:p>
+          <a:p>
+            <a:pPr lvl="2"/>
+            <a:r>
+              <a:rPr lang="en-US"/>
+              <a:t>Third level</a:t>
+            </a:r>
+          </a:p>
+          <a:p>
+            <a:pPr lvl="3"/>
+            <a:r>
+              <a:rPr lang="en-US"/>
+              <a:t>Fourth level</a:t>
+            </a:r>
+          </a:p>
+          <a:p>
+            <a:pPr lvl="4"/>
+            <a:r>
+              <a:rPr lang="en-US"/>
+              <a:t>Fifth level</a:t>
+            </a:r>
+          </a:p>
+        </p:txBody>
+      </p:sp>
+      <p:sp>
+        <p:nvSpPr>
+          <p:cNvPr id="6" name="Footer Placeholder 5"/>
+          <p:cNvSpPr>
+            <a:spLocks noGrp="1"/>
+          </p:cNvSpPr>
+          <p:nvPr>
+            <p:ph type="ftr" sz="quarter" idx="4"/>
+          </p:nvPr>
+        </p:nvSpPr>
+        <p:spPr>
+          <a:xfrm>
+            <a:off x="0" y="8685213"/>
+            <a:ext cx="2971800" cy="458787"/>
+          </a:xfrm>
+          <a:prstGeom prst="rect">
+            <a:avLst/>
+          </a:prstGeom>
+        </p:spPr>
+        <p:txBody>
+          <a:bodyPr vert="horz" lIns="91440" tIns="45720" rIns="91440" bIns="45720" rtlCol="0" anchor="b"/>
+          <a:lstStyle>
+            <a:lvl1pPr algn="l">
+              <a:defRPr sz="1200"/>
+            </a:lvl1pPr>
+          </a:lstStyle>
+          <a:p>
+            <a:endParaRPr lang="en-US"/>
+          </a:p>
+        </p:txBody>
+      </p:sp>
+      <p:sp>
+        <p:nvSpPr>
+          <p:cNvPr id="7" name="Slide Number Placeholder 6"/>
+          <p:cNvSpPr>
+            <a:spLocks noGrp="1"/>
+          </p:cNvSpPr>
+          <p:nvPr>
+            <p:ph type="sldNum" sz="quarter" idx="5"/>
+          </p:nvPr>
+        </p:nvSpPr>
+        <p:spPr>
+          <a:xfrm>
+            <a:off x="3884613" y="8685213"/>
+            <a:ext cx="2971800" cy="458787"/>
+          </a:xfrm>
+          <a:prstGeom prst="rect">
+            <a:avLst/>
+          </a:prstGeom>
+        </p:spPr>
+        <p:txBody>
+          <a:bodyPr vert="horz" lIns="91440" tIns="45720" rIns="91440" bIns="45720" rtlCol="0" anchor="b"/>
+          <a:lstStyle>
+            <a:lvl1pPr algn="r">
+              <a:defRPr sz="1200"/>
+            </a:lvl1pPr>
+          </a:lstStyle>
+          <a:p>
+            <a:fld id="{BBB74CCA-74C8-4FBA-A105-6F9181120E07}" type="slidenum">
+              <a:rPr lang="en-US" smtClean="0"/>
+              <a:t>‹#›</a:t>
+            </a:fld>
+            <a:endParaRPr lang="en-US"/>
+          </a:p>
+        </p:txBody>
+      </p:sp>
+    </p:spTree>
+    <p:extLst>
+      <p:ext uri="{BB962C8B-B14F-4D97-AF65-F5344CB8AC3E}">
+        <p14:creationId xmlns:p14="http://schemas.microsoft.com/office/powerpoint/2010/main" val="460150109"/>
+      </p:ext>
+    </p:extLst>
+  </p:cSld>
+  <p:clrMap bg1="lt1" tx1="dk1" bg2="lt2" tx2="dk2" accent1="accent1" accent2="accent2" accent3="accent3" accent4="accent4" accent5="accent5" accent6="accent6" hlink="hlink" folHlink="folHlink"/>
+  <p:notesStyle>
+    <a:lvl1pPr marL="0" algn="l" defTabSz="914400" rtl="0" eaLnBrk="1" latinLnBrk="0" hangingPunct="1">
+      <a:defRPr sz="1200" kern="1200">
+        <a:solidFill>
+          <a:schemeClr val="tx1"/>
+        </a:solidFill>
+        <a:latin typeface="+mn-lt"/>
+        <a:ea typeface="+mn-ea"/>
+        <a:cs typeface="+mn-cs"/>
+      </a:defRPr>
+    </a:lvl1pPr>
+    <a:lvl2pPr marL="457200" algn="l" defTabSz="914400" rtl="0" eaLnBrk="1" latinLnBrk="0" hangingPunct="1">
+      <a:defRPr sz="1200" kern="1200">
+        <a:solidFill>
+          <a:schemeClr val="tx1"/>
+        </a:solidFill>
+        <a:latin typeface="+mn-lt"/>
+        <a:ea typeface="+mn-ea"/>
+        <a:cs typeface="+mn-cs"/>
+      </a:defRPr>
+    </a:lvl2pPr>
+    <a:lvl3pPr marL="914400" algn="l" defTabSz="914400" rtl="0" eaLnBrk="1" latinLnBrk="0" hangingPunct="1">
+      <a:defRPr sz="1200" kern="1200">
+        <a:solidFill>
+          <a:schemeClr val="tx1"/>
+        </a:solidFill>
+        <a:latin typeface="+mn-lt"/>
+        <a:ea typeface="+mn-ea"/>
+        <a:cs typeface="+mn-cs"/>
+      </a:defRPr>
+    </a:lvl3pPr>
+    <a:lvl4pPr marL="1371600" algn="l" defTabSz="914400" rtl="0" eaLnBrk="1" latinLnBrk="0" hangingPunct="1">
+      <a:defRPr sz="1200" kern="1200">
+        <a:solidFill>
+          <a:schemeClr val="tx1"/>
+        </a:solidFill>
+        <a:latin typeface="+mn-lt"/>
+        <a:ea typeface="+mn-ea"/>
+        <a:cs typeface="+mn-cs"/>
+      </a:defRPr>
+    </a:lvl4pPr>
+    <a:lvl5pPr marL="1828800" algn="l" defTabSz="914400" rtl="0" eaLnBrk="1" latinLnBrk="0" hangingPunct="1">
+      <a:defRPr sz="1200" kern="1200">
+        <a:solidFill>
+          <a:schemeClr val="tx1"/>
+        </a:solidFill>
+        <a:latin typeface="+mn-lt"/>
+        <a:ea typeface="+mn-ea"/>
+        <a:cs typeface="+mn-cs"/>
+      </a:defRPr>
+    </a:lvl5pPr>
+    <a:lvl6pPr marL="2286000" algn="l" defTabSz="914400" rtl="0" eaLnBrk="1" latinLnBrk="0" hangingPunct="1">
+      <a:defRPr sz="1200" kern="1200">
+        <a:solidFill>
+          <a:schemeClr val="tx1"/>
+        </a:solidFill>
+        <a:latin typeface="+mn-lt"/>
+        <a:ea typeface="+mn-ea"/>
+        <a:cs typeface="+mn-cs"/>
+      </a:defRPr>
+    </a:lvl6pPr>
+    <a:lvl7pPr marL="2743200" algn="l" defTabSz="914400" rtl="0" eaLnBrk="1" latinLnBrk="0" hangingPunct="1">
+      <a:defRPr sz="1200" kern="1200">
+        <a:solidFill>
+          <a:schemeClr val="tx1"/>
+        </a:solidFill>
+        <a:latin typeface="+mn-lt"/>
+        <a:ea typeface="+mn-ea"/>
+        <a:cs typeface="+mn-cs"/>
+      </a:defRPr>
+    </a:lvl7pPr>
+    <a:lvl8pPr marL="3200400" algn="l" defTabSz="914400" rtl="0" eaLnBrk="1" latinLnBrk="0" hangingPunct="1">
+      <a:defRPr sz="1200" kern="1200">
+        <a:solidFill>
+          <a:schemeClr val="tx1"/>
+        </a:solidFill>
+        <a:latin typeface="+mn-lt"/>
+        <a:ea typeface="+mn-ea"/>
+        <a:cs typeface="+mn-cs"/>
+      </a:defRPr>
+    </a:lvl8pPr>
+    <a:lvl9pPr marL="3657600" algn="l" defTabSz="914400" rtl="0" eaLnBrk="1" latinLnBrk="0" hangingPunct="1">
+      <a:defRPr sz="1200" kern="1200">
+        <a:solidFill>
+          <a:schemeClr val="tx1"/>
+        </a:solidFill>
+        <a:latin typeface="+mn-lt"/>
+        <a:ea typeface="+mn-ea"/>
+        <a:cs typeface="+mn-cs"/>
+      </a:defRPr>
+    </a:lvl9pPr>
+  </p:notesStyle>
+</p:notesMaster>
+</file>
+
+<file path=ppt/notesSlides/notesSlide1.xml><?xml version="1.0" encoding="utf-8"?>
+<p:notes xmlns:a="http://schemas.openxmlformats.org/drawingml/2006/main" xmlns:r="http://schemas.openxmlformats.org/officeDocument/2006/relationships" xmlns:p="http://schemas.openxmlformats.org/presentationml/2006/main">
+  <p:cSld>
+    <p:spTree>
+      <p:nvGrpSpPr>
+        <p:cNvPr id="1" name=""/>
+        <p:cNvGrpSpPr/>
+        <p:nvPr/>
+      </p:nvGrpSpPr>
+      <p:grpSpPr>
+        <a:xfrm>
+          <a:off x="0" y="0"/>
+          <a:ext cx="0" cy="0"/>
+          <a:chOff x="0" y="0"/>
+          <a:chExt cx="0" cy="0"/>
+        </a:xfrm>
+      </p:grpSpPr>
+      <p:sp>
+        <p:nvSpPr>
+          <p:cNvPr id="2" name="Slide Image Placeholder 1"/>
+          <p:cNvSpPr>
+            <a:spLocks noGrp="1" noRot="1" noChangeAspect="1"/>
+          </p:cNvSpPr>
+          <p:nvPr>
+            <p:ph type="sldImg"/>
+          </p:nvPr>
+        </p:nvSpPr>
+        <p:spPr/>
+      </p:sp>
+      <p:sp>
+        <p:nvSpPr>
+          <p:cNvPr id="3" name="Notes Placeholder 2"/>
+          <p:cNvSpPr>
+            <a:spLocks noGrp="1"/>
+          </p:cNvSpPr>
+          <p:nvPr>
+            <p:ph type="body" idx="1"/>
+          </p:nvPr>
+        </p:nvSpPr>
+        <p:spPr/>
+        <p:txBody>
+          <a:bodyPr/>
+          <a:lstStyle/>
+          <a:p>
+            <a:r>
+              <a:rPr lang="en-US" dirty="0"/>
+              <a:t>Like everyone else, we first started thinking about how we could make a bigger, better battleship. Maybe even a game that was only tangentially related to battleship. We brainstormed as many features as we could and wrote them down no matter how far-fetched they seem. Editing comes </a:t>
+            </a:r>
+            <a:r>
+              <a:rPr lang="en-US" i="1" dirty="0"/>
+              <a:t>after</a:t>
+            </a:r>
+            <a:r>
+              <a:rPr lang="en-US" i="0" dirty="0"/>
+              <a:t> creation.</a:t>
+            </a:r>
+            <a:endParaRPr lang="en-US" dirty="0"/>
+          </a:p>
+        </p:txBody>
+      </p:sp>
+      <p:sp>
+        <p:nvSpPr>
+          <p:cNvPr id="4" name="Slide Number Placeholder 3"/>
+          <p:cNvSpPr>
+            <a:spLocks noGrp="1"/>
+          </p:cNvSpPr>
+          <p:nvPr>
+            <p:ph type="sldNum" sz="quarter" idx="10"/>
+          </p:nvPr>
+        </p:nvSpPr>
+        <p:spPr/>
+        <p:txBody>
+          <a:bodyPr/>
+          <a:lstStyle/>
+          <a:p>
+            <a:fld id="{BBB74CCA-74C8-4FBA-A105-6F9181120E07}" type="slidenum">
+              <a:rPr lang="en-US" smtClean="0"/>
+              <a:t>2</a:t>
+            </a:fld>
+            <a:endParaRPr lang="en-US"/>
+          </a:p>
+        </p:txBody>
+      </p:sp>
+    </p:spTree>
+    <p:extLst>
+      <p:ext uri="{BB962C8B-B14F-4D97-AF65-F5344CB8AC3E}">
+        <p14:creationId xmlns:p14="http://schemas.microsoft.com/office/powerpoint/2010/main" val="4161820461"/>
+      </p:ext>
+    </p:extLst>
+  </p:cSld>
+  <p:clrMapOvr>
+    <a:masterClrMapping/>
+  </p:clrMapOvr>
+</p:notes>
+</file>
+
+<file path=ppt/notesSlides/notesSlide2.xml><?xml version="1.0" encoding="utf-8"?>
+<p:notes xmlns:a="http://schemas.openxmlformats.org/drawingml/2006/main" xmlns:r="http://schemas.openxmlformats.org/officeDocument/2006/relationships" xmlns:p="http://schemas.openxmlformats.org/presentationml/2006/main">
+  <p:cSld>
+    <p:spTree>
+      <p:nvGrpSpPr>
+        <p:cNvPr id="1" name=""/>
+        <p:cNvGrpSpPr/>
+        <p:nvPr/>
+      </p:nvGrpSpPr>
+      <p:grpSpPr>
+        <a:xfrm>
+          <a:off x="0" y="0"/>
+          <a:ext cx="0" cy="0"/>
+          <a:chOff x="0" y="0"/>
+          <a:chExt cx="0" cy="0"/>
+        </a:xfrm>
+      </p:grpSpPr>
+      <p:sp>
+        <p:nvSpPr>
+          <p:cNvPr id="2" name="Slide Image Placeholder 1"/>
+          <p:cNvSpPr>
+            <a:spLocks noGrp="1" noRot="1" noChangeAspect="1"/>
+          </p:cNvSpPr>
+          <p:nvPr>
+            <p:ph type="sldImg"/>
+          </p:nvPr>
+        </p:nvSpPr>
+        <p:spPr/>
+      </p:sp>
+      <p:sp>
+        <p:nvSpPr>
+          <p:cNvPr id="3" name="Notes Placeholder 2"/>
+          <p:cNvSpPr>
+            <a:spLocks noGrp="1"/>
+          </p:cNvSpPr>
+          <p:nvPr>
+            <p:ph type="body" idx="1"/>
+          </p:nvPr>
+        </p:nvSpPr>
+        <p:spPr/>
+        <p:txBody>
+          <a:bodyPr/>
+          <a:lstStyle/>
+          <a:p>
+            <a:r>
+              <a:rPr lang="en-US" dirty="0"/>
+              <a:t>We ranked these features using arbitrary points on a Fibonacci scale, but we ranked them separately on individual Google Sheets. This way one person’s scores wouldn’t subconsciously influence another person’s scores thereby resulting in the most accurate scores possible. The final score was the average value rounded up to the next Fibonacci value. We ranked the features by importance later.</a:t>
+            </a:r>
+          </a:p>
+        </p:txBody>
+      </p:sp>
+      <p:sp>
+        <p:nvSpPr>
+          <p:cNvPr id="4" name="Slide Number Placeholder 3"/>
+          <p:cNvSpPr>
+            <a:spLocks noGrp="1"/>
+          </p:cNvSpPr>
+          <p:nvPr>
+            <p:ph type="sldNum" sz="quarter" idx="10"/>
+          </p:nvPr>
+        </p:nvSpPr>
+        <p:spPr/>
+        <p:txBody>
+          <a:bodyPr/>
+          <a:lstStyle/>
+          <a:p>
+            <a:fld id="{BBB74CCA-74C8-4FBA-A105-6F9181120E07}" type="slidenum">
+              <a:rPr lang="en-US" smtClean="0"/>
+              <a:t>3</a:t>
+            </a:fld>
+            <a:endParaRPr lang="en-US"/>
+          </a:p>
+        </p:txBody>
+      </p:sp>
+    </p:spTree>
+    <p:extLst>
+      <p:ext uri="{BB962C8B-B14F-4D97-AF65-F5344CB8AC3E}">
+        <p14:creationId xmlns:p14="http://schemas.microsoft.com/office/powerpoint/2010/main" val="2089184059"/>
+      </p:ext>
+    </p:extLst>
+  </p:cSld>
+  <p:clrMapOvr>
+    <a:masterClrMapping/>
+  </p:clrMapOvr>
+</p:notes>
+</file>
+
+<file path=ppt/notesSlides/notesSlide3.xml><?xml version="1.0" encoding="utf-8"?>
+<p:notes xmlns:a="http://schemas.openxmlformats.org/drawingml/2006/main" xmlns:r="http://schemas.openxmlformats.org/officeDocument/2006/relationships" xmlns:p="http://schemas.openxmlformats.org/presentationml/2006/main">
+  <p:cSld>
+    <p:spTree>
+      <p:nvGrpSpPr>
+        <p:cNvPr id="1" name=""/>
+        <p:cNvGrpSpPr/>
+        <p:nvPr/>
+      </p:nvGrpSpPr>
+      <p:grpSpPr>
+        <a:xfrm>
+          <a:off x="0" y="0"/>
+          <a:ext cx="0" cy="0"/>
+          <a:chOff x="0" y="0"/>
+          <a:chExt cx="0" cy="0"/>
+        </a:xfrm>
+      </p:grpSpPr>
+      <p:sp>
+        <p:nvSpPr>
+          <p:cNvPr id="2" name="Slide Image Placeholder 1"/>
+          <p:cNvSpPr>
+            <a:spLocks noGrp="1" noRot="1" noChangeAspect="1"/>
+          </p:cNvSpPr>
+          <p:nvPr>
+            <p:ph type="sldImg"/>
+          </p:nvPr>
+        </p:nvSpPr>
+        <p:spPr/>
+      </p:sp>
+      <p:sp>
+        <p:nvSpPr>
+          <p:cNvPr id="3" name="Notes Placeholder 2"/>
+          <p:cNvSpPr>
+            <a:spLocks noGrp="1"/>
+          </p:cNvSpPr>
+          <p:nvPr>
+            <p:ph type="body" idx="1"/>
+          </p:nvPr>
+        </p:nvSpPr>
+        <p:spPr/>
+        <p:txBody>
+          <a:bodyPr/>
+          <a:lstStyle/>
+          <a:p>
+            <a:r>
+              <a:rPr lang="en-US" dirty="0"/>
+              <a:t>An ambitious project that doesn’t work is worse than a more mundane project with features, so we decided to work on core battleship functionality instead. We were able to implement the GUI, mouse control, and ship placement using the Phaser framework. Since our entire project was graphical and web-based, we didn’t write traditional tests but fired up a development web server and tested our code as we wrote it by using it in the game.</a:t>
+            </a:r>
+          </a:p>
+        </p:txBody>
+      </p:sp>
+      <p:sp>
+        <p:nvSpPr>
+          <p:cNvPr id="4" name="Slide Number Placeholder 3"/>
+          <p:cNvSpPr>
+            <a:spLocks noGrp="1"/>
+          </p:cNvSpPr>
+          <p:nvPr>
+            <p:ph type="sldNum" sz="quarter" idx="10"/>
+          </p:nvPr>
+        </p:nvSpPr>
+        <p:spPr/>
+        <p:txBody>
+          <a:bodyPr/>
+          <a:lstStyle/>
+          <a:p>
+            <a:fld id="{BBB74CCA-74C8-4FBA-A105-6F9181120E07}" type="slidenum">
+              <a:rPr lang="en-US" smtClean="0"/>
+              <a:t>4</a:t>
+            </a:fld>
+            <a:endParaRPr lang="en-US"/>
+          </a:p>
+        </p:txBody>
+      </p:sp>
+    </p:spTree>
+    <p:extLst>
+      <p:ext uri="{BB962C8B-B14F-4D97-AF65-F5344CB8AC3E}">
+        <p14:creationId xmlns:p14="http://schemas.microsoft.com/office/powerpoint/2010/main" val="3089605605"/>
+      </p:ext>
+    </p:extLst>
+  </p:cSld>
+  <p:clrMapOvr>
+    <a:masterClrMapping/>
+  </p:clrMapOvr>
+</p:notes>
+</file>
+
+<file path=ppt/notesSlides/notesSlide4.xml><?xml version="1.0" encoding="utf-8"?>
+<p:notes xmlns:a="http://schemas.openxmlformats.org/drawingml/2006/main" xmlns:r="http://schemas.openxmlformats.org/officeDocument/2006/relationships" xmlns:p="http://schemas.openxmlformats.org/presentationml/2006/main">
+  <p:cSld>
+    <p:spTree>
+      <p:nvGrpSpPr>
+        <p:cNvPr id="1" name=""/>
+        <p:cNvGrpSpPr/>
+        <p:nvPr/>
+      </p:nvGrpSpPr>
+      <p:grpSpPr>
+        <a:xfrm>
+          <a:off x="0" y="0"/>
+          <a:ext cx="0" cy="0"/>
+          <a:chOff x="0" y="0"/>
+          <a:chExt cx="0" cy="0"/>
+        </a:xfrm>
+      </p:grpSpPr>
+      <p:sp>
+        <p:nvSpPr>
+          <p:cNvPr id="2" name="Slide Image Placeholder 1"/>
+          <p:cNvSpPr>
+            <a:spLocks noGrp="1" noRot="1" noChangeAspect="1"/>
+          </p:cNvSpPr>
+          <p:nvPr>
+            <p:ph type="sldImg"/>
+          </p:nvPr>
+        </p:nvSpPr>
+        <p:spPr/>
+      </p:sp>
+      <p:sp>
+        <p:nvSpPr>
+          <p:cNvPr id="3" name="Notes Placeholder 2"/>
+          <p:cNvSpPr>
+            <a:spLocks noGrp="1"/>
+          </p:cNvSpPr>
+          <p:nvPr>
+            <p:ph type="body" idx="1"/>
+          </p:nvPr>
+        </p:nvSpPr>
+        <p:spPr/>
+        <p:txBody>
+          <a:bodyPr/>
+          <a:lstStyle/>
+          <a:p>
+            <a:r>
+              <a:rPr lang="en-US" dirty="0"/>
+              <a:t>This was a lot easier when we could share one person’s screen on a big screen. The Book (upstairs in Bunnell) was great for triplet programming, which let us bounce ideas off of each other and catch errors as we wrote them, and our first session was extremely productive so that we felt like we were going to crush our deliverables. Except then our second session was hardly productive at all as all three of us tried to figure out ship rotation.</a:t>
+            </a:r>
+          </a:p>
+        </p:txBody>
+      </p:sp>
+      <p:sp>
+        <p:nvSpPr>
+          <p:cNvPr id="4" name="Slide Number Placeholder 3"/>
+          <p:cNvSpPr>
+            <a:spLocks noGrp="1"/>
+          </p:cNvSpPr>
+          <p:nvPr>
+            <p:ph type="sldNum" sz="quarter" idx="10"/>
+          </p:nvPr>
+        </p:nvSpPr>
+        <p:spPr/>
+        <p:txBody>
+          <a:bodyPr/>
+          <a:lstStyle/>
+          <a:p>
+            <a:fld id="{BBB74CCA-74C8-4FBA-A105-6F9181120E07}" type="slidenum">
+              <a:rPr lang="en-US" smtClean="0"/>
+              <a:t>5</a:t>
+            </a:fld>
+            <a:endParaRPr lang="en-US"/>
+          </a:p>
+        </p:txBody>
+      </p:sp>
+    </p:spTree>
+    <p:extLst>
+      <p:ext uri="{BB962C8B-B14F-4D97-AF65-F5344CB8AC3E}">
+        <p14:creationId xmlns:p14="http://schemas.microsoft.com/office/powerpoint/2010/main" val="2644352694"/>
+      </p:ext>
+    </p:extLst>
+  </p:cSld>
+  <p:clrMapOvr>
+    <a:masterClrMapping/>
+  </p:clrMapOvr>
+</p:notes>
+</file>
+
+<file path=ppt/notesSlides/notesSlide5.xml><?xml version="1.0" encoding="utf-8"?>
+<p:notes xmlns:a="http://schemas.openxmlformats.org/drawingml/2006/main" xmlns:r="http://schemas.openxmlformats.org/officeDocument/2006/relationships" xmlns:p="http://schemas.openxmlformats.org/presentationml/2006/main">
+  <p:cSld>
+    <p:spTree>
+      <p:nvGrpSpPr>
+        <p:cNvPr id="1" name=""/>
+        <p:cNvGrpSpPr/>
+        <p:nvPr/>
+      </p:nvGrpSpPr>
+      <p:grpSpPr>
+        <a:xfrm>
+          <a:off x="0" y="0"/>
+          <a:ext cx="0" cy="0"/>
+          <a:chOff x="0" y="0"/>
+          <a:chExt cx="0" cy="0"/>
+        </a:xfrm>
+      </p:grpSpPr>
+      <p:sp>
+        <p:nvSpPr>
+          <p:cNvPr id="2" name="Slide Image Placeholder 1"/>
+          <p:cNvSpPr>
+            <a:spLocks noGrp="1" noRot="1" noChangeAspect="1"/>
+          </p:cNvSpPr>
+          <p:nvPr>
+            <p:ph type="sldImg"/>
+          </p:nvPr>
+        </p:nvSpPr>
+        <p:spPr/>
+      </p:sp>
+      <p:sp>
+        <p:nvSpPr>
+          <p:cNvPr id="3" name="Notes Placeholder 2"/>
+          <p:cNvSpPr>
+            <a:spLocks noGrp="1"/>
+          </p:cNvSpPr>
+          <p:nvPr>
+            <p:ph type="body" idx="1"/>
+          </p:nvPr>
+        </p:nvSpPr>
+        <p:spPr/>
+        <p:txBody>
+          <a:bodyPr/>
+          <a:lstStyle/>
+          <a:p>
+            <a:r>
+              <a:rPr lang="en-US" dirty="0"/>
+              <a:t>Version control discipline was good and at times we had three development branches going, which is where we broke things so that the game running on Git Pages was always the most stable version. Once we hammered out some of the initial administrative and configuration tasks and actually had a game running, pushing to master stopped except for journal entries. No one merged their own code, and triplet programming made code reviews easy.</a:t>
+            </a:r>
+          </a:p>
+        </p:txBody>
+      </p:sp>
+      <p:sp>
+        <p:nvSpPr>
+          <p:cNvPr id="4" name="Slide Number Placeholder 3"/>
+          <p:cNvSpPr>
+            <a:spLocks noGrp="1"/>
+          </p:cNvSpPr>
+          <p:nvPr>
+            <p:ph type="sldNum" sz="quarter" idx="10"/>
+          </p:nvPr>
+        </p:nvSpPr>
+        <p:spPr/>
+        <p:txBody>
+          <a:bodyPr/>
+          <a:lstStyle/>
+          <a:p>
+            <a:fld id="{BBB74CCA-74C8-4FBA-A105-6F9181120E07}" type="slidenum">
+              <a:rPr lang="en-US" smtClean="0"/>
+              <a:t>6</a:t>
+            </a:fld>
+            <a:endParaRPr lang="en-US"/>
+          </a:p>
+        </p:txBody>
+      </p:sp>
+    </p:spTree>
+    <p:extLst>
+      <p:ext uri="{BB962C8B-B14F-4D97-AF65-F5344CB8AC3E}">
+        <p14:creationId xmlns:p14="http://schemas.microsoft.com/office/powerpoint/2010/main" val="1471777151"/>
+      </p:ext>
+    </p:extLst>
+  </p:cSld>
+  <p:clrMapOvr>
+    <a:masterClrMapping/>
+  </p:clrMapOvr>
+</p:notes>
 </file>
 
 <file path=ppt/slideLayouts/slideLayout1.xml><?xml version="1.0" encoding="utf-8"?>
@@ -263,7 +1064,7 @@
           <a:p>
             <a:fld id="{8C27AE42-AACA-4D4C-8A40-45F743ED3D2E}" type="datetimeFigureOut">
               <a:rPr lang="en-US" smtClean="0"/>
-              <a:t>2/27/2018</a:t>
+              <a:t>2/28/2018</a:t>
             </a:fld>
             <a:endParaRPr lang="en-US"/>
           </a:p>
@@ -461,7 +1262,7 @@
           <a:p>
             <a:fld id="{8C27AE42-AACA-4D4C-8A40-45F743ED3D2E}" type="datetimeFigureOut">
               <a:rPr lang="en-US" smtClean="0"/>
-              <a:t>2/27/2018</a:t>
+              <a:t>2/28/2018</a:t>
             </a:fld>
             <a:endParaRPr lang="en-US"/>
           </a:p>
@@ -669,7 +1470,7 @@
           <a:p>
             <a:fld id="{8C27AE42-AACA-4D4C-8A40-45F743ED3D2E}" type="datetimeFigureOut">
               <a:rPr lang="en-US" smtClean="0"/>
-              <a:t>2/27/2018</a:t>
+              <a:t>2/28/2018</a:t>
             </a:fld>
             <a:endParaRPr lang="en-US"/>
           </a:p>
@@ -867,7 +1668,7 @@
           <a:p>
             <a:fld id="{8C27AE42-AACA-4D4C-8A40-45F743ED3D2E}" type="datetimeFigureOut">
               <a:rPr lang="en-US" smtClean="0"/>
-              <a:t>2/27/2018</a:t>
+              <a:t>2/28/2018</a:t>
             </a:fld>
             <a:endParaRPr lang="en-US"/>
           </a:p>
@@ -1142,7 +1943,7 @@
           <a:p>
             <a:fld id="{8C27AE42-AACA-4D4C-8A40-45F743ED3D2E}" type="datetimeFigureOut">
               <a:rPr lang="en-US" smtClean="0"/>
-              <a:t>2/27/2018</a:t>
+              <a:t>2/28/2018</a:t>
             </a:fld>
             <a:endParaRPr lang="en-US"/>
           </a:p>
@@ -1407,7 +2208,7 @@
           <a:p>
             <a:fld id="{8C27AE42-AACA-4D4C-8A40-45F743ED3D2E}" type="datetimeFigureOut">
               <a:rPr lang="en-US" smtClean="0"/>
-              <a:t>2/27/2018</a:t>
+              <a:t>2/28/2018</a:t>
             </a:fld>
             <a:endParaRPr lang="en-US"/>
           </a:p>
@@ -1819,7 +2620,7 @@
           <a:p>
             <a:fld id="{8C27AE42-AACA-4D4C-8A40-45F743ED3D2E}" type="datetimeFigureOut">
               <a:rPr lang="en-US" smtClean="0"/>
-              <a:t>2/27/2018</a:t>
+              <a:t>2/28/2018</a:t>
             </a:fld>
             <a:endParaRPr lang="en-US"/>
           </a:p>
@@ -1960,7 +2761,7 @@
           <a:p>
             <a:fld id="{8C27AE42-AACA-4D4C-8A40-45F743ED3D2E}" type="datetimeFigureOut">
               <a:rPr lang="en-US" smtClean="0"/>
-              <a:t>2/27/2018</a:t>
+              <a:t>2/28/2018</a:t>
             </a:fld>
             <a:endParaRPr lang="en-US"/>
           </a:p>
@@ -2073,7 +2874,7 @@
           <a:p>
             <a:fld id="{8C27AE42-AACA-4D4C-8A40-45F743ED3D2E}" type="datetimeFigureOut">
               <a:rPr lang="en-US" smtClean="0"/>
-              <a:t>2/27/2018</a:t>
+              <a:t>2/28/2018</a:t>
             </a:fld>
             <a:endParaRPr lang="en-US"/>
           </a:p>
@@ -2384,7 +3185,7 @@
           <a:p>
             <a:fld id="{8C27AE42-AACA-4D4C-8A40-45F743ED3D2E}" type="datetimeFigureOut">
               <a:rPr lang="en-US" smtClean="0"/>
-              <a:t>2/27/2018</a:t>
+              <a:t>2/28/2018</a:t>
             </a:fld>
             <a:endParaRPr lang="en-US"/>
           </a:p>
@@ -2672,7 +3473,7 @@
           <a:p>
             <a:fld id="{8C27AE42-AACA-4D4C-8A40-45F743ED3D2E}" type="datetimeFigureOut">
               <a:rPr lang="en-US" smtClean="0"/>
-              <a:t>2/27/2018</a:t>
+              <a:t>2/28/2018</a:t>
             </a:fld>
             <a:endParaRPr lang="en-US"/>
           </a:p>
@@ -2913,7 +3714,7 @@
           <a:p>
             <a:fld id="{8C27AE42-AACA-4D4C-8A40-45F743ED3D2E}" type="datetimeFigureOut">
               <a:rPr lang="en-US" smtClean="0"/>
-              <a:t>2/27/2018</a:t>
+              <a:t>2/28/2018</a:t>
             </a:fld>
             <a:endParaRPr lang="en-US"/>
           </a:p>
@@ -3539,7 +4340,7 @@
           </p:nvPr>
         </p:nvPicPr>
         <p:blipFill>
-          <a:blip r:embed="rId2">
+          <a:blip r:embed="rId3">
             <a:extLst>
               <a:ext uri="{28A0092B-C50C-407E-A947-70E740481C1C}">
                 <a14:useLocalDpi xmlns:a14="http://schemas.microsoft.com/office/drawing/2010/main" val="0"/>
@@ -3701,7 +4502,7 @@
           </p:nvPr>
         </p:nvPicPr>
         <p:blipFill>
-          <a:blip r:embed="rId2">
+          <a:blip r:embed="rId3">
             <a:extLst>
               <a:ext uri="{28A0092B-C50C-407E-A947-70E740481C1C}">
                 <a14:useLocalDpi xmlns:a14="http://schemas.microsoft.com/office/drawing/2010/main" val="0"/>
@@ -3794,7 +4595,7 @@
           </p:nvPr>
         </p:nvPicPr>
         <p:blipFill>
-          <a:blip r:embed="rId2">
+          <a:blip r:embed="rId3">
             <a:extLst>
               <a:ext uri="{28A0092B-C50C-407E-A947-70E740481C1C}">
                 <a14:useLocalDpi xmlns:a14="http://schemas.microsoft.com/office/drawing/2010/main" val="0"/>
@@ -3959,7 +4760,7 @@
           </p:nvPr>
         </p:nvPicPr>
         <p:blipFill>
-          <a:blip r:embed="rId2">
+          <a:blip r:embed="rId3">
             <a:extLst>
               <a:ext uri="{28A0092B-C50C-407E-A947-70E740481C1C}">
                 <a14:useLocalDpi xmlns:a14="http://schemas.microsoft.com/office/drawing/2010/main" val="0"/>
@@ -4052,7 +4853,7 @@
           </p:nvPr>
         </p:nvPicPr>
         <p:blipFill>
-          <a:blip r:embed="rId2">
+          <a:blip r:embed="rId3">
             <a:extLst>
               <a:ext uri="{28A0092B-C50C-407E-A947-70E740481C1C}">
                 <a14:useLocalDpi xmlns:a14="http://schemas.microsoft.com/office/drawing/2010/main" val="0"/>
@@ -4268,7 +5069,7 @@
             </a:pPr>
             <a:r>
               <a:rPr lang="en-US" dirty="0"/>
-              <a:t>“I had to learn a new programming language for this project, which was a good experience, but I’m increasing wary of libraries and cargo cult programming, especially in web development where there seems to always be some hot new fad. Phaser allowed us to make some quick initial gains, but we hit a wall when we wanted to do something that the documentation didn’t cover. I kept imagining how upset my manager would be if his entire team worked for an afternoon without producing anything.”</a:t>
+              <a:t>“I had to learn a new programming language for this project, which was a good experience, but I’m increasing wary of frameworks/libraries and cargo cult programming, especially in web development where there seems to always be some hot new fad. Phaser allowed us to make some quick initial gains, but we hit a wall when we wanted to do something that the documentation didn’t cover. I kept imagining how upset my manager would be if his entire team worked for an afternoon without producing anything.”</a:t>
             </a:r>
           </a:p>
         </p:txBody>
@@ -4662,4 +5463,299 @@
     </a:ext>
   </a:extLst>
 </a:theme>
+</file>
+
+<file path=ppt/theme/theme2.xml><?xml version="1.0" encoding="utf-8"?>
+<a:theme xmlns:a="http://schemas.openxmlformats.org/drawingml/2006/main" name="Office Theme">
+  <a:themeElements>
+    <a:clrScheme name="Office">
+      <a:dk1>
+        <a:sysClr val="windowText" lastClr="000000"/>
+      </a:dk1>
+      <a:lt1>
+        <a:sysClr val="window" lastClr="FFFFFF"/>
+      </a:lt1>
+      <a:dk2>
+        <a:srgbClr val="44546A"/>
+      </a:dk2>
+      <a:lt2>
+        <a:srgbClr val="E7E6E6"/>
+      </a:lt2>
+      <a:accent1>
+        <a:srgbClr val="4472C4"/>
+      </a:accent1>
+      <a:accent2>
+        <a:srgbClr val="ED7D31"/>
+      </a:accent2>
+      <a:accent3>
+        <a:srgbClr val="A5A5A5"/>
+      </a:accent3>
+      <a:accent4>
+        <a:srgbClr val="FFC000"/>
+      </a:accent4>
+      <a:accent5>
+        <a:srgbClr val="5B9BD5"/>
+      </a:accent5>
+      <a:accent6>
+        <a:srgbClr val="70AD47"/>
+      </a:accent6>
+      <a:hlink>
+        <a:srgbClr val="0563C1"/>
+      </a:hlink>
+      <a:folHlink>
+        <a:srgbClr val="954F72"/>
+      </a:folHlink>
+    </a:clrScheme>
+    <a:fontScheme name="Office">
+      <a:majorFont>
+        <a:latin typeface="Calibri Light" panose="020F0302020204030204"/>
+        <a:ea typeface=""/>
+        <a:cs typeface=""/>
+        <a:font script="Jpan" typeface="游ゴシック Light"/>
+        <a:font script="Hang" typeface="맑은 고딕"/>
+        <a:font script="Hans" typeface="等线 Light"/>
+        <a:font script="Hant" typeface="新細明體"/>
+        <a:font script="Arab" typeface="Times New Roman"/>
+        <a:font script="Hebr" typeface="Times New Roman"/>
+        <a:font script="Thai" typeface="Angsana New"/>
+        <a:font script="Ethi" typeface="Nyala"/>
+        <a:font script="Beng" typeface="Vrinda"/>
+        <a:font script="Gujr" typeface="Shruti"/>
+        <a:font script="Khmr" typeface="MoolBoran"/>
+        <a:font script="Knda" typeface="Tunga"/>
+        <a:font script="Guru" typeface="Raavi"/>
+        <a:font script="Cans" typeface="Euphemia"/>
+        <a:font script="Cher" typeface="Plantagenet Cherokee"/>
+        <a:font script="Yiii" typeface="Microsoft Yi Baiti"/>
+        <a:font script="Tibt" typeface="Microsoft Himalaya"/>
+        <a:font script="Thaa" typeface="MV Boli"/>
+        <a:font script="Deva" typeface="Mangal"/>
+        <a:font script="Telu" typeface="Gautami"/>
+        <a:font script="Taml" typeface="Latha"/>
+        <a:font script="Syrc" typeface="Estrangelo Edessa"/>
+        <a:font script="Orya" typeface="Kalinga"/>
+        <a:font script="Mlym" typeface="Kartika"/>
+        <a:font script="Laoo" typeface="DokChampa"/>
+        <a:font script="Sinh" typeface="Iskoola Pota"/>
+        <a:font script="Mong" typeface="Mongolian Baiti"/>
+        <a:font script="Viet" typeface="Times New Roman"/>
+        <a:font script="Uigh" typeface="Microsoft Uighur"/>
+        <a:font script="Geor" typeface="Sylfaen"/>
+        <a:font script="Armn" typeface="Arial"/>
+        <a:font script="Bugi" typeface="Leelawadee UI"/>
+        <a:font script="Bopo" typeface="Microsoft JhengHei"/>
+        <a:font script="Java" typeface="Javanese Text"/>
+        <a:font script="Lisu" typeface="Segoe UI"/>
+        <a:font script="Mymr" typeface="Myanmar Text"/>
+        <a:font script="Nkoo" typeface="Ebrima"/>
+        <a:font script="Olck" typeface="Nirmala UI"/>
+        <a:font script="Osma" typeface="Ebrima"/>
+        <a:font script="Phag" typeface="Phagspa"/>
+        <a:font script="Syrn" typeface="Estrangelo Edessa"/>
+        <a:font script="Syrj" typeface="Estrangelo Edessa"/>
+        <a:font script="Syre" typeface="Estrangelo Edessa"/>
+        <a:font script="Sora" typeface="Nirmala UI"/>
+        <a:font script="Tale" typeface="Microsoft Tai Le"/>
+        <a:font script="Talu" typeface="Microsoft New Tai Lue"/>
+        <a:font script="Tfng" typeface="Ebrima"/>
+      </a:majorFont>
+      <a:minorFont>
+        <a:latin typeface="Calibri" panose="020F0502020204030204"/>
+        <a:ea typeface=""/>
+        <a:cs typeface=""/>
+        <a:font script="Jpan" typeface="游ゴシック"/>
+        <a:font script="Hang" typeface="맑은 고딕"/>
+        <a:font script="Hans" typeface="等线"/>
+        <a:font script="Hant" typeface="新細明體"/>
+        <a:font script="Arab" typeface="Arial"/>
+        <a:font script="Hebr" typeface="Arial"/>
+        <a:font script="Thai" typeface="Cordia New"/>
+        <a:font script="Ethi" typeface="Nyala"/>
+        <a:font script="Beng" typeface="Vrinda"/>
+        <a:font script="Gujr" typeface="Shruti"/>
+        <a:font script="Khmr" typeface="DaunPenh"/>
+        <a:font script="Knda" typeface="Tunga"/>
+        <a:font script="Guru" typeface="Raavi"/>
+        <a:font script="Cans" typeface="Euphemia"/>
+        <a:font script="Cher" typeface="Plantagenet Cherokee"/>
+        <a:font script="Yiii" typeface="Microsoft Yi Baiti"/>
+        <a:font script="Tibt" typeface="Microsoft Himalaya"/>
+        <a:font script="Thaa" typeface="MV Boli"/>
+        <a:font script="Deva" typeface="Mangal"/>
+        <a:font script="Telu" typeface="Gautami"/>
+        <a:font script="Taml" typeface="Latha"/>
+        <a:font script="Syrc" typeface="Estrangelo Edessa"/>
+        <a:font script="Orya" typeface="Kalinga"/>
+        <a:font script="Mlym" typeface="Kartika"/>
+        <a:font script="Laoo" typeface="DokChampa"/>
+        <a:font script="Sinh" typeface="Iskoola Pota"/>
+        <a:font script="Mong" typeface="Mongolian Baiti"/>
+        <a:font script="Viet" typeface="Arial"/>
+        <a:font script="Uigh" typeface="Microsoft Uighur"/>
+        <a:font script="Geor" typeface="Sylfaen"/>
+        <a:font script="Armn" typeface="Arial"/>
+        <a:font script="Bugi" typeface="Leelawadee UI"/>
+        <a:font script="Bopo" typeface="Microsoft JhengHei"/>
+        <a:font script="Java" typeface="Javanese Text"/>
+        <a:font script="Lisu" typeface="Segoe UI"/>
+        <a:font script="Mymr" typeface="Myanmar Text"/>
+        <a:font script="Nkoo" typeface="Ebrima"/>
+        <a:font script="Olck" typeface="Nirmala UI"/>
+        <a:font script="Osma" typeface="Ebrima"/>
+        <a:font script="Phag" typeface="Phagspa"/>
+        <a:font script="Syrn" typeface="Estrangelo Edessa"/>
+        <a:font script="Syrj" typeface="Estrangelo Edessa"/>
+        <a:font script="Syre" typeface="Estrangelo Edessa"/>
+        <a:font script="Sora" typeface="Nirmala UI"/>
+        <a:font script="Tale" typeface="Microsoft Tai Le"/>
+        <a:font script="Talu" typeface="Microsoft New Tai Lue"/>
+        <a:font script="Tfng" typeface="Ebrima"/>
+      </a:minorFont>
+    </a:fontScheme>
+    <a:fmtScheme name="Office">
+      <a:fillStyleLst>
+        <a:solidFill>
+          <a:schemeClr val="phClr"/>
+        </a:solidFill>
+        <a:gradFill rotWithShape="1">
+          <a:gsLst>
+            <a:gs pos="0">
+              <a:schemeClr val="phClr">
+                <a:lumMod val="110000"/>
+                <a:satMod val="105000"/>
+                <a:tint val="67000"/>
+              </a:schemeClr>
+            </a:gs>
+            <a:gs pos="50000">
+              <a:schemeClr val="phClr">
+                <a:lumMod val="105000"/>
+                <a:satMod val="103000"/>
+                <a:tint val="73000"/>
+              </a:schemeClr>
+            </a:gs>
+            <a:gs pos="100000">
+              <a:schemeClr val="phClr">
+                <a:lumMod val="105000"/>
+                <a:satMod val="109000"/>
+                <a:tint val="81000"/>
+              </a:schemeClr>
+            </a:gs>
+          </a:gsLst>
+          <a:lin ang="5400000" scaled="0"/>
+        </a:gradFill>
+        <a:gradFill rotWithShape="1">
+          <a:gsLst>
+            <a:gs pos="0">
+              <a:schemeClr val="phClr">
+                <a:satMod val="103000"/>
+                <a:lumMod val="102000"/>
+                <a:tint val="94000"/>
+              </a:schemeClr>
+            </a:gs>
+            <a:gs pos="50000">
+              <a:schemeClr val="phClr">
+                <a:satMod val="110000"/>
+                <a:lumMod val="100000"/>
+                <a:shade val="100000"/>
+              </a:schemeClr>
+            </a:gs>
+            <a:gs pos="100000">
+              <a:schemeClr val="phClr">
+                <a:lumMod val="99000"/>
+                <a:satMod val="120000"/>
+                <a:shade val="78000"/>
+              </a:schemeClr>
+            </a:gs>
+          </a:gsLst>
+          <a:lin ang="5400000" scaled="0"/>
+        </a:gradFill>
+      </a:fillStyleLst>
+      <a:lnStyleLst>
+        <a:ln w="6350" cap="flat" cmpd="sng" algn="ctr">
+          <a:solidFill>
+            <a:schemeClr val="phClr"/>
+          </a:solidFill>
+          <a:prstDash val="solid"/>
+          <a:miter lim="800000"/>
+        </a:ln>
+        <a:ln w="12700" cap="flat" cmpd="sng" algn="ctr">
+          <a:solidFill>
+            <a:schemeClr val="phClr"/>
+          </a:solidFill>
+          <a:prstDash val="solid"/>
+          <a:miter lim="800000"/>
+        </a:ln>
+        <a:ln w="19050" cap="flat" cmpd="sng" algn="ctr">
+          <a:solidFill>
+            <a:schemeClr val="phClr"/>
+          </a:solidFill>
+          <a:prstDash val="solid"/>
+          <a:miter lim="800000"/>
+        </a:ln>
+      </a:lnStyleLst>
+      <a:effectStyleLst>
+        <a:effectStyle>
+          <a:effectLst/>
+        </a:effectStyle>
+        <a:effectStyle>
+          <a:effectLst/>
+        </a:effectStyle>
+        <a:effectStyle>
+          <a:effectLst>
+            <a:outerShdw blurRad="57150" dist="19050" dir="5400000" algn="ctr" rotWithShape="0">
+              <a:srgbClr val="000000">
+                <a:alpha val="63000"/>
+              </a:srgbClr>
+            </a:outerShdw>
+          </a:effectLst>
+        </a:effectStyle>
+      </a:effectStyleLst>
+      <a:bgFillStyleLst>
+        <a:solidFill>
+          <a:schemeClr val="phClr"/>
+        </a:solidFill>
+        <a:solidFill>
+          <a:schemeClr val="phClr">
+            <a:tint val="95000"/>
+            <a:satMod val="170000"/>
+          </a:schemeClr>
+        </a:solidFill>
+        <a:gradFill rotWithShape="1">
+          <a:gsLst>
+            <a:gs pos="0">
+              <a:schemeClr val="phClr">
+                <a:tint val="93000"/>
+                <a:satMod val="150000"/>
+                <a:shade val="98000"/>
+                <a:lumMod val="102000"/>
+              </a:schemeClr>
+            </a:gs>
+            <a:gs pos="50000">
+              <a:schemeClr val="phClr">
+                <a:tint val="98000"/>
+                <a:satMod val="130000"/>
+                <a:shade val="90000"/>
+                <a:lumMod val="103000"/>
+              </a:schemeClr>
+            </a:gs>
+            <a:gs pos="100000">
+              <a:schemeClr val="phClr">
+                <a:shade val="63000"/>
+                <a:satMod val="120000"/>
+              </a:schemeClr>
+            </a:gs>
+          </a:gsLst>
+          <a:lin ang="5400000" scaled="0"/>
+        </a:gradFill>
+      </a:bgFillStyleLst>
+    </a:fmtScheme>
+  </a:themeElements>
+  <a:objectDefaults/>
+  <a:extraClrSchemeLst/>
+  <a:extLst>
+    <a:ext uri="{05A4C25C-085E-4340-85A3-A5531E510DB2}">
+      <thm15:themeFamily xmlns:thm15="http://schemas.microsoft.com/office/thememl/2012/main" name="Office Theme" id="{62F939B6-93AF-4DB8-9C6B-D6C7DFDC589F}" vid="{4A3C46E8-61CC-4603-A589-7422A47A8E4A}"/>
+    </a:ext>
+  </a:extLst>
+</a:theme>
 </file>
--- a/development_process/presentation.pptx
+++ b/development_process/presentation.pptx
@@ -1,23 +1,23 @@
 
 <file path=ppt/presentation.xml><?xml version="1.0" encoding="utf-8"?>
-<p:presentation xmlns:a="http://schemas.openxmlformats.org/drawingml/2006/main" xmlns:r="http://schemas.openxmlformats.org/officeDocument/2006/relationships" xmlns:p="http://schemas.openxmlformats.org/presentationml/2006/main" saveSubsetFonts="1">
+<p:presentation xmlns:a="http://schemas.openxmlformats.org/drawingml/2006/main" xmlns:r="http://schemas.openxmlformats.org/officeDocument/2006/relationships" xmlns:p="http://schemas.openxmlformats.org/presentationml/2006/main">
   <p:sldMasterIdLst>
     <p:sldMasterId id="2147483648" r:id="rId1"/>
   </p:sldMasterIdLst>
   <p:notesMasterIdLst>
-    <p:notesMasterId r:id="rId12"/>
+    <p:notesMasterId r:id="rId5"/>
   </p:notesMasterIdLst>
   <p:sldIdLst>
-    <p:sldId id="256" r:id="rId2"/>
-    <p:sldId id="260" r:id="rId3"/>
-    <p:sldId id="263" r:id="rId4"/>
-    <p:sldId id="261" r:id="rId5"/>
-    <p:sldId id="264" r:id="rId6"/>
-    <p:sldId id="262" r:id="rId7"/>
-    <p:sldId id="257" r:id="rId8"/>
-    <p:sldId id="258" r:id="rId9"/>
-    <p:sldId id="259" r:id="rId10"/>
-    <p:sldId id="265" r:id="rId11"/>
+    <p:sldId id="256" r:id="rId3"/>
+    <p:sldId id="260" r:id="rId4"/>
+    <p:sldId id="263" r:id="rId6"/>
+    <p:sldId id="261" r:id="rId7"/>
+    <p:sldId id="264" r:id="rId8"/>
+    <p:sldId id="262" r:id="rId9"/>
+    <p:sldId id="257" r:id="rId10"/>
+    <p:sldId id="258" r:id="rId11"/>
+    <p:sldId id="259" r:id="rId12"/>
+    <p:sldId id="265" r:id="rId13"/>
   </p:sldIdLst>
   <p:sldSz cx="12192000" cy="6858000"/>
   <p:notesSz cx="6858000" cy="9144000"/>
@@ -116,11 +116,6 @@
       </a:defRPr>
     </a:lvl9pPr>
   </p:defaultTextStyle>
-  <p:extLst>
-    <p:ext uri="{EFAFB233-063F-42B5-8137-9DF3F51BA10A}">
-      <p15:sldGuideLst xmlns:p15="http://schemas.microsoft.com/office/powerpoint/2012/main"/>
-    </p:ext>
-  </p:extLst>
 </p:presentation>
 </file>
 
@@ -206,7 +201,6 @@
           <a:p>
             <a:fld id="{6E383F4D-CBEF-4D7D-99F7-C94CF4D4AC81}" type="datetimeFigureOut">
               <a:rPr lang="en-US" smtClean="0"/>
-              <a:t>2/28/2018</a:t>
             </a:fld>
             <a:endParaRPr lang="en-US"/>
           </a:p>
@@ -273,6 +267,7 @@
               <a:rPr lang="en-US"/>
               <a:t>Edit Master text styles</a:t>
             </a:r>
+            <a:endParaRPr lang="en-US"/>
           </a:p>
           <a:p>
             <a:pPr lvl="1"/>
@@ -280,6 +275,7 @@
               <a:rPr lang="en-US"/>
               <a:t>Second level</a:t>
             </a:r>
+            <a:endParaRPr lang="en-US"/>
           </a:p>
           <a:p>
             <a:pPr lvl="2"/>
@@ -287,6 +283,7 @@
               <a:rPr lang="en-US"/>
               <a:t>Third level</a:t>
             </a:r>
+            <a:endParaRPr lang="en-US"/>
           </a:p>
           <a:p>
             <a:pPr lvl="3"/>
@@ -294,6 +291,7 @@
               <a:rPr lang="en-US"/>
               <a:t>Fourth level</a:t>
             </a:r>
+            <a:endParaRPr lang="en-US"/>
           </a:p>
           <a:p>
             <a:pPr lvl="4"/>
@@ -301,6 +299,7 @@
               <a:rPr lang="en-US"/>
               <a:t>Fifth level</a:t>
             </a:r>
+            <a:endParaRPr lang="en-US"/>
           </a:p>
         </p:txBody>
       </p:sp>
@@ -364,18 +363,12 @@
           <a:p>
             <a:fld id="{BBB74CCA-74C8-4FBA-A105-6F9181120E07}" type="slidenum">
               <a:rPr lang="en-US" smtClean="0"/>
-              <a:t>‹#›</a:t>
             </a:fld>
             <a:endParaRPr lang="en-US"/>
           </a:p>
         </p:txBody>
       </p:sp>
     </p:spTree>
-    <p:extLst>
-      <p:ext uri="{BB962C8B-B14F-4D97-AF65-F5344CB8AC3E}">
-        <p14:creationId xmlns:p14="http://schemas.microsoft.com/office/powerpoint/2010/main" val="460150109"/>
-      </p:ext>
-    </p:extLst>
   </p:cSld>
   <p:clrMap bg1="lt1" tx1="dk1" bg2="lt2" tx2="dk2" accent1="accent1" accent2="accent2" accent3="accent3" accent4="accent4" accent5="accent5" accent6="accent6" hlink="hlink" folHlink="folHlink"/>
   <p:notesStyle>
@@ -550,18 +543,12 @@
           <a:p>
             <a:fld id="{BBB74CCA-74C8-4FBA-A105-6F9181120E07}" type="slidenum">
               <a:rPr lang="en-US" smtClean="0"/>
-              <a:t>2</a:t>
             </a:fld>
             <a:endParaRPr lang="en-US"/>
           </a:p>
         </p:txBody>
       </p:sp>
     </p:spTree>
-    <p:extLst>
-      <p:ext uri="{BB962C8B-B14F-4D97-AF65-F5344CB8AC3E}">
-        <p14:creationId xmlns:p14="http://schemas.microsoft.com/office/powerpoint/2010/main" val="4161820461"/>
-      </p:ext>
-    </p:extLst>
   </p:cSld>
   <p:clrMapOvr>
     <a:masterClrMapping/>
@@ -617,6 +604,7 @@
               <a:rPr lang="en-US" dirty="0"/>
               <a:t>We ranked these features using arbitrary points on a Fibonacci scale, but we ranked them separately on individual Google Sheets. This way one person’s scores wouldn’t subconsciously influence another person’s scores thereby resulting in the most accurate scores possible. The final score was the average value rounded up to the next Fibonacci value. We ranked the features by importance later.</a:t>
             </a:r>
+            <a:endParaRPr lang="en-US" dirty="0"/>
           </a:p>
         </p:txBody>
       </p:sp>
@@ -637,18 +625,12 @@
           <a:p>
             <a:fld id="{BBB74CCA-74C8-4FBA-A105-6F9181120E07}" type="slidenum">
               <a:rPr lang="en-US" smtClean="0"/>
-              <a:t>3</a:t>
             </a:fld>
             <a:endParaRPr lang="en-US"/>
           </a:p>
         </p:txBody>
       </p:sp>
     </p:spTree>
-    <p:extLst>
-      <p:ext uri="{BB962C8B-B14F-4D97-AF65-F5344CB8AC3E}">
-        <p14:creationId xmlns:p14="http://schemas.microsoft.com/office/powerpoint/2010/main" val="2089184059"/>
-      </p:ext>
-    </p:extLst>
   </p:cSld>
   <p:clrMapOvr>
     <a:masterClrMapping/>
@@ -704,6 +686,7 @@
               <a:rPr lang="en-US" dirty="0"/>
               <a:t>An ambitious project that doesn’t work is worse than a more mundane project with features, so we decided to work on core battleship functionality instead. We were able to implement the GUI, mouse control, and ship placement using the Phaser framework. Since our entire project was graphical and web-based, we didn’t write traditional tests but fired up a development web server and tested our code as we wrote it by using it in the game.</a:t>
             </a:r>
+            <a:endParaRPr lang="en-US" dirty="0"/>
           </a:p>
         </p:txBody>
       </p:sp>
@@ -724,18 +707,12 @@
           <a:p>
             <a:fld id="{BBB74CCA-74C8-4FBA-A105-6F9181120E07}" type="slidenum">
               <a:rPr lang="en-US" smtClean="0"/>
-              <a:t>4</a:t>
             </a:fld>
             <a:endParaRPr lang="en-US"/>
           </a:p>
         </p:txBody>
       </p:sp>
     </p:spTree>
-    <p:extLst>
-      <p:ext uri="{BB962C8B-B14F-4D97-AF65-F5344CB8AC3E}">
-        <p14:creationId xmlns:p14="http://schemas.microsoft.com/office/powerpoint/2010/main" val="3089605605"/>
-      </p:ext>
-    </p:extLst>
   </p:cSld>
   <p:clrMapOvr>
     <a:masterClrMapping/>
@@ -791,6 +768,7 @@
               <a:rPr lang="en-US" dirty="0"/>
               <a:t>This was a lot easier when we could share one person’s screen on a big screen. The Book (upstairs in Bunnell) was great for triplet programming, which let us bounce ideas off of each other and catch errors as we wrote them, and our first session was extremely productive so that we felt like we were going to crush our deliverables. Except then our second session was hardly productive at all as all three of us tried to figure out ship rotation.</a:t>
             </a:r>
+            <a:endParaRPr lang="en-US" dirty="0"/>
           </a:p>
         </p:txBody>
       </p:sp>
@@ -811,18 +789,12 @@
           <a:p>
             <a:fld id="{BBB74CCA-74C8-4FBA-A105-6F9181120E07}" type="slidenum">
               <a:rPr lang="en-US" smtClean="0"/>
-              <a:t>5</a:t>
             </a:fld>
             <a:endParaRPr lang="en-US"/>
           </a:p>
         </p:txBody>
       </p:sp>
     </p:spTree>
-    <p:extLst>
-      <p:ext uri="{BB962C8B-B14F-4D97-AF65-F5344CB8AC3E}">
-        <p14:creationId xmlns:p14="http://schemas.microsoft.com/office/powerpoint/2010/main" val="2644352694"/>
-      </p:ext>
-    </p:extLst>
   </p:cSld>
   <p:clrMapOvr>
     <a:masterClrMapping/>
@@ -878,6 +850,7 @@
               <a:rPr lang="en-US" dirty="0"/>
               <a:t>Version control discipline was good and at times we had three development branches going, which is where we broke things so that the game running on Git Pages was always the most stable version. Once we hammered out some of the initial administrative and configuration tasks and actually had a game running, pushing to master stopped except for journal entries. No one merged their own code, and triplet programming made code reviews easy.</a:t>
             </a:r>
+            <a:endParaRPr lang="en-US" dirty="0"/>
           </a:p>
         </p:txBody>
       </p:sp>
@@ -898,18 +871,12 @@
           <a:p>
             <a:fld id="{BBB74CCA-74C8-4FBA-A105-6F9181120E07}" type="slidenum">
               <a:rPr lang="en-US" smtClean="0"/>
-              <a:t>6</a:t>
             </a:fld>
             <a:endParaRPr lang="en-US"/>
           </a:p>
         </p:txBody>
       </p:sp>
     </p:spTree>
-    <p:extLst>
-      <p:ext uri="{BB962C8B-B14F-4D97-AF65-F5344CB8AC3E}">
-        <p14:creationId xmlns:p14="http://schemas.microsoft.com/office/powerpoint/2010/main" val="1471777151"/>
-      </p:ext>
-    </p:extLst>
   </p:cSld>
   <p:clrMapOvr>
     <a:masterClrMapping/>
@@ -918,8 +885,16 @@
 </file>
 
 <file path=ppt/slideLayouts/slideLayout1.xml><?xml version="1.0" encoding="utf-8"?>
-<p:sldLayout xmlns:a="http://schemas.openxmlformats.org/drawingml/2006/main" xmlns:r="http://schemas.openxmlformats.org/officeDocument/2006/relationships" xmlns:p="http://schemas.openxmlformats.org/presentationml/2006/main" type="title" preserve="1">
+<p:sldLayout xmlns:a="http://schemas.openxmlformats.org/drawingml/2006/main" xmlns:r="http://schemas.openxmlformats.org/officeDocument/2006/relationships" xmlns:p="http://schemas.openxmlformats.org/presentationml/2006/main" type="title" preserve="1" showMasterSp="0">
   <p:cSld name="Title Slide">
+    <p:bg>
+      <p:bgPr>
+        <a:solidFill>
+          <a:schemeClr val="bg1"/>
+        </a:solidFill>
+        <a:effectLst/>
+      </p:bgPr>
+    </p:bg>
     <p:spTree>
       <p:nvGrpSpPr>
         <p:cNvPr id="1" name=""/>
@@ -934,54 +909,72 @@
           <a:chExt cx="0" cy="0"/>
         </a:xfrm>
       </p:grpSpPr>
-      <p:sp>
-        <p:nvSpPr>
-          <p:cNvPr id="2" name="Title 1">
-            <a:extLst>
-              <a:ext uri="{FF2B5EF4-FFF2-40B4-BE49-F238E27FC236}">
-                <a16:creationId xmlns:a16="http://schemas.microsoft.com/office/drawing/2014/main" id="{4357409E-F43B-4966-9EF4-5125E50AAF12}"/>
-              </a:ext>
-            </a:extLst>
-          </p:cNvPr>
-          <p:cNvSpPr>
-            <a:spLocks noGrp="1"/>
-          </p:cNvSpPr>
-          <p:nvPr>
-            <p:ph type="ctrTitle"/>
-          </p:nvPr>
-        </p:nvSpPr>
+      <p:pic>
+        <p:nvPicPr>
+          <p:cNvPr id="2050" name="Picture 3"/>
+          <p:cNvPicPr>
+            <a:picLocks noChangeAspect="1"/>
+          </p:cNvPicPr>
+          <p:nvPr/>
+        </p:nvPicPr>
+        <p:blipFill>
+          <a:blip r:embed="rId2"/>
+          <a:stretch>
+            <a:fillRect/>
+          </a:stretch>
+        </p:blipFill>
         <p:spPr>
           <a:xfrm>
-            <a:off x="1524000" y="1122363"/>
-            <a:ext cx="9144000" cy="2387600"/>
+            <a:off x="0" y="0"/>
+            <a:ext cx="12192000" cy="6858000"/>
+          </a:xfrm>
+          <a:prstGeom prst="rect">
+            <a:avLst/>
+          </a:prstGeom>
+          <a:noFill/>
+          <a:ln w="9525">
+            <a:noFill/>
+          </a:ln>
+        </p:spPr>
+      </p:pic>
+      <p:sp>
+        <p:nvSpPr>
+          <p:cNvPr id="2051" name="Rectangle 3"/>
+          <p:cNvSpPr>
+            <a:spLocks noGrp="1" noChangeArrowheads="1"/>
+          </p:cNvSpPr>
+          <p:nvPr>
+            <p:ph type="ctrTitle"/>
+          </p:nvPr>
+        </p:nvSpPr>
+        <p:spPr>
+          <a:xfrm>
+            <a:off x="624417" y="3717925"/>
+            <a:ext cx="10943167" cy="1082675"/>
           </a:xfrm>
         </p:spPr>
         <p:txBody>
-          <a:bodyPr anchor="b"/>
+          <a:bodyPr/>
           <a:lstStyle>
-            <a:lvl1pPr algn="ctr">
-              <a:defRPr sz="6000"/>
+            <a:lvl1pPr algn="r">
+              <a:defRPr/>
             </a:lvl1pPr>
           </a:lstStyle>
           <a:p>
-            <a:r>
-              <a:rPr lang="en-US"/>
+            <a:pPr lvl="0"/>
+            <a:r>
+              <a:rPr lang="en-US" altLang="zh-CN" noProof="0" smtClean="0"/>
               <a:t>Click to edit Master title style</a:t>
             </a:r>
-          </a:p>
-        </p:txBody>
-      </p:sp>
-      <p:sp>
-        <p:nvSpPr>
-          <p:cNvPr id="3" name="Subtitle 2">
-            <a:extLst>
-              <a:ext uri="{FF2B5EF4-FFF2-40B4-BE49-F238E27FC236}">
-                <a16:creationId xmlns:a16="http://schemas.microsoft.com/office/drawing/2014/main" id="{61F8B4BE-BE2E-4AAE-BD3B-B4A49986B334}"/>
-              </a:ext>
-            </a:extLst>
-          </p:cNvPr>
-          <p:cNvSpPr>
-            <a:spLocks noGrp="1"/>
+            <a:endParaRPr lang="en-US" altLang="zh-CN" noProof="0" smtClean="0"/>
+          </a:p>
+        </p:txBody>
+      </p:sp>
+      <p:sp>
+        <p:nvSpPr>
+          <p:cNvPr id="2052" name="Rectangle 4"/>
+          <p:cNvSpPr>
+            <a:spLocks noGrp="1" noChangeArrowheads="1"/>
           </p:cNvSpPr>
           <p:nvPr>
             <p:ph type="subTitle" idx="1"/>
@@ -989,82 +982,87 @@
         </p:nvSpPr>
         <p:spPr>
           <a:xfrm>
-            <a:off x="1524000" y="3602038"/>
-            <a:ext cx="9144000" cy="1655762"/>
+            <a:off x="626533" y="4940300"/>
+            <a:ext cx="10949517" cy="981075"/>
           </a:xfrm>
         </p:spPr>
         <p:txBody>
           <a:bodyPr/>
           <a:lstStyle>
-            <a:lvl1pPr marL="0" indent="0" algn="ctr">
-              <a:buNone/>
-              <a:defRPr sz="2400"/>
+            <a:lvl1pPr marL="0" indent="0" algn="r">
+              <a:buFontTx/>
+              <a:buNone/>
+              <a:defRPr/>
             </a:lvl1pPr>
-            <a:lvl2pPr marL="457200" indent="0" algn="ctr">
-              <a:buNone/>
-              <a:defRPr sz="2000"/>
-            </a:lvl2pPr>
-            <a:lvl3pPr marL="914400" indent="0" algn="ctr">
-              <a:buNone/>
-              <a:defRPr sz="1800"/>
-            </a:lvl3pPr>
-            <a:lvl4pPr marL="1371600" indent="0" algn="ctr">
-              <a:buNone/>
-              <a:defRPr sz="1600"/>
-            </a:lvl4pPr>
-            <a:lvl5pPr marL="1828800" indent="0" algn="ctr">
-              <a:buNone/>
-              <a:defRPr sz="1600"/>
-            </a:lvl5pPr>
-            <a:lvl6pPr marL="2286000" indent="0" algn="ctr">
-              <a:buNone/>
-              <a:defRPr sz="1600"/>
-            </a:lvl6pPr>
-            <a:lvl7pPr marL="2743200" indent="0" algn="ctr">
-              <a:buNone/>
-              <a:defRPr sz="1600"/>
-            </a:lvl7pPr>
-            <a:lvl8pPr marL="3200400" indent="0" algn="ctr">
-              <a:buNone/>
-              <a:defRPr sz="1600"/>
-            </a:lvl8pPr>
-            <a:lvl9pPr marL="3657600" indent="0" algn="ctr">
-              <a:buNone/>
-              <a:defRPr sz="1600"/>
-            </a:lvl9pPr>
           </a:lstStyle>
           <a:p>
-            <a:r>
-              <a:rPr lang="en-US"/>
+            <a:pPr lvl="0"/>
+            <a:r>
+              <a:rPr lang="en-US" altLang="zh-CN" noProof="0" smtClean="0"/>
               <a:t>Click to edit Master subtitle style</a:t>
             </a:r>
-          </a:p>
-        </p:txBody>
-      </p:sp>
-      <p:sp>
-        <p:nvSpPr>
-          <p:cNvPr id="4" name="Date Placeholder 3">
-            <a:extLst>
-              <a:ext uri="{FF2B5EF4-FFF2-40B4-BE49-F238E27FC236}">
-                <a16:creationId xmlns:a16="http://schemas.microsoft.com/office/drawing/2014/main" id="{E8B8A453-89AD-42E8-9447-F74C4D3A921B}"/>
-              </a:ext>
-            </a:extLst>
-          </p:cNvPr>
-          <p:cNvSpPr>
-            <a:spLocks noGrp="1"/>
-          </p:cNvSpPr>
-          <p:nvPr>
-            <p:ph type="dt" sz="half" idx="10"/>
-          </p:nvPr>
-        </p:nvSpPr>
-        <p:spPr/>
-        <p:txBody>
-          <a:bodyPr/>
-          <a:lstStyle/>
+            <a:endParaRPr lang="en-US" altLang="zh-CN" noProof="0" smtClean="0"/>
+          </a:p>
+        </p:txBody>
+      </p:sp>
+      <p:sp>
+        <p:nvSpPr>
+          <p:cNvPr id="9" name="Rectangle 5"/>
+          <p:cNvSpPr>
+            <a:spLocks noGrp="1" noChangeArrowheads="1"/>
+          </p:cNvSpPr>
+          <p:nvPr>
+            <p:ph type="dt" sz="half" idx="2"/>
+          </p:nvPr>
+        </p:nvSpPr>
+        <p:spPr bwMode="auto">
+          <a:xfrm>
+            <a:off x="609600" y="6245225"/>
+            <a:ext cx="2844800" cy="476250"/>
+          </a:xfrm>
+          <a:prstGeom prst="rect">
+            <a:avLst/>
+          </a:prstGeom>
+          <a:noFill/>
+          <a:extLst>
+            <a:ext uri="{909E8E84-426E-40DD-AFC4-6F175D3DCCD1}">
+              <a14:hiddenFill xmlns:a14="http://schemas.microsoft.com/office/drawing/2010/main">
+                <a:solidFill>
+                  <a:schemeClr val="accent1"/>
+                </a:solidFill>
+              </a14:hiddenFill>
+            </a:ext>
+            <a:ext uri="{91240B29-F687-4F45-9708-019B960494DF}">
+              <a14:hiddenLine xmlns:a14="http://schemas.microsoft.com/office/drawing/2010/main" w="9525">
+                <a:solidFill>
+                  <a:srgbClr val="000000"/>
+                </a:solidFill>
+                <a:miter lim="800000"/>
+                <a:headEnd/>
+                <a:tailEnd/>
+              </a14:hiddenLine>
+            </a:ext>
+            <a:ext uri="{AF507438-7753-43E0-B8FC-AC1667EBCBE1}">
+              <a14:hiddenEffects xmlns:a14="http://schemas.microsoft.com/office/drawing/2010/main">
+                <a:effectLst>
+                  <a:outerShdw dist="35921" dir="2700000" algn="ctr" rotWithShape="0">
+                    <a:schemeClr val="bg2"/>
+                  </a:outerShdw>
+                </a:effectLst>
+              </a14:hiddenEffects>
+            </a:ext>
+          </a:extLst>
+        </p:spPr>
+        <p:txBody>
+          <a:bodyPr vert="horz" wrap="square" lIns="91440" tIns="45720" rIns="91440" bIns="45720" numCol="1" anchor="t" anchorCtr="0" compatLnSpc="1"/>
+          <a:lstStyle>
+            <a:lvl1pPr>
+              <a:defRPr/>
+            </a:lvl1pPr>
+          </a:lstStyle>
           <a:p>
             <a:fld id="{8C27AE42-AACA-4D4C-8A40-45F743ED3D2E}" type="datetimeFigureOut">
               <a:rPr lang="en-US" smtClean="0"/>
-              <a:t>2/28/2018</a:t>
             </a:fld>
             <a:endParaRPr lang="en-US"/>
           </a:p>
@@ -1072,68 +1070,133 @@
       </p:sp>
       <p:sp>
         <p:nvSpPr>
-          <p:cNvPr id="5" name="Footer Placeholder 4">
-            <a:extLst>
-              <a:ext uri="{FF2B5EF4-FFF2-40B4-BE49-F238E27FC236}">
-                <a16:creationId xmlns:a16="http://schemas.microsoft.com/office/drawing/2014/main" id="{BEB4F62F-6ACF-40BC-9ABE-A10B3D89AF87}"/>
-              </a:ext>
-            </a:extLst>
-          </p:cNvPr>
-          <p:cNvSpPr>
-            <a:spLocks noGrp="1"/>
-          </p:cNvSpPr>
-          <p:nvPr>
-            <p:ph type="ftr" sz="quarter" idx="11"/>
-          </p:nvPr>
-        </p:nvSpPr>
-        <p:spPr/>
-        <p:txBody>
-          <a:bodyPr/>
-          <a:lstStyle/>
-          <a:p>
-            <a:endParaRPr lang="en-US"/>
-          </a:p>
-        </p:txBody>
-      </p:sp>
-      <p:sp>
-        <p:nvSpPr>
-          <p:cNvPr id="6" name="Slide Number Placeholder 5">
-            <a:extLst>
-              <a:ext uri="{FF2B5EF4-FFF2-40B4-BE49-F238E27FC236}">
-                <a16:creationId xmlns:a16="http://schemas.microsoft.com/office/drawing/2014/main" id="{AF989EDA-36BD-4EAE-8318-F66C4D83B1E7}"/>
-              </a:ext>
-            </a:extLst>
-          </p:cNvPr>
-          <p:cNvSpPr>
-            <a:spLocks noGrp="1"/>
-          </p:cNvSpPr>
-          <p:nvPr>
-            <p:ph type="sldNum" sz="quarter" idx="12"/>
-          </p:nvPr>
-        </p:nvSpPr>
-        <p:spPr/>
-        <p:txBody>
-          <a:bodyPr/>
-          <a:lstStyle/>
+          <p:cNvPr id="10" name="Rectangle 6"/>
+          <p:cNvSpPr>
+            <a:spLocks noGrp="1" noChangeArrowheads="1"/>
+          </p:cNvSpPr>
+          <p:nvPr>
+            <p:ph type="ftr" sz="quarter" idx="3"/>
+          </p:nvPr>
+        </p:nvSpPr>
+        <p:spPr bwMode="auto">
+          <a:xfrm>
+            <a:off x="4165600" y="6245225"/>
+            <a:ext cx="3860800" cy="476250"/>
+          </a:xfrm>
+          <a:prstGeom prst="rect">
+            <a:avLst/>
+          </a:prstGeom>
+          <a:noFill/>
+          <a:extLst>
+            <a:ext uri="{909E8E84-426E-40DD-AFC4-6F175D3DCCD1}">
+              <a14:hiddenFill xmlns:a14="http://schemas.microsoft.com/office/drawing/2010/main">
+                <a:solidFill>
+                  <a:schemeClr val="accent1"/>
+                </a:solidFill>
+              </a14:hiddenFill>
+            </a:ext>
+            <a:ext uri="{91240B29-F687-4F45-9708-019B960494DF}">
+              <a14:hiddenLine xmlns:a14="http://schemas.microsoft.com/office/drawing/2010/main" w="9525">
+                <a:solidFill>
+                  <a:srgbClr val="000000"/>
+                </a:solidFill>
+                <a:miter lim="800000"/>
+                <a:headEnd/>
+                <a:tailEnd/>
+              </a14:hiddenLine>
+            </a:ext>
+            <a:ext uri="{AF507438-7753-43E0-B8FC-AC1667EBCBE1}">
+              <a14:hiddenEffects xmlns:a14="http://schemas.microsoft.com/office/drawing/2010/main">
+                <a:effectLst>
+                  <a:outerShdw dist="35921" dir="2700000" algn="ctr" rotWithShape="0">
+                    <a:schemeClr val="bg2"/>
+                  </a:outerShdw>
+                </a:effectLst>
+              </a14:hiddenEffects>
+            </a:ext>
+          </a:extLst>
+        </p:spPr>
+        <p:txBody>
+          <a:bodyPr vert="horz" wrap="square" lIns="91440" tIns="45720" rIns="91440" bIns="45720" numCol="1" anchor="t" anchorCtr="0" compatLnSpc="1"/>
+          <a:lstStyle>
+            <a:lvl1pPr>
+              <a:defRPr/>
+            </a:lvl1pPr>
+          </a:lstStyle>
+          <a:p>
+            <a:endParaRPr lang="en-US"/>
+          </a:p>
+        </p:txBody>
+      </p:sp>
+      <p:sp>
+        <p:nvSpPr>
+          <p:cNvPr id="11" name="Rectangle 7"/>
+          <p:cNvSpPr>
+            <a:spLocks noGrp="1" noChangeArrowheads="1"/>
+          </p:cNvSpPr>
+          <p:nvPr>
+            <p:ph type="sldNum" sz="quarter" idx="4"/>
+          </p:nvPr>
+        </p:nvSpPr>
+        <p:spPr bwMode="auto">
+          <a:xfrm>
+            <a:off x="8737600" y="6245225"/>
+            <a:ext cx="2844800" cy="476250"/>
+          </a:xfrm>
+          <a:prstGeom prst="rect">
+            <a:avLst/>
+          </a:prstGeom>
+          <a:noFill/>
+          <a:extLst>
+            <a:ext uri="{909E8E84-426E-40DD-AFC4-6F175D3DCCD1}">
+              <a14:hiddenFill xmlns:a14="http://schemas.microsoft.com/office/drawing/2010/main">
+                <a:solidFill>
+                  <a:schemeClr val="accent1"/>
+                </a:solidFill>
+              </a14:hiddenFill>
+            </a:ext>
+            <a:ext uri="{91240B29-F687-4F45-9708-019B960494DF}">
+              <a14:hiddenLine xmlns:a14="http://schemas.microsoft.com/office/drawing/2010/main" w="9525">
+                <a:solidFill>
+                  <a:srgbClr val="000000"/>
+                </a:solidFill>
+                <a:miter lim="800000"/>
+                <a:headEnd/>
+                <a:tailEnd/>
+              </a14:hiddenLine>
+            </a:ext>
+            <a:ext uri="{AF507438-7753-43E0-B8FC-AC1667EBCBE1}">
+              <a14:hiddenEffects xmlns:a14="http://schemas.microsoft.com/office/drawing/2010/main">
+                <a:effectLst>
+                  <a:outerShdw dist="35921" dir="2700000" algn="ctr" rotWithShape="0">
+                    <a:schemeClr val="bg2"/>
+                  </a:outerShdw>
+                </a:effectLst>
+              </a14:hiddenEffects>
+            </a:ext>
+          </a:extLst>
+        </p:spPr>
+        <p:txBody>
+          <a:bodyPr vert="horz" wrap="square" lIns="91440" tIns="45720" rIns="91440" bIns="45720" numCol="1" anchor="t" anchorCtr="0" compatLnSpc="1"/>
+          <a:lstStyle>
+            <a:lvl1pPr>
+              <a:defRPr/>
+            </a:lvl1pPr>
+          </a:lstStyle>
           <a:p>
             <a:fld id="{CDCCCBD2-0CC3-45E9-B320-7A5B43E0C681}" type="slidenum">
               <a:rPr lang="en-US" smtClean="0"/>
-              <a:t>‹#›</a:t>
             </a:fld>
             <a:endParaRPr lang="en-US"/>
           </a:p>
         </p:txBody>
       </p:sp>
     </p:spTree>
-    <p:extLst>
-      <p:ext uri="{BB962C8B-B14F-4D97-AF65-F5344CB8AC3E}">
-        <p14:creationId xmlns:p14="http://schemas.microsoft.com/office/powerpoint/2010/main" val="1139335463"/>
-      </p:ext>
-    </p:extLst>
   </p:cSld>
   <p:clrMapOvr>
     <a:masterClrMapping/>
   </p:clrMapOvr>
+  <p:hf sldNum="0" hdr="0" ftr="0" dt="0"/>
 </p:sldLayout>
 </file>
 
@@ -1156,13 +1219,7 @@
       </p:grpSpPr>
       <p:sp>
         <p:nvSpPr>
-          <p:cNvPr id="2" name="Title 1">
-            <a:extLst>
-              <a:ext uri="{FF2B5EF4-FFF2-40B4-BE49-F238E27FC236}">
-                <a16:creationId xmlns:a16="http://schemas.microsoft.com/office/drawing/2014/main" id="{2E173A72-E16C-4C84-9AE4-2A0A77B27789}"/>
-              </a:ext>
-            </a:extLst>
-          </p:cNvPr>
+          <p:cNvPr id="2" name="Title 1"/>
           <p:cNvSpPr>
             <a:spLocks noGrp="1"/>
           </p:cNvSpPr>
@@ -1176,21 +1233,16 @@
           <a:lstStyle/>
           <a:p>
             <a:r>
-              <a:rPr lang="en-US"/>
+              <a:rPr lang="en-US" smtClean="0"/>
               <a:t>Click to edit Master title style</a:t>
             </a:r>
-          </a:p>
-        </p:txBody>
-      </p:sp>
-      <p:sp>
-        <p:nvSpPr>
-          <p:cNvPr id="3" name="Vertical Text Placeholder 2">
-            <a:extLst>
-              <a:ext uri="{FF2B5EF4-FFF2-40B4-BE49-F238E27FC236}">
-                <a16:creationId xmlns:a16="http://schemas.microsoft.com/office/drawing/2014/main" id="{A65DDC27-E35A-4AFF-895F-05994317DDC4}"/>
-              </a:ext>
-            </a:extLst>
-          </p:cNvPr>
+            <a:endParaRPr lang="en-US"/>
+          </a:p>
+        </p:txBody>
+      </p:sp>
+      <p:sp>
+        <p:nvSpPr>
+          <p:cNvPr id="3" name="Vertical Text Placeholder 2"/>
           <p:cNvSpPr>
             <a:spLocks noGrp="1"/>
           </p:cNvSpPr>
@@ -1205,49 +1257,48 @@
           <a:p>
             <a:pPr lvl="0"/>
             <a:r>
-              <a:rPr lang="en-US"/>
-              <a:t>Edit Master text styles</a:t>
-            </a:r>
+              <a:rPr lang="en-US" smtClean="0"/>
+              <a:t>Click to edit Master text styles</a:t>
+            </a:r>
+            <a:endParaRPr lang="en-US" smtClean="0"/>
           </a:p>
           <a:p>
             <a:pPr lvl="1"/>
             <a:r>
-              <a:rPr lang="en-US"/>
+              <a:rPr lang="en-US" smtClean="0"/>
               <a:t>Second level</a:t>
             </a:r>
+            <a:endParaRPr lang="en-US" smtClean="0"/>
           </a:p>
           <a:p>
             <a:pPr lvl="2"/>
             <a:r>
-              <a:rPr lang="en-US"/>
+              <a:rPr lang="en-US" smtClean="0"/>
               <a:t>Third level</a:t>
             </a:r>
+            <a:endParaRPr lang="en-US" smtClean="0"/>
           </a:p>
           <a:p>
             <a:pPr lvl="3"/>
             <a:r>
-              <a:rPr lang="en-US"/>
+              <a:rPr lang="en-US" smtClean="0"/>
               <a:t>Fourth level</a:t>
             </a:r>
+            <a:endParaRPr lang="en-US" smtClean="0"/>
           </a:p>
           <a:p>
             <a:pPr lvl="4"/>
             <a:r>
-              <a:rPr lang="en-US"/>
+              <a:rPr lang="en-US" smtClean="0"/>
               <a:t>Fifth level</a:t>
             </a:r>
-          </a:p>
-        </p:txBody>
-      </p:sp>
-      <p:sp>
-        <p:nvSpPr>
-          <p:cNvPr id="4" name="Date Placeholder 3">
-            <a:extLst>
-              <a:ext uri="{FF2B5EF4-FFF2-40B4-BE49-F238E27FC236}">
-                <a16:creationId xmlns:a16="http://schemas.microsoft.com/office/drawing/2014/main" id="{E7C92FE0-2C53-4A6A-8AF9-F233E52BCC15}"/>
-              </a:ext>
-            </a:extLst>
-          </p:cNvPr>
+            <a:endParaRPr lang="en-US"/>
+          </a:p>
+        </p:txBody>
+      </p:sp>
+      <p:sp>
+        <p:nvSpPr>
+          <p:cNvPr id="4" name="Date Placeholder 3"/>
           <p:cNvSpPr>
             <a:spLocks noGrp="1"/>
           </p:cNvSpPr>
@@ -1258,11 +1309,9 @@
         <p:spPr/>
         <p:txBody>
           <a:bodyPr/>
-          <a:lstStyle/>
           <a:p>
             <a:fld id="{8C27AE42-AACA-4D4C-8A40-45F743ED3D2E}" type="datetimeFigureOut">
               <a:rPr lang="en-US" smtClean="0"/>
-              <a:t>2/28/2018</a:t>
             </a:fld>
             <a:endParaRPr lang="en-US"/>
           </a:p>
@@ -1270,13 +1319,7 @@
       </p:sp>
       <p:sp>
         <p:nvSpPr>
-          <p:cNvPr id="5" name="Footer Placeholder 4">
-            <a:extLst>
-              <a:ext uri="{FF2B5EF4-FFF2-40B4-BE49-F238E27FC236}">
-                <a16:creationId xmlns:a16="http://schemas.microsoft.com/office/drawing/2014/main" id="{F8F79865-85FA-4DCC-AE21-648FA8E12AE0}"/>
-              </a:ext>
-            </a:extLst>
-          </p:cNvPr>
+          <p:cNvPr id="5" name="Footer Placeholder 4"/>
           <p:cNvSpPr>
             <a:spLocks noGrp="1"/>
           </p:cNvSpPr>
@@ -1287,21 +1330,14 @@
         <p:spPr/>
         <p:txBody>
           <a:bodyPr/>
-          <a:lstStyle/>
-          <a:p>
-            <a:endParaRPr lang="en-US"/>
-          </a:p>
-        </p:txBody>
-      </p:sp>
-      <p:sp>
-        <p:nvSpPr>
-          <p:cNvPr id="6" name="Slide Number Placeholder 5">
-            <a:extLst>
-              <a:ext uri="{FF2B5EF4-FFF2-40B4-BE49-F238E27FC236}">
-                <a16:creationId xmlns:a16="http://schemas.microsoft.com/office/drawing/2014/main" id="{4157DBB1-1BD3-4559-8864-2997B189DA15}"/>
-              </a:ext>
-            </a:extLst>
-          </p:cNvPr>
+          <a:p>
+            <a:endParaRPr lang="en-US"/>
+          </a:p>
+        </p:txBody>
+      </p:sp>
+      <p:sp>
+        <p:nvSpPr>
+          <p:cNvPr id="6" name="Slide Number Placeholder 5"/>
           <p:cNvSpPr>
             <a:spLocks noGrp="1"/>
           </p:cNvSpPr>
@@ -1312,26 +1348,20 @@
         <p:spPr/>
         <p:txBody>
           <a:bodyPr/>
-          <a:lstStyle/>
           <a:p>
             <a:fld id="{CDCCCBD2-0CC3-45E9-B320-7A5B43E0C681}" type="slidenum">
               <a:rPr lang="en-US" smtClean="0"/>
-              <a:t>‹#›</a:t>
             </a:fld>
             <a:endParaRPr lang="en-US"/>
           </a:p>
         </p:txBody>
       </p:sp>
     </p:spTree>
-    <p:extLst>
-      <p:ext uri="{BB962C8B-B14F-4D97-AF65-F5344CB8AC3E}">
-        <p14:creationId xmlns:p14="http://schemas.microsoft.com/office/powerpoint/2010/main" val="1157390143"/>
-      </p:ext>
-    </p:extLst>
   </p:cSld>
   <p:clrMapOvr>
     <a:masterClrMapping/>
   </p:clrMapOvr>
+  <p:hf sldNum="0" hdr="0" ftr="0" dt="0"/>
 </p:sldLayout>
 </file>
 
@@ -1354,13 +1384,7 @@
       </p:grpSpPr>
       <p:sp>
         <p:nvSpPr>
-          <p:cNvPr id="2" name="Vertical Title 1">
-            <a:extLst>
-              <a:ext uri="{FF2B5EF4-FFF2-40B4-BE49-F238E27FC236}">
-                <a16:creationId xmlns:a16="http://schemas.microsoft.com/office/drawing/2014/main" id="{CF739BAD-F524-4CB2-8116-F49718A96E61}"/>
-              </a:ext>
-            </a:extLst>
-          </p:cNvPr>
+          <p:cNvPr id="2" name="Vertical Title 1"/>
           <p:cNvSpPr>
             <a:spLocks noGrp="1"/>
           </p:cNvSpPr>
@@ -1370,8 +1394,8 @@
         </p:nvSpPr>
         <p:spPr>
           <a:xfrm>
-            <a:off x="8724900" y="365125"/>
-            <a:ext cx="2628900" cy="5811838"/>
+            <a:off x="8839200" y="190500"/>
+            <a:ext cx="2743200" cy="5937250"/>
           </a:xfrm>
         </p:spPr>
         <p:txBody>
@@ -1379,21 +1403,16 @@
           <a:lstStyle/>
           <a:p>
             <a:r>
-              <a:rPr lang="en-US"/>
+              <a:rPr lang="en-US" smtClean="0"/>
               <a:t>Click to edit Master title style</a:t>
             </a:r>
-          </a:p>
-        </p:txBody>
-      </p:sp>
-      <p:sp>
-        <p:nvSpPr>
-          <p:cNvPr id="3" name="Vertical Text Placeholder 2">
-            <a:extLst>
-              <a:ext uri="{FF2B5EF4-FFF2-40B4-BE49-F238E27FC236}">
-                <a16:creationId xmlns:a16="http://schemas.microsoft.com/office/drawing/2014/main" id="{B618584B-6028-4AC6-932B-9F7D56FF48D4}"/>
-              </a:ext>
-            </a:extLst>
-          </p:cNvPr>
+            <a:endParaRPr lang="en-US"/>
+          </a:p>
+        </p:txBody>
+      </p:sp>
+      <p:sp>
+        <p:nvSpPr>
+          <p:cNvPr id="3" name="Vertical Text Placeholder 2"/>
           <p:cNvSpPr>
             <a:spLocks noGrp="1"/>
           </p:cNvSpPr>
@@ -1403,8 +1422,8 @@
         </p:nvSpPr>
         <p:spPr>
           <a:xfrm>
-            <a:off x="838200" y="365125"/>
-            <a:ext cx="7734300" cy="5811838"/>
+            <a:off x="609600" y="190500"/>
+            <a:ext cx="8026400" cy="5937250"/>
           </a:xfrm>
         </p:spPr>
         <p:txBody>
@@ -1413,49 +1432,48 @@
           <a:p>
             <a:pPr lvl="0"/>
             <a:r>
-              <a:rPr lang="en-US"/>
-              <a:t>Edit Master text styles</a:t>
-            </a:r>
+              <a:rPr lang="en-US" smtClean="0"/>
+              <a:t>Click to edit Master text styles</a:t>
+            </a:r>
+            <a:endParaRPr lang="en-US" smtClean="0"/>
           </a:p>
           <a:p>
             <a:pPr lvl="1"/>
             <a:r>
-              <a:rPr lang="en-US"/>
+              <a:rPr lang="en-US" smtClean="0"/>
               <a:t>Second level</a:t>
             </a:r>
+            <a:endParaRPr lang="en-US" smtClean="0"/>
           </a:p>
           <a:p>
             <a:pPr lvl="2"/>
             <a:r>
-              <a:rPr lang="en-US"/>
+              <a:rPr lang="en-US" smtClean="0"/>
               <a:t>Third level</a:t>
             </a:r>
+            <a:endParaRPr lang="en-US" smtClean="0"/>
           </a:p>
           <a:p>
             <a:pPr lvl="3"/>
             <a:r>
-              <a:rPr lang="en-US"/>
+              <a:rPr lang="en-US" smtClean="0"/>
               <a:t>Fourth level</a:t>
             </a:r>
+            <a:endParaRPr lang="en-US" smtClean="0"/>
           </a:p>
           <a:p>
             <a:pPr lvl="4"/>
             <a:r>
-              <a:rPr lang="en-US"/>
+              <a:rPr lang="en-US" smtClean="0"/>
               <a:t>Fifth level</a:t>
             </a:r>
-          </a:p>
-        </p:txBody>
-      </p:sp>
-      <p:sp>
-        <p:nvSpPr>
-          <p:cNvPr id="4" name="Date Placeholder 3">
-            <a:extLst>
-              <a:ext uri="{FF2B5EF4-FFF2-40B4-BE49-F238E27FC236}">
-                <a16:creationId xmlns:a16="http://schemas.microsoft.com/office/drawing/2014/main" id="{47073F31-39A1-463A-8FA0-50BCB95E0919}"/>
-              </a:ext>
-            </a:extLst>
-          </p:cNvPr>
+            <a:endParaRPr lang="en-US"/>
+          </a:p>
+        </p:txBody>
+      </p:sp>
+      <p:sp>
+        <p:nvSpPr>
+          <p:cNvPr id="4" name="Date Placeholder 3"/>
           <p:cNvSpPr>
             <a:spLocks noGrp="1"/>
           </p:cNvSpPr>
@@ -1466,11 +1484,9 @@
         <p:spPr/>
         <p:txBody>
           <a:bodyPr/>
-          <a:lstStyle/>
           <a:p>
             <a:fld id="{8C27AE42-AACA-4D4C-8A40-45F743ED3D2E}" type="datetimeFigureOut">
               <a:rPr lang="en-US" smtClean="0"/>
-              <a:t>2/28/2018</a:t>
             </a:fld>
             <a:endParaRPr lang="en-US"/>
           </a:p>
@@ -1478,13 +1494,7 @@
       </p:sp>
       <p:sp>
         <p:nvSpPr>
-          <p:cNvPr id="5" name="Footer Placeholder 4">
-            <a:extLst>
-              <a:ext uri="{FF2B5EF4-FFF2-40B4-BE49-F238E27FC236}">
-                <a16:creationId xmlns:a16="http://schemas.microsoft.com/office/drawing/2014/main" id="{85690D37-4022-4656-9DA1-DF182EB8D331}"/>
-              </a:ext>
-            </a:extLst>
-          </p:cNvPr>
+          <p:cNvPr id="5" name="Footer Placeholder 4"/>
           <p:cNvSpPr>
             <a:spLocks noGrp="1"/>
           </p:cNvSpPr>
@@ -1495,21 +1505,14 @@
         <p:spPr/>
         <p:txBody>
           <a:bodyPr/>
-          <a:lstStyle/>
-          <a:p>
-            <a:endParaRPr lang="en-US"/>
-          </a:p>
-        </p:txBody>
-      </p:sp>
-      <p:sp>
-        <p:nvSpPr>
-          <p:cNvPr id="6" name="Slide Number Placeholder 5">
-            <a:extLst>
-              <a:ext uri="{FF2B5EF4-FFF2-40B4-BE49-F238E27FC236}">
-                <a16:creationId xmlns:a16="http://schemas.microsoft.com/office/drawing/2014/main" id="{4D07236E-1976-4B11-94FA-F38EB0BCFA69}"/>
-              </a:ext>
-            </a:extLst>
-          </p:cNvPr>
+          <a:p>
+            <a:endParaRPr lang="en-US"/>
+          </a:p>
+        </p:txBody>
+      </p:sp>
+      <p:sp>
+        <p:nvSpPr>
+          <p:cNvPr id="6" name="Slide Number Placeholder 5"/>
           <p:cNvSpPr>
             <a:spLocks noGrp="1"/>
           </p:cNvSpPr>
@@ -1520,26 +1523,20 @@
         <p:spPr/>
         <p:txBody>
           <a:bodyPr/>
-          <a:lstStyle/>
           <a:p>
             <a:fld id="{CDCCCBD2-0CC3-45E9-B320-7A5B43E0C681}" type="slidenum">
               <a:rPr lang="en-US" smtClean="0"/>
-              <a:t>‹#›</a:t>
             </a:fld>
             <a:endParaRPr lang="en-US"/>
           </a:p>
         </p:txBody>
       </p:sp>
     </p:spTree>
-    <p:extLst>
-      <p:ext uri="{BB962C8B-B14F-4D97-AF65-F5344CB8AC3E}">
-        <p14:creationId xmlns:p14="http://schemas.microsoft.com/office/powerpoint/2010/main" val="1373170843"/>
-      </p:ext>
-    </p:extLst>
   </p:cSld>
   <p:clrMapOvr>
     <a:masterClrMapping/>
   </p:clrMapOvr>
+  <p:hf sldNum="0" hdr="0" ftr="0" dt="0"/>
 </p:sldLayout>
 </file>
 
@@ -1562,13 +1559,7 @@
       </p:grpSpPr>
       <p:sp>
         <p:nvSpPr>
-          <p:cNvPr id="2" name="Title 1">
-            <a:extLst>
-              <a:ext uri="{FF2B5EF4-FFF2-40B4-BE49-F238E27FC236}">
-                <a16:creationId xmlns:a16="http://schemas.microsoft.com/office/drawing/2014/main" id="{C7E540D1-1FE8-4640-BD64-DDC5006A6580}"/>
-              </a:ext>
-            </a:extLst>
-          </p:cNvPr>
+          <p:cNvPr id="2" name="Title 1"/>
           <p:cNvSpPr>
             <a:spLocks noGrp="1"/>
           </p:cNvSpPr>
@@ -1582,21 +1573,16 @@
           <a:lstStyle/>
           <a:p>
             <a:r>
-              <a:rPr lang="en-US"/>
+              <a:rPr lang="en-US" smtClean="0"/>
               <a:t>Click to edit Master title style</a:t>
             </a:r>
-          </a:p>
-        </p:txBody>
-      </p:sp>
-      <p:sp>
-        <p:nvSpPr>
-          <p:cNvPr id="3" name="Content Placeholder 2">
-            <a:extLst>
-              <a:ext uri="{FF2B5EF4-FFF2-40B4-BE49-F238E27FC236}">
-                <a16:creationId xmlns:a16="http://schemas.microsoft.com/office/drawing/2014/main" id="{B28DDD79-2A69-4793-8EE9-10E1B0D96ADC}"/>
-              </a:ext>
-            </a:extLst>
-          </p:cNvPr>
+            <a:endParaRPr lang="en-US"/>
+          </a:p>
+        </p:txBody>
+      </p:sp>
+      <p:sp>
+        <p:nvSpPr>
+          <p:cNvPr id="3" name="Content Placeholder 2"/>
           <p:cNvSpPr>
             <a:spLocks noGrp="1"/>
           </p:cNvSpPr>
@@ -1611,49 +1597,48 @@
           <a:p>
             <a:pPr lvl="0"/>
             <a:r>
-              <a:rPr lang="en-US"/>
-              <a:t>Edit Master text styles</a:t>
-            </a:r>
+              <a:rPr lang="en-US" smtClean="0"/>
+              <a:t>Click to edit Master text styles</a:t>
+            </a:r>
+            <a:endParaRPr lang="en-US" smtClean="0"/>
           </a:p>
           <a:p>
             <a:pPr lvl="1"/>
             <a:r>
-              <a:rPr lang="en-US"/>
+              <a:rPr lang="en-US" smtClean="0"/>
               <a:t>Second level</a:t>
             </a:r>
+            <a:endParaRPr lang="en-US" smtClean="0"/>
           </a:p>
           <a:p>
             <a:pPr lvl="2"/>
             <a:r>
-              <a:rPr lang="en-US"/>
+              <a:rPr lang="en-US" smtClean="0"/>
               <a:t>Third level</a:t>
             </a:r>
+            <a:endParaRPr lang="en-US" smtClean="0"/>
           </a:p>
           <a:p>
             <a:pPr lvl="3"/>
             <a:r>
-              <a:rPr lang="en-US"/>
+              <a:rPr lang="en-US" smtClean="0"/>
               <a:t>Fourth level</a:t>
             </a:r>
+            <a:endParaRPr lang="en-US" smtClean="0"/>
           </a:p>
           <a:p>
             <a:pPr lvl="4"/>
             <a:r>
-              <a:rPr lang="en-US"/>
+              <a:rPr lang="en-US" smtClean="0"/>
               <a:t>Fifth level</a:t>
             </a:r>
-          </a:p>
-        </p:txBody>
-      </p:sp>
-      <p:sp>
-        <p:nvSpPr>
-          <p:cNvPr id="4" name="Date Placeholder 3">
-            <a:extLst>
-              <a:ext uri="{FF2B5EF4-FFF2-40B4-BE49-F238E27FC236}">
-                <a16:creationId xmlns:a16="http://schemas.microsoft.com/office/drawing/2014/main" id="{FE013217-DFA3-4202-8872-D0F1AC2192B3}"/>
-              </a:ext>
-            </a:extLst>
-          </p:cNvPr>
+            <a:endParaRPr lang="en-US"/>
+          </a:p>
+        </p:txBody>
+      </p:sp>
+      <p:sp>
+        <p:nvSpPr>
+          <p:cNvPr id="4" name="Date Placeholder 3"/>
           <p:cNvSpPr>
             <a:spLocks noGrp="1"/>
           </p:cNvSpPr>
@@ -1664,11 +1649,9 @@
         <p:spPr/>
         <p:txBody>
           <a:bodyPr/>
-          <a:lstStyle/>
           <a:p>
             <a:fld id="{8C27AE42-AACA-4D4C-8A40-45F743ED3D2E}" type="datetimeFigureOut">
               <a:rPr lang="en-US" smtClean="0"/>
-              <a:t>2/28/2018</a:t>
             </a:fld>
             <a:endParaRPr lang="en-US"/>
           </a:p>
@@ -1676,13 +1659,7 @@
       </p:sp>
       <p:sp>
         <p:nvSpPr>
-          <p:cNvPr id="5" name="Footer Placeholder 4">
-            <a:extLst>
-              <a:ext uri="{FF2B5EF4-FFF2-40B4-BE49-F238E27FC236}">
-                <a16:creationId xmlns:a16="http://schemas.microsoft.com/office/drawing/2014/main" id="{358960EA-2D55-46FE-9023-604C765A07FA}"/>
-              </a:ext>
-            </a:extLst>
-          </p:cNvPr>
+          <p:cNvPr id="5" name="Footer Placeholder 4"/>
           <p:cNvSpPr>
             <a:spLocks noGrp="1"/>
           </p:cNvSpPr>
@@ -1693,21 +1670,14 @@
         <p:spPr/>
         <p:txBody>
           <a:bodyPr/>
-          <a:lstStyle/>
-          <a:p>
-            <a:endParaRPr lang="en-US"/>
-          </a:p>
-        </p:txBody>
-      </p:sp>
-      <p:sp>
-        <p:nvSpPr>
-          <p:cNvPr id="6" name="Slide Number Placeholder 5">
-            <a:extLst>
-              <a:ext uri="{FF2B5EF4-FFF2-40B4-BE49-F238E27FC236}">
-                <a16:creationId xmlns:a16="http://schemas.microsoft.com/office/drawing/2014/main" id="{BCE9FD3A-DD77-4E4F-B076-599AA3CF1A1F}"/>
-              </a:ext>
-            </a:extLst>
-          </p:cNvPr>
+          <a:p>
+            <a:endParaRPr lang="en-US"/>
+          </a:p>
+        </p:txBody>
+      </p:sp>
+      <p:sp>
+        <p:nvSpPr>
+          <p:cNvPr id="6" name="Slide Number Placeholder 5"/>
           <p:cNvSpPr>
             <a:spLocks noGrp="1"/>
           </p:cNvSpPr>
@@ -1718,26 +1688,20 @@
         <p:spPr/>
         <p:txBody>
           <a:bodyPr/>
-          <a:lstStyle/>
           <a:p>
             <a:fld id="{CDCCCBD2-0CC3-45E9-B320-7A5B43E0C681}" type="slidenum">
               <a:rPr lang="en-US" smtClean="0"/>
-              <a:t>‹#›</a:t>
             </a:fld>
             <a:endParaRPr lang="en-US"/>
           </a:p>
         </p:txBody>
       </p:sp>
     </p:spTree>
-    <p:extLst>
-      <p:ext uri="{BB962C8B-B14F-4D97-AF65-F5344CB8AC3E}">
-        <p14:creationId xmlns:p14="http://schemas.microsoft.com/office/powerpoint/2010/main" val="2945684072"/>
-      </p:ext>
-    </p:extLst>
   </p:cSld>
   <p:clrMapOvr>
     <a:masterClrMapping/>
   </p:clrMapOvr>
+  <p:hf sldNum="0" hdr="0" ftr="0" dt="0"/>
 </p:sldLayout>
 </file>
 
@@ -1760,13 +1724,7 @@
       </p:grpSpPr>
       <p:sp>
         <p:nvSpPr>
-          <p:cNvPr id="2" name="Title 1">
-            <a:extLst>
-              <a:ext uri="{FF2B5EF4-FFF2-40B4-BE49-F238E27FC236}">
-                <a16:creationId xmlns:a16="http://schemas.microsoft.com/office/drawing/2014/main" id="{1F5F2B7D-D616-4E8E-986F-841A33DF0486}"/>
-              </a:ext>
-            </a:extLst>
-          </p:cNvPr>
+          <p:cNvPr id="2" name="Title 1"/>
           <p:cNvSpPr>
             <a:spLocks noGrp="1"/>
           </p:cNvSpPr>
@@ -1776,7 +1734,7 @@
         </p:nvSpPr>
         <p:spPr>
           <a:xfrm>
-            <a:off x="831850" y="1709738"/>
+            <a:off x="831851" y="1709738"/>
             <a:ext cx="10515600" cy="2852737"/>
           </a:xfrm>
         </p:spPr>
@@ -1789,21 +1747,16 @@
           </a:lstStyle>
           <a:p>
             <a:r>
-              <a:rPr lang="en-US"/>
+              <a:rPr lang="en-US" smtClean="0"/>
               <a:t>Click to edit Master title style</a:t>
             </a:r>
-          </a:p>
-        </p:txBody>
-      </p:sp>
-      <p:sp>
-        <p:nvSpPr>
-          <p:cNvPr id="3" name="Text Placeholder 2">
-            <a:extLst>
-              <a:ext uri="{FF2B5EF4-FFF2-40B4-BE49-F238E27FC236}">
-                <a16:creationId xmlns:a16="http://schemas.microsoft.com/office/drawing/2014/main" id="{674D740D-35AD-40B0-8780-BFBD435A29D4}"/>
-              </a:ext>
-            </a:extLst>
-          </p:cNvPr>
+            <a:endParaRPr lang="en-US"/>
+          </a:p>
+        </p:txBody>
+      </p:sp>
+      <p:sp>
+        <p:nvSpPr>
+          <p:cNvPr id="3" name="Text Placeholder 2"/>
           <p:cNvSpPr>
             <a:spLocks noGrp="1"/>
           </p:cNvSpPr>
@@ -1813,7 +1766,7 @@
         </p:nvSpPr>
         <p:spPr>
           <a:xfrm>
-            <a:off x="831850" y="4589463"/>
+            <a:off x="831851" y="4589463"/>
             <a:ext cx="10515600" cy="1500187"/>
           </a:xfrm>
         </p:spPr>
@@ -1822,113 +1775,54 @@
           <a:lstStyle>
             <a:lvl1pPr marL="0" indent="0">
               <a:buNone/>
-              <a:defRPr sz="2400">
-                <a:solidFill>
-                  <a:schemeClr val="tx1">
-                    <a:tint val="75000"/>
-                  </a:schemeClr>
-                </a:solidFill>
-              </a:defRPr>
+              <a:defRPr sz="2400"/>
             </a:lvl1pPr>
             <a:lvl2pPr marL="457200" indent="0">
               <a:buNone/>
-              <a:defRPr sz="2000">
-                <a:solidFill>
-                  <a:schemeClr val="tx1">
-                    <a:tint val="75000"/>
-                  </a:schemeClr>
-                </a:solidFill>
-              </a:defRPr>
+              <a:defRPr sz="2000"/>
             </a:lvl2pPr>
             <a:lvl3pPr marL="914400" indent="0">
               <a:buNone/>
-              <a:defRPr sz="1800">
-                <a:solidFill>
-                  <a:schemeClr val="tx1">
-                    <a:tint val="75000"/>
-                  </a:schemeClr>
-                </a:solidFill>
-              </a:defRPr>
+              <a:defRPr sz="1800"/>
             </a:lvl3pPr>
             <a:lvl4pPr marL="1371600" indent="0">
               <a:buNone/>
-              <a:defRPr sz="1600">
-                <a:solidFill>
-                  <a:schemeClr val="tx1">
-                    <a:tint val="75000"/>
-                  </a:schemeClr>
-                </a:solidFill>
-              </a:defRPr>
+              <a:defRPr sz="1600"/>
             </a:lvl4pPr>
             <a:lvl5pPr marL="1828800" indent="0">
               <a:buNone/>
-              <a:defRPr sz="1600">
-                <a:solidFill>
-                  <a:schemeClr val="tx1">
-                    <a:tint val="75000"/>
-                  </a:schemeClr>
-                </a:solidFill>
-              </a:defRPr>
+              <a:defRPr sz="1600"/>
             </a:lvl5pPr>
             <a:lvl6pPr marL="2286000" indent="0">
               <a:buNone/>
-              <a:defRPr sz="1600">
-                <a:solidFill>
-                  <a:schemeClr val="tx1">
-                    <a:tint val="75000"/>
-                  </a:schemeClr>
-                </a:solidFill>
-              </a:defRPr>
+              <a:defRPr sz="1600"/>
             </a:lvl6pPr>
             <a:lvl7pPr marL="2743200" indent="0">
               <a:buNone/>
-              <a:defRPr sz="1600">
-                <a:solidFill>
-                  <a:schemeClr val="tx1">
-                    <a:tint val="75000"/>
-                  </a:schemeClr>
-                </a:solidFill>
-              </a:defRPr>
+              <a:defRPr sz="1600"/>
             </a:lvl7pPr>
             <a:lvl8pPr marL="3200400" indent="0">
               <a:buNone/>
-              <a:defRPr sz="1600">
-                <a:solidFill>
-                  <a:schemeClr val="tx1">
-                    <a:tint val="75000"/>
-                  </a:schemeClr>
-                </a:solidFill>
-              </a:defRPr>
+              <a:defRPr sz="1600"/>
             </a:lvl8pPr>
             <a:lvl9pPr marL="3657600" indent="0">
               <a:buNone/>
-              <a:defRPr sz="1600">
-                <a:solidFill>
-                  <a:schemeClr val="tx1">
-                    <a:tint val="75000"/>
-                  </a:schemeClr>
-                </a:solidFill>
-              </a:defRPr>
+              <a:defRPr sz="1600"/>
             </a:lvl9pPr>
           </a:lstStyle>
           <a:p>
             <a:pPr lvl="0"/>
             <a:r>
-              <a:rPr lang="en-US"/>
-              <a:t>Edit Master text styles</a:t>
-            </a:r>
-          </a:p>
-        </p:txBody>
-      </p:sp>
-      <p:sp>
-        <p:nvSpPr>
-          <p:cNvPr id="4" name="Date Placeholder 3">
-            <a:extLst>
-              <a:ext uri="{FF2B5EF4-FFF2-40B4-BE49-F238E27FC236}">
-                <a16:creationId xmlns:a16="http://schemas.microsoft.com/office/drawing/2014/main" id="{00FD5A07-BFC8-440A-97F3-FFF9D5F0EB34}"/>
-              </a:ext>
-            </a:extLst>
-          </p:cNvPr>
+              <a:rPr lang="en-US" smtClean="0"/>
+              <a:t>Click to edit Master text styles</a:t>
+            </a:r>
+            <a:endParaRPr lang="en-US" smtClean="0"/>
+          </a:p>
+        </p:txBody>
+      </p:sp>
+      <p:sp>
+        <p:nvSpPr>
+          <p:cNvPr id="4" name="Date Placeholder 3"/>
           <p:cNvSpPr>
             <a:spLocks noGrp="1"/>
           </p:cNvSpPr>
@@ -1939,11 +1833,9 @@
         <p:spPr/>
         <p:txBody>
           <a:bodyPr/>
-          <a:lstStyle/>
           <a:p>
             <a:fld id="{8C27AE42-AACA-4D4C-8A40-45F743ED3D2E}" type="datetimeFigureOut">
               <a:rPr lang="en-US" smtClean="0"/>
-              <a:t>2/28/2018</a:t>
             </a:fld>
             <a:endParaRPr lang="en-US"/>
           </a:p>
@@ -1951,13 +1843,7 @@
       </p:sp>
       <p:sp>
         <p:nvSpPr>
-          <p:cNvPr id="5" name="Footer Placeholder 4">
-            <a:extLst>
-              <a:ext uri="{FF2B5EF4-FFF2-40B4-BE49-F238E27FC236}">
-                <a16:creationId xmlns:a16="http://schemas.microsoft.com/office/drawing/2014/main" id="{42B719FF-D978-416F-841A-064E96EF6B48}"/>
-              </a:ext>
-            </a:extLst>
-          </p:cNvPr>
+          <p:cNvPr id="5" name="Footer Placeholder 4"/>
           <p:cNvSpPr>
             <a:spLocks noGrp="1"/>
           </p:cNvSpPr>
@@ -1968,21 +1854,14 @@
         <p:spPr/>
         <p:txBody>
           <a:bodyPr/>
-          <a:lstStyle/>
-          <a:p>
-            <a:endParaRPr lang="en-US"/>
-          </a:p>
-        </p:txBody>
-      </p:sp>
-      <p:sp>
-        <p:nvSpPr>
-          <p:cNvPr id="6" name="Slide Number Placeholder 5">
-            <a:extLst>
-              <a:ext uri="{FF2B5EF4-FFF2-40B4-BE49-F238E27FC236}">
-                <a16:creationId xmlns:a16="http://schemas.microsoft.com/office/drawing/2014/main" id="{1F4C719C-E36B-43C9-BE42-FF16E7B6511E}"/>
-              </a:ext>
-            </a:extLst>
-          </p:cNvPr>
+          <a:p>
+            <a:endParaRPr lang="en-US"/>
+          </a:p>
+        </p:txBody>
+      </p:sp>
+      <p:sp>
+        <p:nvSpPr>
+          <p:cNvPr id="6" name="Slide Number Placeholder 5"/>
           <p:cNvSpPr>
             <a:spLocks noGrp="1"/>
           </p:cNvSpPr>
@@ -1993,26 +1872,20 @@
         <p:spPr/>
         <p:txBody>
           <a:bodyPr/>
-          <a:lstStyle/>
           <a:p>
             <a:fld id="{CDCCCBD2-0CC3-45E9-B320-7A5B43E0C681}" type="slidenum">
               <a:rPr lang="en-US" smtClean="0"/>
-              <a:t>‹#›</a:t>
             </a:fld>
             <a:endParaRPr lang="en-US"/>
           </a:p>
         </p:txBody>
       </p:sp>
     </p:spTree>
-    <p:extLst>
-      <p:ext uri="{BB962C8B-B14F-4D97-AF65-F5344CB8AC3E}">
-        <p14:creationId xmlns:p14="http://schemas.microsoft.com/office/powerpoint/2010/main" val="4272462968"/>
-      </p:ext>
-    </p:extLst>
   </p:cSld>
   <p:clrMapOvr>
     <a:masterClrMapping/>
   </p:clrMapOvr>
+  <p:hf sldNum="0" hdr="0" ftr="0" dt="0"/>
 </p:sldLayout>
 </file>
 
@@ -2035,13 +1908,7 @@
       </p:grpSpPr>
       <p:sp>
         <p:nvSpPr>
-          <p:cNvPr id="2" name="Title 1">
-            <a:extLst>
-              <a:ext uri="{FF2B5EF4-FFF2-40B4-BE49-F238E27FC236}">
-                <a16:creationId xmlns:a16="http://schemas.microsoft.com/office/drawing/2014/main" id="{C6F85057-6639-4AED-B5AE-D0655485E328}"/>
-              </a:ext>
-            </a:extLst>
-          </p:cNvPr>
+          <p:cNvPr id="2" name="Title 1"/>
           <p:cNvSpPr>
             <a:spLocks noGrp="1"/>
           </p:cNvSpPr>
@@ -2055,21 +1922,16 @@
           <a:lstStyle/>
           <a:p>
             <a:r>
-              <a:rPr lang="en-US"/>
+              <a:rPr lang="en-US" smtClean="0"/>
               <a:t>Click to edit Master title style</a:t>
             </a:r>
-          </a:p>
-        </p:txBody>
-      </p:sp>
-      <p:sp>
-        <p:nvSpPr>
-          <p:cNvPr id="3" name="Content Placeholder 2">
-            <a:extLst>
-              <a:ext uri="{FF2B5EF4-FFF2-40B4-BE49-F238E27FC236}">
-                <a16:creationId xmlns:a16="http://schemas.microsoft.com/office/drawing/2014/main" id="{5608F2C3-B4CA-4B10-BE41-CC26357BBC73}"/>
-              </a:ext>
-            </a:extLst>
-          </p:cNvPr>
+            <a:endParaRPr lang="en-US"/>
+          </a:p>
+        </p:txBody>
+      </p:sp>
+      <p:sp>
+        <p:nvSpPr>
+          <p:cNvPr id="3" name="Content Placeholder 2"/>
           <p:cNvSpPr>
             <a:spLocks noGrp="1"/>
           </p:cNvSpPr>
@@ -2079,8 +1941,8 @@
         </p:nvSpPr>
         <p:spPr>
           <a:xfrm>
-            <a:off x="838200" y="1825625"/>
-            <a:ext cx="5181600" cy="4351338"/>
+            <a:off x="609600" y="1174750"/>
+            <a:ext cx="5384800" cy="4953000"/>
           </a:xfrm>
         </p:spPr>
         <p:txBody>
@@ -2089,49 +1951,48 @@
           <a:p>
             <a:pPr lvl="0"/>
             <a:r>
-              <a:rPr lang="en-US"/>
-              <a:t>Edit Master text styles</a:t>
-            </a:r>
+              <a:rPr lang="en-US" smtClean="0"/>
+              <a:t>Click to edit Master text styles</a:t>
+            </a:r>
+            <a:endParaRPr lang="en-US" smtClean="0"/>
           </a:p>
           <a:p>
             <a:pPr lvl="1"/>
             <a:r>
-              <a:rPr lang="en-US"/>
+              <a:rPr lang="en-US" smtClean="0"/>
               <a:t>Second level</a:t>
             </a:r>
+            <a:endParaRPr lang="en-US" smtClean="0"/>
           </a:p>
           <a:p>
             <a:pPr lvl="2"/>
             <a:r>
-              <a:rPr lang="en-US"/>
+              <a:rPr lang="en-US" smtClean="0"/>
               <a:t>Third level</a:t>
             </a:r>
+            <a:endParaRPr lang="en-US" smtClean="0"/>
           </a:p>
           <a:p>
             <a:pPr lvl="3"/>
             <a:r>
-              <a:rPr lang="en-US"/>
+              <a:rPr lang="en-US" smtClean="0"/>
               <a:t>Fourth level</a:t>
             </a:r>
+            <a:endParaRPr lang="en-US" smtClean="0"/>
           </a:p>
           <a:p>
             <a:pPr lvl="4"/>
             <a:r>
-              <a:rPr lang="en-US"/>
+              <a:rPr lang="en-US" smtClean="0"/>
               <a:t>Fifth level</a:t>
             </a:r>
-          </a:p>
-        </p:txBody>
-      </p:sp>
-      <p:sp>
-        <p:nvSpPr>
-          <p:cNvPr id="4" name="Content Placeholder 3">
-            <a:extLst>
-              <a:ext uri="{FF2B5EF4-FFF2-40B4-BE49-F238E27FC236}">
-                <a16:creationId xmlns:a16="http://schemas.microsoft.com/office/drawing/2014/main" id="{EF27E3E0-84A4-4231-BC7B-FED2AAA36A4E}"/>
-              </a:ext>
-            </a:extLst>
-          </p:cNvPr>
+            <a:endParaRPr lang="en-US"/>
+          </a:p>
+        </p:txBody>
+      </p:sp>
+      <p:sp>
+        <p:nvSpPr>
+          <p:cNvPr id="4" name="Content Placeholder 3"/>
           <p:cNvSpPr>
             <a:spLocks noGrp="1"/>
           </p:cNvSpPr>
@@ -2141,8 +2002,8 @@
         </p:nvSpPr>
         <p:spPr>
           <a:xfrm>
-            <a:off x="6172200" y="1825625"/>
-            <a:ext cx="5181600" cy="4351338"/>
+            <a:off x="6197600" y="1174750"/>
+            <a:ext cx="5384800" cy="4953000"/>
           </a:xfrm>
         </p:spPr>
         <p:txBody>
@@ -2151,49 +2012,48 @@
           <a:p>
             <a:pPr lvl="0"/>
             <a:r>
-              <a:rPr lang="en-US"/>
-              <a:t>Edit Master text styles</a:t>
-            </a:r>
+              <a:rPr lang="en-US" smtClean="0"/>
+              <a:t>Click to edit Master text styles</a:t>
+            </a:r>
+            <a:endParaRPr lang="en-US" smtClean="0"/>
           </a:p>
           <a:p>
             <a:pPr lvl="1"/>
             <a:r>
-              <a:rPr lang="en-US"/>
+              <a:rPr lang="en-US" smtClean="0"/>
               <a:t>Second level</a:t>
             </a:r>
+            <a:endParaRPr lang="en-US" smtClean="0"/>
           </a:p>
           <a:p>
             <a:pPr lvl="2"/>
             <a:r>
-              <a:rPr lang="en-US"/>
+              <a:rPr lang="en-US" smtClean="0"/>
               <a:t>Third level</a:t>
             </a:r>
+            <a:endParaRPr lang="en-US" smtClean="0"/>
           </a:p>
           <a:p>
             <a:pPr lvl="3"/>
             <a:r>
-              <a:rPr lang="en-US"/>
+              <a:rPr lang="en-US" smtClean="0"/>
               <a:t>Fourth level</a:t>
             </a:r>
+            <a:endParaRPr lang="en-US" smtClean="0"/>
           </a:p>
           <a:p>
             <a:pPr lvl="4"/>
             <a:r>
-              <a:rPr lang="en-US"/>
+              <a:rPr lang="en-US" smtClean="0"/>
               <a:t>Fifth level</a:t>
             </a:r>
-          </a:p>
-        </p:txBody>
-      </p:sp>
-      <p:sp>
-        <p:nvSpPr>
-          <p:cNvPr id="5" name="Date Placeholder 4">
-            <a:extLst>
-              <a:ext uri="{FF2B5EF4-FFF2-40B4-BE49-F238E27FC236}">
-                <a16:creationId xmlns:a16="http://schemas.microsoft.com/office/drawing/2014/main" id="{33A875B2-FC48-46E2-ADEE-C6EB2351AD00}"/>
-              </a:ext>
-            </a:extLst>
-          </p:cNvPr>
+            <a:endParaRPr lang="en-US"/>
+          </a:p>
+        </p:txBody>
+      </p:sp>
+      <p:sp>
+        <p:nvSpPr>
+          <p:cNvPr id="5" name="Date Placeholder 4"/>
           <p:cNvSpPr>
             <a:spLocks noGrp="1"/>
           </p:cNvSpPr>
@@ -2204,11 +2064,9 @@
         <p:spPr/>
         <p:txBody>
           <a:bodyPr/>
-          <a:lstStyle/>
           <a:p>
             <a:fld id="{8C27AE42-AACA-4D4C-8A40-45F743ED3D2E}" type="datetimeFigureOut">
               <a:rPr lang="en-US" smtClean="0"/>
-              <a:t>2/28/2018</a:t>
             </a:fld>
             <a:endParaRPr lang="en-US"/>
           </a:p>
@@ -2216,13 +2074,7 @@
       </p:sp>
       <p:sp>
         <p:nvSpPr>
-          <p:cNvPr id="6" name="Footer Placeholder 5">
-            <a:extLst>
-              <a:ext uri="{FF2B5EF4-FFF2-40B4-BE49-F238E27FC236}">
-                <a16:creationId xmlns:a16="http://schemas.microsoft.com/office/drawing/2014/main" id="{CC3E858C-0FBB-4D77-A239-7DABB919636D}"/>
-              </a:ext>
-            </a:extLst>
-          </p:cNvPr>
+          <p:cNvPr id="6" name="Footer Placeholder 5"/>
           <p:cNvSpPr>
             <a:spLocks noGrp="1"/>
           </p:cNvSpPr>
@@ -2233,21 +2085,14 @@
         <p:spPr/>
         <p:txBody>
           <a:bodyPr/>
-          <a:lstStyle/>
-          <a:p>
-            <a:endParaRPr lang="en-US"/>
-          </a:p>
-        </p:txBody>
-      </p:sp>
-      <p:sp>
-        <p:nvSpPr>
-          <p:cNvPr id="7" name="Slide Number Placeholder 6">
-            <a:extLst>
-              <a:ext uri="{FF2B5EF4-FFF2-40B4-BE49-F238E27FC236}">
-                <a16:creationId xmlns:a16="http://schemas.microsoft.com/office/drawing/2014/main" id="{EF43C43D-BDA1-420F-AFB8-400FD9ECB415}"/>
-              </a:ext>
-            </a:extLst>
-          </p:cNvPr>
+          <a:p>
+            <a:endParaRPr lang="en-US"/>
+          </a:p>
+        </p:txBody>
+      </p:sp>
+      <p:sp>
+        <p:nvSpPr>
+          <p:cNvPr id="7" name="Slide Number Placeholder 6"/>
           <p:cNvSpPr>
             <a:spLocks noGrp="1"/>
           </p:cNvSpPr>
@@ -2258,26 +2103,20 @@
         <p:spPr/>
         <p:txBody>
           <a:bodyPr/>
-          <a:lstStyle/>
           <a:p>
             <a:fld id="{CDCCCBD2-0CC3-45E9-B320-7A5B43E0C681}" type="slidenum">
               <a:rPr lang="en-US" smtClean="0"/>
-              <a:t>‹#›</a:t>
             </a:fld>
             <a:endParaRPr lang="en-US"/>
           </a:p>
         </p:txBody>
       </p:sp>
     </p:spTree>
-    <p:extLst>
-      <p:ext uri="{BB962C8B-B14F-4D97-AF65-F5344CB8AC3E}">
-        <p14:creationId xmlns:p14="http://schemas.microsoft.com/office/powerpoint/2010/main" val="1196014223"/>
-      </p:ext>
-    </p:extLst>
   </p:cSld>
   <p:clrMapOvr>
     <a:masterClrMapping/>
   </p:clrMapOvr>
+  <p:hf sldNum="0" hdr="0" ftr="0" dt="0"/>
 </p:sldLayout>
 </file>
 
@@ -2300,13 +2139,7 @@
       </p:grpSpPr>
       <p:sp>
         <p:nvSpPr>
-          <p:cNvPr id="2" name="Title 1">
-            <a:extLst>
-              <a:ext uri="{FF2B5EF4-FFF2-40B4-BE49-F238E27FC236}">
-                <a16:creationId xmlns:a16="http://schemas.microsoft.com/office/drawing/2014/main" id="{F0241A2D-AA5C-4C2F-97E3-4969068EB087}"/>
-              </a:ext>
-            </a:extLst>
-          </p:cNvPr>
+          <p:cNvPr id="2" name="Title 1"/>
           <p:cNvSpPr>
             <a:spLocks noGrp="1"/>
           </p:cNvSpPr>
@@ -2316,7 +2149,7 @@
         </p:nvSpPr>
         <p:spPr>
           <a:xfrm>
-            <a:off x="839788" y="365125"/>
+            <a:off x="840317" y="365125"/>
             <a:ext cx="10515600" cy="1325563"/>
           </a:xfrm>
         </p:spPr>
@@ -2325,21 +2158,16 @@
           <a:lstStyle/>
           <a:p>
             <a:r>
-              <a:rPr lang="en-US"/>
+              <a:rPr lang="en-US" smtClean="0"/>
               <a:t>Click to edit Master title style</a:t>
             </a:r>
-          </a:p>
-        </p:txBody>
-      </p:sp>
-      <p:sp>
-        <p:nvSpPr>
-          <p:cNvPr id="3" name="Text Placeholder 2">
-            <a:extLst>
-              <a:ext uri="{FF2B5EF4-FFF2-40B4-BE49-F238E27FC236}">
-                <a16:creationId xmlns:a16="http://schemas.microsoft.com/office/drawing/2014/main" id="{F429393A-EF5C-466C-8DEE-DF1D38214C69}"/>
-              </a:ext>
-            </a:extLst>
-          </p:cNvPr>
+            <a:endParaRPr lang="en-US"/>
+          </a:p>
+        </p:txBody>
+      </p:sp>
+      <p:sp>
+        <p:nvSpPr>
+          <p:cNvPr id="3" name="Text Placeholder 2"/>
           <p:cNvSpPr>
             <a:spLocks noGrp="1"/>
           </p:cNvSpPr>
@@ -2349,8 +2177,8 @@
         </p:nvSpPr>
         <p:spPr>
           <a:xfrm>
-            <a:off x="839788" y="1681163"/>
-            <a:ext cx="5157787" cy="823912"/>
+            <a:off x="840317" y="1681163"/>
+            <a:ext cx="5158316" cy="823912"/>
           </a:xfrm>
         </p:spPr>
         <p:txBody>
@@ -2396,21 +2224,16 @@
           <a:p>
             <a:pPr lvl="0"/>
             <a:r>
-              <a:rPr lang="en-US"/>
-              <a:t>Edit Master text styles</a:t>
-            </a:r>
-          </a:p>
-        </p:txBody>
-      </p:sp>
-      <p:sp>
-        <p:nvSpPr>
-          <p:cNvPr id="4" name="Content Placeholder 3">
-            <a:extLst>
-              <a:ext uri="{FF2B5EF4-FFF2-40B4-BE49-F238E27FC236}">
-                <a16:creationId xmlns:a16="http://schemas.microsoft.com/office/drawing/2014/main" id="{3467B1D5-5AAD-4500-AE67-71CC706071DB}"/>
-              </a:ext>
-            </a:extLst>
-          </p:cNvPr>
+              <a:rPr lang="en-US" smtClean="0"/>
+              <a:t>Click to edit Master text styles</a:t>
+            </a:r>
+            <a:endParaRPr lang="en-US" smtClean="0"/>
+          </a:p>
+        </p:txBody>
+      </p:sp>
+      <p:sp>
+        <p:nvSpPr>
+          <p:cNvPr id="4" name="Content Placeholder 3"/>
           <p:cNvSpPr>
             <a:spLocks noGrp="1"/>
           </p:cNvSpPr>
@@ -2420,8 +2243,8 @@
         </p:nvSpPr>
         <p:spPr>
           <a:xfrm>
-            <a:off x="839788" y="2505075"/>
-            <a:ext cx="5157787" cy="3684588"/>
+            <a:off x="840317" y="2505075"/>
+            <a:ext cx="5158316" cy="3684588"/>
           </a:xfrm>
         </p:spPr>
         <p:txBody>
@@ -2430,49 +2253,48 @@
           <a:p>
             <a:pPr lvl="0"/>
             <a:r>
-              <a:rPr lang="en-US"/>
-              <a:t>Edit Master text styles</a:t>
-            </a:r>
+              <a:rPr lang="en-US" smtClean="0"/>
+              <a:t>Click to edit Master text styles</a:t>
+            </a:r>
+            <a:endParaRPr lang="en-US" smtClean="0"/>
           </a:p>
           <a:p>
             <a:pPr lvl="1"/>
             <a:r>
-              <a:rPr lang="en-US"/>
+              <a:rPr lang="en-US" smtClean="0"/>
               <a:t>Second level</a:t>
             </a:r>
+            <a:endParaRPr lang="en-US" smtClean="0"/>
           </a:p>
           <a:p>
             <a:pPr lvl="2"/>
             <a:r>
-              <a:rPr lang="en-US"/>
+              <a:rPr lang="en-US" smtClean="0"/>
               <a:t>Third level</a:t>
             </a:r>
+            <a:endParaRPr lang="en-US" smtClean="0"/>
           </a:p>
           <a:p>
             <a:pPr lvl="3"/>
             <a:r>
-              <a:rPr lang="en-US"/>
+              <a:rPr lang="en-US" smtClean="0"/>
               <a:t>Fourth level</a:t>
             </a:r>
+            <a:endParaRPr lang="en-US" smtClean="0"/>
           </a:p>
           <a:p>
             <a:pPr lvl="4"/>
             <a:r>
-              <a:rPr lang="en-US"/>
+              <a:rPr lang="en-US" smtClean="0"/>
               <a:t>Fifth level</a:t>
             </a:r>
-          </a:p>
-        </p:txBody>
-      </p:sp>
-      <p:sp>
-        <p:nvSpPr>
-          <p:cNvPr id="5" name="Text Placeholder 4">
-            <a:extLst>
-              <a:ext uri="{FF2B5EF4-FFF2-40B4-BE49-F238E27FC236}">
-                <a16:creationId xmlns:a16="http://schemas.microsoft.com/office/drawing/2014/main" id="{7510116F-0429-481A-8F31-1184056F7DB9}"/>
-              </a:ext>
-            </a:extLst>
-          </p:cNvPr>
+            <a:endParaRPr lang="en-US"/>
+          </a:p>
+        </p:txBody>
+      </p:sp>
+      <p:sp>
+        <p:nvSpPr>
+          <p:cNvPr id="5" name="Text Placeholder 4"/>
           <p:cNvSpPr>
             <a:spLocks noGrp="1"/>
           </p:cNvSpPr>
@@ -2483,7 +2305,7 @@
         <p:spPr>
           <a:xfrm>
             <a:off x="6172200" y="1681163"/>
-            <a:ext cx="5183188" cy="823912"/>
+            <a:ext cx="5183717" cy="823912"/>
           </a:xfrm>
         </p:spPr>
         <p:txBody>
@@ -2529,21 +2351,16 @@
           <a:p>
             <a:pPr lvl="0"/>
             <a:r>
-              <a:rPr lang="en-US"/>
-              <a:t>Edit Master text styles</a:t>
-            </a:r>
-          </a:p>
-        </p:txBody>
-      </p:sp>
-      <p:sp>
-        <p:nvSpPr>
-          <p:cNvPr id="6" name="Content Placeholder 5">
-            <a:extLst>
-              <a:ext uri="{FF2B5EF4-FFF2-40B4-BE49-F238E27FC236}">
-                <a16:creationId xmlns:a16="http://schemas.microsoft.com/office/drawing/2014/main" id="{098733D9-9CC9-416A-8722-7258BDAB5641}"/>
-              </a:ext>
-            </a:extLst>
-          </p:cNvPr>
+              <a:rPr lang="en-US" smtClean="0"/>
+              <a:t>Click to edit Master text styles</a:t>
+            </a:r>
+            <a:endParaRPr lang="en-US" smtClean="0"/>
+          </a:p>
+        </p:txBody>
+      </p:sp>
+      <p:sp>
+        <p:nvSpPr>
+          <p:cNvPr id="6" name="Content Placeholder 5"/>
           <p:cNvSpPr>
             <a:spLocks noGrp="1"/>
           </p:cNvSpPr>
@@ -2554,7 +2371,7 @@
         <p:spPr>
           <a:xfrm>
             <a:off x="6172200" y="2505075"/>
-            <a:ext cx="5183188" cy="3684588"/>
+            <a:ext cx="5183717" cy="3684588"/>
           </a:xfrm>
         </p:spPr>
         <p:txBody>
@@ -2563,49 +2380,48 @@
           <a:p>
             <a:pPr lvl="0"/>
             <a:r>
-              <a:rPr lang="en-US"/>
-              <a:t>Edit Master text styles</a:t>
-            </a:r>
+              <a:rPr lang="en-US" smtClean="0"/>
+              <a:t>Click to edit Master text styles</a:t>
+            </a:r>
+            <a:endParaRPr lang="en-US" smtClean="0"/>
           </a:p>
           <a:p>
             <a:pPr lvl="1"/>
             <a:r>
-              <a:rPr lang="en-US"/>
+              <a:rPr lang="en-US" smtClean="0"/>
               <a:t>Second level</a:t>
             </a:r>
+            <a:endParaRPr lang="en-US" smtClean="0"/>
           </a:p>
           <a:p>
             <a:pPr lvl="2"/>
             <a:r>
-              <a:rPr lang="en-US"/>
+              <a:rPr lang="en-US" smtClean="0"/>
               <a:t>Third level</a:t>
             </a:r>
+            <a:endParaRPr lang="en-US" smtClean="0"/>
           </a:p>
           <a:p>
             <a:pPr lvl="3"/>
             <a:r>
-              <a:rPr lang="en-US"/>
+              <a:rPr lang="en-US" smtClean="0"/>
               <a:t>Fourth level</a:t>
             </a:r>
+            <a:endParaRPr lang="en-US" smtClean="0"/>
           </a:p>
           <a:p>
             <a:pPr lvl="4"/>
             <a:r>
-              <a:rPr lang="en-US"/>
+              <a:rPr lang="en-US" smtClean="0"/>
               <a:t>Fifth level</a:t>
             </a:r>
-          </a:p>
-        </p:txBody>
-      </p:sp>
-      <p:sp>
-        <p:nvSpPr>
-          <p:cNvPr id="7" name="Date Placeholder 6">
-            <a:extLst>
-              <a:ext uri="{FF2B5EF4-FFF2-40B4-BE49-F238E27FC236}">
-                <a16:creationId xmlns:a16="http://schemas.microsoft.com/office/drawing/2014/main" id="{A6C7A1FD-1A43-4CF6-8417-A96AE784FE61}"/>
-              </a:ext>
-            </a:extLst>
-          </p:cNvPr>
+            <a:endParaRPr lang="en-US"/>
+          </a:p>
+        </p:txBody>
+      </p:sp>
+      <p:sp>
+        <p:nvSpPr>
+          <p:cNvPr id="7" name="Date Placeholder 6"/>
           <p:cNvSpPr>
             <a:spLocks noGrp="1"/>
           </p:cNvSpPr>
@@ -2616,11 +2432,9 @@
         <p:spPr/>
         <p:txBody>
           <a:bodyPr/>
-          <a:lstStyle/>
           <a:p>
             <a:fld id="{8C27AE42-AACA-4D4C-8A40-45F743ED3D2E}" type="datetimeFigureOut">
               <a:rPr lang="en-US" smtClean="0"/>
-              <a:t>2/28/2018</a:t>
             </a:fld>
             <a:endParaRPr lang="en-US"/>
           </a:p>
@@ -2628,13 +2442,7 @@
       </p:sp>
       <p:sp>
         <p:nvSpPr>
-          <p:cNvPr id="8" name="Footer Placeholder 7">
-            <a:extLst>
-              <a:ext uri="{FF2B5EF4-FFF2-40B4-BE49-F238E27FC236}">
-                <a16:creationId xmlns:a16="http://schemas.microsoft.com/office/drawing/2014/main" id="{3E157813-CF1A-41DA-83B1-7657A3672257}"/>
-              </a:ext>
-            </a:extLst>
-          </p:cNvPr>
+          <p:cNvPr id="8" name="Footer Placeholder 7"/>
           <p:cNvSpPr>
             <a:spLocks noGrp="1"/>
           </p:cNvSpPr>
@@ -2645,21 +2453,14 @@
         <p:spPr/>
         <p:txBody>
           <a:bodyPr/>
-          <a:lstStyle/>
-          <a:p>
-            <a:endParaRPr lang="en-US"/>
-          </a:p>
-        </p:txBody>
-      </p:sp>
-      <p:sp>
-        <p:nvSpPr>
-          <p:cNvPr id="9" name="Slide Number Placeholder 8">
-            <a:extLst>
-              <a:ext uri="{FF2B5EF4-FFF2-40B4-BE49-F238E27FC236}">
-                <a16:creationId xmlns:a16="http://schemas.microsoft.com/office/drawing/2014/main" id="{DCA68527-1FA0-4F2D-8DFB-9BB6C49BE689}"/>
-              </a:ext>
-            </a:extLst>
-          </p:cNvPr>
+          <a:p>
+            <a:endParaRPr lang="en-US"/>
+          </a:p>
+        </p:txBody>
+      </p:sp>
+      <p:sp>
+        <p:nvSpPr>
+          <p:cNvPr id="9" name="Slide Number Placeholder 8"/>
           <p:cNvSpPr>
             <a:spLocks noGrp="1"/>
           </p:cNvSpPr>
@@ -2670,26 +2471,20 @@
         <p:spPr/>
         <p:txBody>
           <a:bodyPr/>
-          <a:lstStyle/>
           <a:p>
             <a:fld id="{CDCCCBD2-0CC3-45E9-B320-7A5B43E0C681}" type="slidenum">
               <a:rPr lang="en-US" smtClean="0"/>
-              <a:t>‹#›</a:t>
             </a:fld>
             <a:endParaRPr lang="en-US"/>
           </a:p>
         </p:txBody>
       </p:sp>
     </p:spTree>
-    <p:extLst>
-      <p:ext uri="{BB962C8B-B14F-4D97-AF65-F5344CB8AC3E}">
-        <p14:creationId xmlns:p14="http://schemas.microsoft.com/office/powerpoint/2010/main" val="179609154"/>
-      </p:ext>
-    </p:extLst>
   </p:cSld>
   <p:clrMapOvr>
     <a:masterClrMapping/>
   </p:clrMapOvr>
+  <p:hf sldNum="0" hdr="0" ftr="0" dt="0"/>
 </p:sldLayout>
 </file>
 
@@ -2712,13 +2507,7 @@
       </p:grpSpPr>
       <p:sp>
         <p:nvSpPr>
-          <p:cNvPr id="2" name="Title 1">
-            <a:extLst>
-              <a:ext uri="{FF2B5EF4-FFF2-40B4-BE49-F238E27FC236}">
-                <a16:creationId xmlns:a16="http://schemas.microsoft.com/office/drawing/2014/main" id="{B3B5A092-278F-4F5D-91DC-66162FD7DCE6}"/>
-              </a:ext>
-            </a:extLst>
-          </p:cNvPr>
+          <p:cNvPr id="2" name="Title 1"/>
           <p:cNvSpPr>
             <a:spLocks noGrp="1"/>
           </p:cNvSpPr>
@@ -2732,21 +2521,16 @@
           <a:lstStyle/>
           <a:p>
             <a:r>
-              <a:rPr lang="en-US"/>
+              <a:rPr lang="en-US" smtClean="0"/>
               <a:t>Click to edit Master title style</a:t>
             </a:r>
-          </a:p>
-        </p:txBody>
-      </p:sp>
-      <p:sp>
-        <p:nvSpPr>
-          <p:cNvPr id="3" name="Date Placeholder 2">
-            <a:extLst>
-              <a:ext uri="{FF2B5EF4-FFF2-40B4-BE49-F238E27FC236}">
-                <a16:creationId xmlns:a16="http://schemas.microsoft.com/office/drawing/2014/main" id="{D1D35153-E97E-4293-84C5-1899405F99AD}"/>
-              </a:ext>
-            </a:extLst>
-          </p:cNvPr>
+            <a:endParaRPr lang="en-US"/>
+          </a:p>
+        </p:txBody>
+      </p:sp>
+      <p:sp>
+        <p:nvSpPr>
+          <p:cNvPr id="3" name="Date Placeholder 2"/>
           <p:cNvSpPr>
             <a:spLocks noGrp="1"/>
           </p:cNvSpPr>
@@ -2757,11 +2541,9 @@
         <p:spPr/>
         <p:txBody>
           <a:bodyPr/>
-          <a:lstStyle/>
           <a:p>
             <a:fld id="{8C27AE42-AACA-4D4C-8A40-45F743ED3D2E}" type="datetimeFigureOut">
               <a:rPr lang="en-US" smtClean="0"/>
-              <a:t>2/28/2018</a:t>
             </a:fld>
             <a:endParaRPr lang="en-US"/>
           </a:p>
@@ -2769,13 +2551,7 @@
       </p:sp>
       <p:sp>
         <p:nvSpPr>
-          <p:cNvPr id="4" name="Footer Placeholder 3">
-            <a:extLst>
-              <a:ext uri="{FF2B5EF4-FFF2-40B4-BE49-F238E27FC236}">
-                <a16:creationId xmlns:a16="http://schemas.microsoft.com/office/drawing/2014/main" id="{0EF52878-442B-463D-9229-B0E13AC5CCC6}"/>
-              </a:ext>
-            </a:extLst>
-          </p:cNvPr>
+          <p:cNvPr id="4" name="Footer Placeholder 3"/>
           <p:cNvSpPr>
             <a:spLocks noGrp="1"/>
           </p:cNvSpPr>
@@ -2786,21 +2562,14 @@
         <p:spPr/>
         <p:txBody>
           <a:bodyPr/>
-          <a:lstStyle/>
-          <a:p>
-            <a:endParaRPr lang="en-US"/>
-          </a:p>
-        </p:txBody>
-      </p:sp>
-      <p:sp>
-        <p:nvSpPr>
-          <p:cNvPr id="5" name="Slide Number Placeholder 4">
-            <a:extLst>
-              <a:ext uri="{FF2B5EF4-FFF2-40B4-BE49-F238E27FC236}">
-                <a16:creationId xmlns:a16="http://schemas.microsoft.com/office/drawing/2014/main" id="{F7E51096-709A-46AA-B1FC-A86075967564}"/>
-              </a:ext>
-            </a:extLst>
-          </p:cNvPr>
+          <a:p>
+            <a:endParaRPr lang="en-US"/>
+          </a:p>
+        </p:txBody>
+      </p:sp>
+      <p:sp>
+        <p:nvSpPr>
+          <p:cNvPr id="5" name="Slide Number Placeholder 4"/>
           <p:cNvSpPr>
             <a:spLocks noGrp="1"/>
           </p:cNvSpPr>
@@ -2811,26 +2580,20 @@
         <p:spPr/>
         <p:txBody>
           <a:bodyPr/>
-          <a:lstStyle/>
           <a:p>
             <a:fld id="{CDCCCBD2-0CC3-45E9-B320-7A5B43E0C681}" type="slidenum">
               <a:rPr lang="en-US" smtClean="0"/>
-              <a:t>‹#›</a:t>
             </a:fld>
             <a:endParaRPr lang="en-US"/>
           </a:p>
         </p:txBody>
       </p:sp>
     </p:spTree>
-    <p:extLst>
-      <p:ext uri="{BB962C8B-B14F-4D97-AF65-F5344CB8AC3E}">
-        <p14:creationId xmlns:p14="http://schemas.microsoft.com/office/powerpoint/2010/main" val="974573691"/>
-      </p:ext>
-    </p:extLst>
   </p:cSld>
   <p:clrMapOvr>
     <a:masterClrMapping/>
   </p:clrMapOvr>
+  <p:hf sldNum="0" hdr="0" ftr="0" dt="0"/>
 </p:sldLayout>
 </file>
 
@@ -2853,13 +2616,7 @@
       </p:grpSpPr>
       <p:sp>
         <p:nvSpPr>
-          <p:cNvPr id="2" name="Date Placeholder 1">
-            <a:extLst>
-              <a:ext uri="{FF2B5EF4-FFF2-40B4-BE49-F238E27FC236}">
-                <a16:creationId xmlns:a16="http://schemas.microsoft.com/office/drawing/2014/main" id="{2249EEDE-D105-40AA-B952-14EA3A154896}"/>
-              </a:ext>
-            </a:extLst>
-          </p:cNvPr>
+          <p:cNvPr id="2" name="Date Placeholder 1"/>
           <p:cNvSpPr>
             <a:spLocks noGrp="1"/>
           </p:cNvSpPr>
@@ -2870,11 +2627,9 @@
         <p:spPr/>
         <p:txBody>
           <a:bodyPr/>
-          <a:lstStyle/>
           <a:p>
             <a:fld id="{8C27AE42-AACA-4D4C-8A40-45F743ED3D2E}" type="datetimeFigureOut">
               <a:rPr lang="en-US" smtClean="0"/>
-              <a:t>2/28/2018</a:t>
             </a:fld>
             <a:endParaRPr lang="en-US"/>
           </a:p>
@@ -2882,13 +2637,7 @@
       </p:sp>
       <p:sp>
         <p:nvSpPr>
-          <p:cNvPr id="3" name="Footer Placeholder 2">
-            <a:extLst>
-              <a:ext uri="{FF2B5EF4-FFF2-40B4-BE49-F238E27FC236}">
-                <a16:creationId xmlns:a16="http://schemas.microsoft.com/office/drawing/2014/main" id="{00D76639-F4EB-4D4C-AE50-A3AD459E6E62}"/>
-              </a:ext>
-            </a:extLst>
-          </p:cNvPr>
+          <p:cNvPr id="3" name="Footer Placeholder 2"/>
           <p:cNvSpPr>
             <a:spLocks noGrp="1"/>
           </p:cNvSpPr>
@@ -2899,21 +2648,14 @@
         <p:spPr/>
         <p:txBody>
           <a:bodyPr/>
-          <a:lstStyle/>
-          <a:p>
-            <a:endParaRPr lang="en-US"/>
-          </a:p>
-        </p:txBody>
-      </p:sp>
-      <p:sp>
-        <p:nvSpPr>
-          <p:cNvPr id="4" name="Slide Number Placeholder 3">
-            <a:extLst>
-              <a:ext uri="{FF2B5EF4-FFF2-40B4-BE49-F238E27FC236}">
-                <a16:creationId xmlns:a16="http://schemas.microsoft.com/office/drawing/2014/main" id="{DF3B1FE5-3132-4126-B3D9-A85F2B355314}"/>
-              </a:ext>
-            </a:extLst>
-          </p:cNvPr>
+          <a:p>
+            <a:endParaRPr lang="en-US"/>
+          </a:p>
+        </p:txBody>
+      </p:sp>
+      <p:sp>
+        <p:nvSpPr>
+          <p:cNvPr id="4" name="Slide Number Placeholder 3"/>
           <p:cNvSpPr>
             <a:spLocks noGrp="1"/>
           </p:cNvSpPr>
@@ -2924,26 +2666,20 @@
         <p:spPr/>
         <p:txBody>
           <a:bodyPr/>
-          <a:lstStyle/>
           <a:p>
             <a:fld id="{CDCCCBD2-0CC3-45E9-B320-7A5B43E0C681}" type="slidenum">
               <a:rPr lang="en-US" smtClean="0"/>
-              <a:t>‹#›</a:t>
             </a:fld>
             <a:endParaRPr lang="en-US"/>
           </a:p>
         </p:txBody>
       </p:sp>
     </p:spTree>
-    <p:extLst>
-      <p:ext uri="{BB962C8B-B14F-4D97-AF65-F5344CB8AC3E}">
-        <p14:creationId xmlns:p14="http://schemas.microsoft.com/office/powerpoint/2010/main" val="3838331521"/>
-      </p:ext>
-    </p:extLst>
   </p:cSld>
   <p:clrMapOvr>
     <a:masterClrMapping/>
   </p:clrMapOvr>
+  <p:hf sldNum="0" hdr="0" ftr="0" dt="0"/>
 </p:sldLayout>
 </file>
 
@@ -2966,13 +2702,7 @@
       </p:grpSpPr>
       <p:sp>
         <p:nvSpPr>
-          <p:cNvPr id="2" name="Title 1">
-            <a:extLst>
-              <a:ext uri="{FF2B5EF4-FFF2-40B4-BE49-F238E27FC236}">
-                <a16:creationId xmlns:a16="http://schemas.microsoft.com/office/drawing/2014/main" id="{CC0BB268-D001-4946-8C2F-FD5463525A4D}"/>
-              </a:ext>
-            </a:extLst>
-          </p:cNvPr>
+          <p:cNvPr id="2" name="Title 1"/>
           <p:cNvSpPr>
             <a:spLocks noGrp="1"/>
           </p:cNvSpPr>
@@ -2982,8 +2712,8 @@
         </p:nvSpPr>
         <p:spPr>
           <a:xfrm>
-            <a:off x="839788" y="457200"/>
-            <a:ext cx="3932237" cy="1600200"/>
+            <a:off x="840317" y="457200"/>
+            <a:ext cx="3932767" cy="1600200"/>
           </a:xfrm>
         </p:spPr>
         <p:txBody>
@@ -2995,21 +2725,16 @@
           </a:lstStyle>
           <a:p>
             <a:r>
-              <a:rPr lang="en-US"/>
+              <a:rPr lang="en-US" smtClean="0"/>
               <a:t>Click to edit Master title style</a:t>
             </a:r>
-          </a:p>
-        </p:txBody>
-      </p:sp>
-      <p:sp>
-        <p:nvSpPr>
-          <p:cNvPr id="3" name="Content Placeholder 2">
-            <a:extLst>
-              <a:ext uri="{FF2B5EF4-FFF2-40B4-BE49-F238E27FC236}">
-                <a16:creationId xmlns:a16="http://schemas.microsoft.com/office/drawing/2014/main" id="{6C0B794E-9EB3-48AE-90A4-977790180CA3}"/>
-              </a:ext>
-            </a:extLst>
-          </p:cNvPr>
+            <a:endParaRPr lang="en-US"/>
+          </a:p>
+        </p:txBody>
+      </p:sp>
+      <p:sp>
+        <p:nvSpPr>
+          <p:cNvPr id="3" name="Content Placeholder 2"/>
           <p:cNvSpPr>
             <a:spLocks noGrp="1"/>
           </p:cNvSpPr>
@@ -3019,7 +2744,7 @@
         </p:nvSpPr>
         <p:spPr>
           <a:xfrm>
-            <a:off x="5183188" y="987425"/>
+            <a:off x="5183717" y="987425"/>
             <a:ext cx="6172200" cy="4873625"/>
           </a:xfrm>
         </p:spPr>
@@ -3057,49 +2782,48 @@
           <a:p>
             <a:pPr lvl="0"/>
             <a:r>
-              <a:rPr lang="en-US"/>
-              <a:t>Edit Master text styles</a:t>
-            </a:r>
+              <a:rPr lang="en-US" smtClean="0"/>
+              <a:t>Click to edit Master text styles</a:t>
+            </a:r>
+            <a:endParaRPr lang="en-US" smtClean="0"/>
           </a:p>
           <a:p>
             <a:pPr lvl="1"/>
             <a:r>
-              <a:rPr lang="en-US"/>
+              <a:rPr lang="en-US" smtClean="0"/>
               <a:t>Second level</a:t>
             </a:r>
+            <a:endParaRPr lang="en-US" smtClean="0"/>
           </a:p>
           <a:p>
             <a:pPr lvl="2"/>
             <a:r>
-              <a:rPr lang="en-US"/>
+              <a:rPr lang="en-US" smtClean="0"/>
               <a:t>Third level</a:t>
             </a:r>
+            <a:endParaRPr lang="en-US" smtClean="0"/>
           </a:p>
           <a:p>
             <a:pPr lvl="3"/>
             <a:r>
-              <a:rPr lang="en-US"/>
+              <a:rPr lang="en-US" smtClean="0"/>
               <a:t>Fourth level</a:t>
             </a:r>
+            <a:endParaRPr lang="en-US" smtClean="0"/>
           </a:p>
           <a:p>
             <a:pPr lvl="4"/>
             <a:r>
-              <a:rPr lang="en-US"/>
+              <a:rPr lang="en-US" smtClean="0"/>
               <a:t>Fifth level</a:t>
             </a:r>
-          </a:p>
-        </p:txBody>
-      </p:sp>
-      <p:sp>
-        <p:nvSpPr>
-          <p:cNvPr id="4" name="Text Placeholder 3">
-            <a:extLst>
-              <a:ext uri="{FF2B5EF4-FFF2-40B4-BE49-F238E27FC236}">
-                <a16:creationId xmlns:a16="http://schemas.microsoft.com/office/drawing/2014/main" id="{076C518C-1421-4621-8623-A07CC8ED41E0}"/>
-              </a:ext>
-            </a:extLst>
-          </p:cNvPr>
+            <a:endParaRPr lang="en-US"/>
+          </a:p>
+        </p:txBody>
+      </p:sp>
+      <p:sp>
+        <p:nvSpPr>
+          <p:cNvPr id="4" name="Text Placeholder 3"/>
           <p:cNvSpPr>
             <a:spLocks noGrp="1"/>
           </p:cNvSpPr>
@@ -3109,8 +2833,8 @@
         </p:nvSpPr>
         <p:spPr>
           <a:xfrm>
-            <a:off x="839788" y="2057400"/>
-            <a:ext cx="3932237" cy="3811588"/>
+            <a:off x="840317" y="2057400"/>
+            <a:ext cx="3932767" cy="3811588"/>
           </a:xfrm>
         </p:spPr>
         <p:txBody>
@@ -3156,21 +2880,16 @@
           <a:p>
             <a:pPr lvl="0"/>
             <a:r>
-              <a:rPr lang="en-US"/>
-              <a:t>Edit Master text styles</a:t>
-            </a:r>
-          </a:p>
-        </p:txBody>
-      </p:sp>
-      <p:sp>
-        <p:nvSpPr>
-          <p:cNvPr id="5" name="Date Placeholder 4">
-            <a:extLst>
-              <a:ext uri="{FF2B5EF4-FFF2-40B4-BE49-F238E27FC236}">
-                <a16:creationId xmlns:a16="http://schemas.microsoft.com/office/drawing/2014/main" id="{F46A3EDF-FB72-4040-8144-0A218BC1C4FE}"/>
-              </a:ext>
-            </a:extLst>
-          </p:cNvPr>
+              <a:rPr lang="en-US" smtClean="0"/>
+              <a:t>Click to edit Master text styles</a:t>
+            </a:r>
+            <a:endParaRPr lang="en-US" smtClean="0"/>
+          </a:p>
+        </p:txBody>
+      </p:sp>
+      <p:sp>
+        <p:nvSpPr>
+          <p:cNvPr id="5" name="Date Placeholder 4"/>
           <p:cNvSpPr>
             <a:spLocks noGrp="1"/>
           </p:cNvSpPr>
@@ -3181,11 +2900,9 @@
         <p:spPr/>
         <p:txBody>
           <a:bodyPr/>
-          <a:lstStyle/>
           <a:p>
             <a:fld id="{8C27AE42-AACA-4D4C-8A40-45F743ED3D2E}" type="datetimeFigureOut">
               <a:rPr lang="en-US" smtClean="0"/>
-              <a:t>2/28/2018</a:t>
             </a:fld>
             <a:endParaRPr lang="en-US"/>
           </a:p>
@@ -3193,13 +2910,7 @@
       </p:sp>
       <p:sp>
         <p:nvSpPr>
-          <p:cNvPr id="6" name="Footer Placeholder 5">
-            <a:extLst>
-              <a:ext uri="{FF2B5EF4-FFF2-40B4-BE49-F238E27FC236}">
-                <a16:creationId xmlns:a16="http://schemas.microsoft.com/office/drawing/2014/main" id="{2FCEAA59-25B2-4508-B860-5B0A2078C949}"/>
-              </a:ext>
-            </a:extLst>
-          </p:cNvPr>
+          <p:cNvPr id="6" name="Footer Placeholder 5"/>
           <p:cNvSpPr>
             <a:spLocks noGrp="1"/>
           </p:cNvSpPr>
@@ -3210,21 +2921,14 @@
         <p:spPr/>
         <p:txBody>
           <a:bodyPr/>
-          <a:lstStyle/>
-          <a:p>
-            <a:endParaRPr lang="en-US"/>
-          </a:p>
-        </p:txBody>
-      </p:sp>
-      <p:sp>
-        <p:nvSpPr>
-          <p:cNvPr id="7" name="Slide Number Placeholder 6">
-            <a:extLst>
-              <a:ext uri="{FF2B5EF4-FFF2-40B4-BE49-F238E27FC236}">
-                <a16:creationId xmlns:a16="http://schemas.microsoft.com/office/drawing/2014/main" id="{F64CE595-328B-45CB-A3A4-852389639C24}"/>
-              </a:ext>
-            </a:extLst>
-          </p:cNvPr>
+          <a:p>
+            <a:endParaRPr lang="en-US"/>
+          </a:p>
+        </p:txBody>
+      </p:sp>
+      <p:sp>
+        <p:nvSpPr>
+          <p:cNvPr id="7" name="Slide Number Placeholder 6"/>
           <p:cNvSpPr>
             <a:spLocks noGrp="1"/>
           </p:cNvSpPr>
@@ -3235,26 +2939,20 @@
         <p:spPr/>
         <p:txBody>
           <a:bodyPr/>
-          <a:lstStyle/>
           <a:p>
             <a:fld id="{CDCCCBD2-0CC3-45E9-B320-7A5B43E0C681}" type="slidenum">
               <a:rPr lang="en-US" smtClean="0"/>
-              <a:t>‹#›</a:t>
             </a:fld>
             <a:endParaRPr lang="en-US"/>
           </a:p>
         </p:txBody>
       </p:sp>
     </p:spTree>
-    <p:extLst>
-      <p:ext uri="{BB962C8B-B14F-4D97-AF65-F5344CB8AC3E}">
-        <p14:creationId xmlns:p14="http://schemas.microsoft.com/office/powerpoint/2010/main" val="3867253870"/>
-      </p:ext>
-    </p:extLst>
   </p:cSld>
   <p:clrMapOvr>
     <a:masterClrMapping/>
   </p:clrMapOvr>
+  <p:hf sldNum="0" hdr="0" ftr="0" dt="0"/>
 </p:sldLayout>
 </file>
 
@@ -3277,13 +2975,7 @@
       </p:grpSpPr>
       <p:sp>
         <p:nvSpPr>
-          <p:cNvPr id="2" name="Title 1">
-            <a:extLst>
-              <a:ext uri="{FF2B5EF4-FFF2-40B4-BE49-F238E27FC236}">
-                <a16:creationId xmlns:a16="http://schemas.microsoft.com/office/drawing/2014/main" id="{F6662559-2BD2-454F-A4B1-24E59997A532}"/>
-              </a:ext>
-            </a:extLst>
-          </p:cNvPr>
+          <p:cNvPr id="2" name="Title 1"/>
           <p:cNvSpPr>
             <a:spLocks noGrp="1"/>
           </p:cNvSpPr>
@@ -3293,8 +2985,8 @@
         </p:nvSpPr>
         <p:spPr>
           <a:xfrm>
-            <a:off x="839788" y="457200"/>
-            <a:ext cx="3932237" cy="1600200"/>
+            <a:off x="840317" y="457200"/>
+            <a:ext cx="3932767" cy="1600200"/>
           </a:xfrm>
         </p:spPr>
         <p:txBody>
@@ -3306,21 +2998,16 @@
           </a:lstStyle>
           <a:p>
             <a:r>
-              <a:rPr lang="en-US"/>
+              <a:rPr lang="en-US" smtClean="0"/>
               <a:t>Click to edit Master title style</a:t>
             </a:r>
-          </a:p>
-        </p:txBody>
-      </p:sp>
-      <p:sp>
-        <p:nvSpPr>
-          <p:cNvPr id="3" name="Picture Placeholder 2">
-            <a:extLst>
-              <a:ext uri="{FF2B5EF4-FFF2-40B4-BE49-F238E27FC236}">
-                <a16:creationId xmlns:a16="http://schemas.microsoft.com/office/drawing/2014/main" id="{A8BBB6D3-5803-4B1E-9B5A-16318DCA6935}"/>
-              </a:ext>
-            </a:extLst>
-          </p:cNvPr>
+            <a:endParaRPr lang="en-US"/>
+          </a:p>
+        </p:txBody>
+      </p:sp>
+      <p:sp>
+        <p:nvSpPr>
+          <p:cNvPr id="3" name="Picture Placeholder 2"/>
           <p:cNvSpPr>
             <a:spLocks noGrp="1"/>
           </p:cNvSpPr>
@@ -3330,12 +3017,12 @@
         </p:nvSpPr>
         <p:spPr>
           <a:xfrm>
-            <a:off x="5183188" y="987425"/>
+            <a:off x="5183717" y="987425"/>
             <a:ext cx="6172200" cy="4873625"/>
           </a:xfrm>
         </p:spPr>
         <p:txBody>
-          <a:bodyPr/>
+          <a:bodyPr vert="horz" wrap="square" lIns="91440" tIns="45720" rIns="91440" bIns="45720" numCol="1" anchor="t" anchorCtr="0" compatLnSpc="1"/>
           <a:lstStyle>
             <a:lvl1pPr marL="0" indent="0">
               <a:buNone/>
@@ -3375,19 +3062,42 @@
             </a:lvl9pPr>
           </a:lstStyle>
           <a:p>
-            <a:endParaRPr lang="en-US"/>
-          </a:p>
-        </p:txBody>
-      </p:sp>
-      <p:sp>
-        <p:nvSpPr>
-          <p:cNvPr id="4" name="Text Placeholder 3">
-            <a:extLst>
-              <a:ext uri="{FF2B5EF4-FFF2-40B4-BE49-F238E27FC236}">
-                <a16:creationId xmlns:a16="http://schemas.microsoft.com/office/drawing/2014/main" id="{EDFF92C4-731B-4124-8CFE-1C9186B74A91}"/>
-              </a:ext>
-            </a:extLst>
-          </p:cNvPr>
+            <a:pPr marL="0" marR="0" lvl="0" indent="0" algn="l" defTabSz="914400" rtl="0" eaLnBrk="1" fontAlgn="base" latinLnBrk="0" hangingPunct="1">
+              <a:lnSpc>
+                <a:spcPct val="100000"/>
+              </a:lnSpc>
+              <a:spcBef>
+                <a:spcPct val="20000"/>
+              </a:spcBef>
+              <a:spcAft>
+                <a:spcPct val="0"/>
+              </a:spcAft>
+              <a:buClrTx/>
+              <a:buSzTx/>
+              <a:buFontTx/>
+              <a:buNone/>
+              <a:defRPr/>
+            </a:pPr>
+            <a:endParaRPr kumimoji="0" lang="en-US" sz="3200" b="0" i="0" u="none" strike="noStrike" kern="1200" cap="none" spc="0" normalizeH="0" baseline="0" noProof="0" smtClean="0">
+              <a:ln>
+                <a:noFill/>
+              </a:ln>
+              <a:solidFill>
+                <a:schemeClr val="tx1"/>
+              </a:solidFill>
+              <a:effectLst/>
+              <a:uLnTx/>
+              <a:uFillTx/>
+              <a:latin typeface="+mn-lt"/>
+              <a:ea typeface="+mn-ea"/>
+              <a:cs typeface="+mn-cs"/>
+            </a:endParaRPr>
+          </a:p>
+        </p:txBody>
+      </p:sp>
+      <p:sp>
+        <p:nvSpPr>
+          <p:cNvPr id="4" name="Text Placeholder 3"/>
           <p:cNvSpPr>
             <a:spLocks noGrp="1"/>
           </p:cNvSpPr>
@@ -3397,8 +3107,8 @@
         </p:nvSpPr>
         <p:spPr>
           <a:xfrm>
-            <a:off x="839788" y="2057400"/>
-            <a:ext cx="3932237" cy="3811588"/>
+            <a:off x="840317" y="2057400"/>
+            <a:ext cx="3932767" cy="3811588"/>
           </a:xfrm>
         </p:spPr>
         <p:txBody>
@@ -3444,21 +3154,16 @@
           <a:p>
             <a:pPr lvl="0"/>
             <a:r>
-              <a:rPr lang="en-US"/>
-              <a:t>Edit Master text styles</a:t>
-            </a:r>
-          </a:p>
-        </p:txBody>
-      </p:sp>
-      <p:sp>
-        <p:nvSpPr>
-          <p:cNvPr id="5" name="Date Placeholder 4">
-            <a:extLst>
-              <a:ext uri="{FF2B5EF4-FFF2-40B4-BE49-F238E27FC236}">
-                <a16:creationId xmlns:a16="http://schemas.microsoft.com/office/drawing/2014/main" id="{21AB7DDA-DDFA-42EC-A210-DA675E5C761D}"/>
-              </a:ext>
-            </a:extLst>
-          </p:cNvPr>
+              <a:rPr lang="en-US" smtClean="0"/>
+              <a:t>Click to edit Master text styles</a:t>
+            </a:r>
+            <a:endParaRPr lang="en-US" smtClean="0"/>
+          </a:p>
+        </p:txBody>
+      </p:sp>
+      <p:sp>
+        <p:nvSpPr>
+          <p:cNvPr id="5" name="Date Placeholder 4"/>
           <p:cNvSpPr>
             <a:spLocks noGrp="1"/>
           </p:cNvSpPr>
@@ -3469,11 +3174,9 @@
         <p:spPr/>
         <p:txBody>
           <a:bodyPr/>
-          <a:lstStyle/>
           <a:p>
             <a:fld id="{8C27AE42-AACA-4D4C-8A40-45F743ED3D2E}" type="datetimeFigureOut">
               <a:rPr lang="en-US" smtClean="0"/>
-              <a:t>2/28/2018</a:t>
             </a:fld>
             <a:endParaRPr lang="en-US"/>
           </a:p>
@@ -3481,13 +3184,7 @@
       </p:sp>
       <p:sp>
         <p:nvSpPr>
-          <p:cNvPr id="6" name="Footer Placeholder 5">
-            <a:extLst>
-              <a:ext uri="{FF2B5EF4-FFF2-40B4-BE49-F238E27FC236}">
-                <a16:creationId xmlns:a16="http://schemas.microsoft.com/office/drawing/2014/main" id="{21453154-A8DB-463A-9C4A-CC8AEA3DAD03}"/>
-              </a:ext>
-            </a:extLst>
-          </p:cNvPr>
+          <p:cNvPr id="6" name="Footer Placeholder 5"/>
           <p:cNvSpPr>
             <a:spLocks noGrp="1"/>
           </p:cNvSpPr>
@@ -3498,21 +3195,14 @@
         <p:spPr/>
         <p:txBody>
           <a:bodyPr/>
-          <a:lstStyle/>
-          <a:p>
-            <a:endParaRPr lang="en-US"/>
-          </a:p>
-        </p:txBody>
-      </p:sp>
-      <p:sp>
-        <p:nvSpPr>
-          <p:cNvPr id="7" name="Slide Number Placeholder 6">
-            <a:extLst>
-              <a:ext uri="{FF2B5EF4-FFF2-40B4-BE49-F238E27FC236}">
-                <a16:creationId xmlns:a16="http://schemas.microsoft.com/office/drawing/2014/main" id="{640C25F7-54B8-457F-B02B-E4254BFA1E55}"/>
-              </a:ext>
-            </a:extLst>
-          </p:cNvPr>
+          <a:p>
+            <a:endParaRPr lang="en-US"/>
+          </a:p>
+        </p:txBody>
+      </p:sp>
+      <p:sp>
+        <p:nvSpPr>
+          <p:cNvPr id="7" name="Slide Number Placeholder 6"/>
           <p:cNvSpPr>
             <a:spLocks noGrp="1"/>
           </p:cNvSpPr>
@@ -3523,26 +3213,20 @@
         <p:spPr/>
         <p:txBody>
           <a:bodyPr/>
-          <a:lstStyle/>
           <a:p>
             <a:fld id="{CDCCCBD2-0CC3-45E9-B320-7A5B43E0C681}" type="slidenum">
               <a:rPr lang="en-US" smtClean="0"/>
-              <a:t>‹#›</a:t>
             </a:fld>
             <a:endParaRPr lang="en-US"/>
           </a:p>
         </p:txBody>
       </p:sp>
     </p:spTree>
-    <p:extLst>
-      <p:ext uri="{BB962C8B-B14F-4D97-AF65-F5344CB8AC3E}">
-        <p14:creationId xmlns:p14="http://schemas.microsoft.com/office/powerpoint/2010/main" val="4205815110"/>
-      </p:ext>
-    </p:extLst>
   </p:cSld>
   <p:clrMapOvr>
     <a:masterClrMapping/>
   </p:clrMapOvr>
+  <p:hf sldNum="0" hdr="0" ftr="0" dt="0"/>
 </p:sldLayout>
 </file>
 
@@ -3550,9 +3234,12 @@
 <p:sldMaster xmlns:a="http://schemas.openxmlformats.org/drawingml/2006/main" xmlns:r="http://schemas.openxmlformats.org/officeDocument/2006/relationships" xmlns:p="http://schemas.openxmlformats.org/presentationml/2006/main">
   <p:cSld>
     <p:bg>
-      <p:bgRef idx="1001">
-        <a:schemeClr val="bg1"/>
-      </p:bgRef>
+      <p:bgPr>
+        <a:solidFill>
+          <a:schemeClr val="bg1"/>
+        </a:solidFill>
+        <a:effectLst/>
+      </p:bgPr>
     </p:bg>
     <p:spTree>
       <p:nvGrpSpPr>
@@ -3560,262 +3247,336 @@
         <p:cNvGrpSpPr/>
         <p:nvPr/>
       </p:nvGrpSpPr>
-      <p:grpSpPr>
-        <a:xfrm>
-          <a:off x="0" y="0"/>
-          <a:ext cx="0" cy="0"/>
-          <a:chOff x="0" y="0"/>
-          <a:chExt cx="0" cy="0"/>
-        </a:xfrm>
-      </p:grpSpPr>
-      <p:sp>
-        <p:nvSpPr>
-          <p:cNvPr id="2" name="Title Placeholder 1">
-            <a:extLst>
-              <a:ext uri="{FF2B5EF4-FFF2-40B4-BE49-F238E27FC236}">
-                <a16:creationId xmlns:a16="http://schemas.microsoft.com/office/drawing/2014/main" id="{80594C1F-5476-43AF-AAFC-47771CF344C3}"/>
-              </a:ext>
-            </a:extLst>
-          </p:cNvPr>
-          <p:cNvSpPr>
-            <a:spLocks noGrp="1"/>
-          </p:cNvSpPr>
-          <p:nvPr>
-            <p:ph type="title"/>
-          </p:nvPr>
-        </p:nvSpPr>
+      <p:grpSpPr/>
+      <p:pic>
+        <p:nvPicPr>
+          <p:cNvPr id="1026" name="Picture 10"/>
+          <p:cNvPicPr>
+            <a:picLocks noChangeAspect="1"/>
+          </p:cNvPicPr>
+          <p:nvPr/>
+        </p:nvPicPr>
+        <p:blipFill>
+          <a:blip r:embed="rId12"/>
+          <a:stretch>
+            <a:fillRect/>
+          </a:stretch>
+        </p:blipFill>
         <p:spPr>
           <a:xfrm>
-            <a:off x="838200" y="365125"/>
-            <a:ext cx="10515600" cy="1325563"/>
+            <a:off x="0" y="0"/>
+            <a:ext cx="12192000" cy="6858000"/>
           </a:xfrm>
           <a:prstGeom prst="rect">
             <a:avLst/>
           </a:prstGeom>
+          <a:noFill/>
+          <a:ln w="9525">
+            <a:noFill/>
+          </a:ln>
         </p:spPr>
-        <p:txBody>
-          <a:bodyPr vert="horz" lIns="91440" tIns="45720" rIns="91440" bIns="45720" rtlCol="0" anchor="ctr">
-            <a:normAutofit/>
-          </a:bodyPr>
-          <a:lstStyle/>
-          <a:p>
-            <a:r>
-              <a:rPr lang="en-US"/>
-              <a:t>Click to edit Master title style</a:t>
-            </a:r>
-          </a:p>
-        </p:txBody>
-      </p:sp>
-      <p:sp>
-        <p:nvSpPr>
-          <p:cNvPr id="3" name="Text Placeholder 2">
-            <a:extLst>
-              <a:ext uri="{FF2B5EF4-FFF2-40B4-BE49-F238E27FC236}">
-                <a16:creationId xmlns:a16="http://schemas.microsoft.com/office/drawing/2014/main" id="{9D0FAD6C-359E-4E70-B925-52818B358CD6}"/>
-              </a:ext>
-            </a:extLst>
-          </p:cNvPr>
-          <p:cNvSpPr>
-            <a:spLocks noGrp="1"/>
-          </p:cNvSpPr>
-          <p:nvPr>
-            <p:ph type="body" idx="1"/>
+      </p:pic>
+      <p:sp>
+        <p:nvSpPr>
+          <p:cNvPr id="1027" name="Rectangle 3"/>
+          <p:cNvSpPr>
+            <a:spLocks noGrp="1"/>
+          </p:cNvSpPr>
+          <p:nvPr>
+            <p:ph type="title"/>
           </p:nvPr>
         </p:nvSpPr>
         <p:spPr>
           <a:xfrm>
-            <a:off x="838200" y="1825625"/>
-            <a:ext cx="10515600" cy="4351338"/>
+            <a:off x="609600" y="190500"/>
+            <a:ext cx="10972800" cy="582613"/>
           </a:xfrm>
           <a:prstGeom prst="rect">
             <a:avLst/>
           </a:prstGeom>
+          <a:noFill/>
+          <a:ln w="9525">
+            <a:noFill/>
+          </a:ln>
         </p:spPr>
         <p:txBody>
-          <a:bodyPr vert="horz" lIns="91440" tIns="45720" rIns="91440" bIns="45720" rtlCol="0">
-            <a:normAutofit/>
-          </a:bodyPr>
-          <a:lstStyle/>
+          <a:bodyPr anchor="ctr"/>
           <a:p>
             <a:pPr lvl="0"/>
             <a:r>
-              <a:rPr lang="en-US"/>
-              <a:t>Edit Master text styles</a:t>
-            </a:r>
-          </a:p>
-          <a:p>
-            <a:pPr lvl="1"/>
-            <a:r>
-              <a:rPr lang="en-US"/>
-              <a:t>Second level</a:t>
-            </a:r>
-          </a:p>
-          <a:p>
-            <a:pPr lvl="2"/>
-            <a:r>
-              <a:rPr lang="en-US"/>
-              <a:t>Third level</a:t>
-            </a:r>
-          </a:p>
-          <a:p>
-            <a:pPr lvl="3"/>
-            <a:r>
-              <a:rPr lang="en-US"/>
-              <a:t>Fourth level</a:t>
-            </a:r>
-          </a:p>
-          <a:p>
-            <a:pPr lvl="4"/>
-            <a:r>
-              <a:rPr lang="en-US"/>
-              <a:t>Fifth level</a:t>
-            </a:r>
-          </a:p>
-        </p:txBody>
-      </p:sp>
-      <p:sp>
-        <p:nvSpPr>
-          <p:cNvPr id="4" name="Date Placeholder 3">
-            <a:extLst>
-              <a:ext uri="{FF2B5EF4-FFF2-40B4-BE49-F238E27FC236}">
-                <a16:creationId xmlns:a16="http://schemas.microsoft.com/office/drawing/2014/main" id="{4B9BFB52-10A7-49A4-986D-5C947A5F350F}"/>
-              </a:ext>
-            </a:extLst>
-          </p:cNvPr>
-          <p:cNvSpPr>
-            <a:spLocks noGrp="1"/>
-          </p:cNvSpPr>
-          <p:nvPr>
-            <p:ph type="dt" sz="half" idx="2"/>
+              <a:rPr lang="en-US" altLang="zh-CN" dirty="0"/>
+              <a:t>Click to edit Master title style</a:t>
+            </a:r>
+            <a:endParaRPr lang="en-US" altLang="zh-CN" dirty="0"/>
+          </a:p>
+        </p:txBody>
+      </p:sp>
+      <p:sp>
+        <p:nvSpPr>
+          <p:cNvPr id="1028" name="Rectangle 4"/>
+          <p:cNvSpPr>
+            <a:spLocks noGrp="1"/>
+          </p:cNvSpPr>
+          <p:nvPr>
+            <p:ph type="body" idx="1"/>
           </p:nvPr>
         </p:nvSpPr>
         <p:spPr>
           <a:xfrm>
-            <a:off x="838200" y="6356350"/>
-            <a:ext cx="2743200" cy="365125"/>
+            <a:off x="609600" y="1174750"/>
+            <a:ext cx="10972800" cy="4953000"/>
           </a:xfrm>
           <a:prstGeom prst="rect">
             <a:avLst/>
           </a:prstGeom>
+          <a:noFill/>
+          <a:ln w="9525">
+            <a:noFill/>
+          </a:ln>
         </p:spPr>
         <p:txBody>
-          <a:bodyPr vert="horz" lIns="91440" tIns="45720" rIns="91440" bIns="45720" rtlCol="0" anchor="ctr"/>
-          <a:lstStyle>
-            <a:lvl1pPr algn="l">
-              <a:defRPr sz="1200">
-                <a:solidFill>
-                  <a:schemeClr val="tx1">
-                    <a:tint val="75000"/>
-                  </a:schemeClr>
-                </a:solidFill>
-              </a:defRPr>
-            </a:lvl1pPr>
-          </a:lstStyle>
-          <a:p>
-            <a:fld id="{8C27AE42-AACA-4D4C-8A40-45F743ED3D2E}" type="datetimeFigureOut">
-              <a:rPr lang="en-US" smtClean="0"/>
-              <a:t>2/28/2018</a:t>
-            </a:fld>
-            <a:endParaRPr lang="en-US"/>
-          </a:p>
-        </p:txBody>
-      </p:sp>
-      <p:sp>
-        <p:nvSpPr>
-          <p:cNvPr id="5" name="Footer Placeholder 4">
-            <a:extLst>
-              <a:ext uri="{FF2B5EF4-FFF2-40B4-BE49-F238E27FC236}">
-                <a16:creationId xmlns:a16="http://schemas.microsoft.com/office/drawing/2014/main" id="{8E6C7F68-7A48-4006-90D8-8893A2ACC11C}"/>
-              </a:ext>
-            </a:extLst>
-          </p:cNvPr>
-          <p:cNvSpPr>
-            <a:spLocks noGrp="1"/>
-          </p:cNvSpPr>
-          <p:nvPr>
-            <p:ph type="ftr" sz="quarter" idx="3"/>
-          </p:nvPr>
-        </p:nvSpPr>
-        <p:spPr>
+          <a:bodyPr/>
+          <a:p>
+            <a:pPr lvl="0"/>
+            <a:r>
+              <a:rPr lang="en-US" altLang="zh-CN" dirty="0"/>
+              <a:t>Click to edit Master text styles</a:t>
+            </a:r>
+            <a:endParaRPr lang="en-US" altLang="zh-CN" dirty="0"/>
+          </a:p>
+          <a:p>
+            <a:pPr lvl="1"/>
+            <a:r>
+              <a:rPr lang="en-US" altLang="zh-CN" dirty="0"/>
+              <a:t>Second level</a:t>
+            </a:r>
+            <a:endParaRPr lang="en-US" altLang="zh-CN" dirty="0"/>
+          </a:p>
+          <a:p>
+            <a:pPr lvl="2"/>
+            <a:r>
+              <a:rPr lang="en-US" altLang="zh-CN" dirty="0"/>
+              <a:t>Third level</a:t>
+            </a:r>
+            <a:endParaRPr lang="en-US" altLang="zh-CN" dirty="0"/>
+          </a:p>
+          <a:p>
+            <a:pPr lvl="3"/>
+            <a:r>
+              <a:rPr lang="en-US" altLang="zh-CN" dirty="0"/>
+              <a:t>Fourth level</a:t>
+            </a:r>
+            <a:endParaRPr lang="en-US" altLang="zh-CN" dirty="0"/>
+          </a:p>
+          <a:p>
+            <a:pPr lvl="4"/>
+            <a:r>
+              <a:rPr lang="en-US" altLang="zh-CN" dirty="0"/>
+              <a:t>Fifth level</a:t>
+            </a:r>
+            <a:endParaRPr lang="en-US" altLang="zh-CN" dirty="0"/>
+          </a:p>
+        </p:txBody>
+      </p:sp>
+      <p:sp>
+        <p:nvSpPr>
+          <p:cNvPr id="1029" name="Rectangle 5"/>
+          <p:cNvSpPr>
+            <a:spLocks noGrp="1" noChangeArrowheads="1"/>
+          </p:cNvSpPr>
+          <p:nvPr>
+            <p:ph type="dt" sz="half" idx="2"/>
+          </p:nvPr>
+        </p:nvSpPr>
+        <p:spPr bwMode="auto">
           <a:xfrm>
-            <a:off x="4038600" y="6356350"/>
-            <a:ext cx="4114800" cy="365125"/>
+            <a:off x="609600" y="6245225"/>
+            <a:ext cx="2844800" cy="476250"/>
           </a:xfrm>
           <a:prstGeom prst="rect">
             <a:avLst/>
           </a:prstGeom>
+          <a:noFill/>
+          <a:ln>
+            <a:noFill/>
+          </a:ln>
+          <a:effectLst/>
+          <a:extLst>
+            <a:ext uri="{909E8E84-426E-40DD-AFC4-6F175D3DCCD1}">
+              <a14:hiddenFill xmlns:a14="http://schemas.microsoft.com/office/drawing/2010/main">
+                <a:solidFill>
+                  <a:schemeClr val="accent1"/>
+                </a:solidFill>
+              </a14:hiddenFill>
+            </a:ext>
+            <a:ext uri="{91240B29-F687-4F45-9708-019B960494DF}">
+              <a14:hiddenLine xmlns:a14="http://schemas.microsoft.com/office/drawing/2010/main" w="9525">
+                <a:solidFill>
+                  <a:srgbClr val="000000"/>
+                </a:solidFill>
+                <a:miter lim="800000"/>
+                <a:headEnd/>
+                <a:tailEnd/>
+              </a14:hiddenLine>
+            </a:ext>
+            <a:ext uri="{AF507438-7753-43E0-B8FC-AC1667EBCBE1}">
+              <a14:hiddenEffects xmlns:a14="http://schemas.microsoft.com/office/drawing/2010/main">
+                <a:effectLst>
+                  <a:outerShdw dist="35921" dir="2700000" algn="ctr" rotWithShape="0">
+                    <a:schemeClr val="bg2"/>
+                  </a:outerShdw>
+                </a:effectLst>
+              </a14:hiddenEffects>
+            </a:ext>
+          </a:extLst>
         </p:spPr>
         <p:txBody>
-          <a:bodyPr vert="horz" lIns="91440" tIns="45720" rIns="91440" bIns="45720" rtlCol="0" anchor="ctr"/>
+          <a:bodyPr vert="horz" wrap="square" lIns="91440" tIns="45720" rIns="91440" bIns="45720" numCol="1" anchor="t" anchorCtr="0" compatLnSpc="1"/>
           <a:lstStyle>
-            <a:lvl1pPr algn="ctr">
-              <a:defRPr sz="1200">
-                <a:solidFill>
-                  <a:schemeClr val="tx1">
-                    <a:tint val="75000"/>
-                  </a:schemeClr>
-                </a:solidFill>
-              </a:defRPr>
+            <a:lvl1pPr>
+              <a:defRPr sz="1400"/>
             </a:lvl1pPr>
           </a:lstStyle>
           <a:p>
-            <a:endParaRPr lang="en-US"/>
-          </a:p>
-        </p:txBody>
-      </p:sp>
-      <p:sp>
-        <p:nvSpPr>
-          <p:cNvPr id="6" name="Slide Number Placeholder 5">
-            <a:extLst>
-              <a:ext uri="{FF2B5EF4-FFF2-40B4-BE49-F238E27FC236}">
-                <a16:creationId xmlns:a16="http://schemas.microsoft.com/office/drawing/2014/main" id="{D4FCAB96-5332-4BD2-8251-1C9A1E5657E8}"/>
-              </a:ext>
-            </a:extLst>
-          </p:cNvPr>
-          <p:cNvSpPr>
-            <a:spLocks noGrp="1"/>
-          </p:cNvSpPr>
-          <p:nvPr>
-            <p:ph type="sldNum" sz="quarter" idx="4"/>
-          </p:nvPr>
-        </p:nvSpPr>
-        <p:spPr>
+            <a:fld id="{8C27AE42-AACA-4D4C-8A40-45F743ED3D2E}" type="datetimeFigureOut">
+              <a:rPr lang="en-US" smtClean="0"/>
+            </a:fld>
+            <a:endParaRPr lang="en-US"/>
+          </a:p>
+        </p:txBody>
+      </p:sp>
+      <p:sp>
+        <p:nvSpPr>
+          <p:cNvPr id="1030" name="Rectangle 6"/>
+          <p:cNvSpPr>
+            <a:spLocks noGrp="1" noChangeArrowheads="1"/>
+          </p:cNvSpPr>
+          <p:nvPr>
+            <p:ph type="ftr" sz="quarter" idx="3"/>
+          </p:nvPr>
+        </p:nvSpPr>
+        <p:spPr bwMode="auto">
           <a:xfrm>
-            <a:off x="8610600" y="6356350"/>
-            <a:ext cx="2743200" cy="365125"/>
+            <a:off x="4165600" y="6245225"/>
+            <a:ext cx="3860800" cy="476250"/>
           </a:xfrm>
           <a:prstGeom prst="rect">
             <a:avLst/>
           </a:prstGeom>
+          <a:noFill/>
+          <a:ln>
+            <a:noFill/>
+          </a:ln>
+          <a:effectLst/>
+          <a:extLst>
+            <a:ext uri="{909E8E84-426E-40DD-AFC4-6F175D3DCCD1}">
+              <a14:hiddenFill xmlns:a14="http://schemas.microsoft.com/office/drawing/2010/main">
+                <a:solidFill>
+                  <a:schemeClr val="accent1"/>
+                </a:solidFill>
+              </a14:hiddenFill>
+            </a:ext>
+            <a:ext uri="{91240B29-F687-4F45-9708-019B960494DF}">
+              <a14:hiddenLine xmlns:a14="http://schemas.microsoft.com/office/drawing/2010/main" w="9525">
+                <a:solidFill>
+                  <a:srgbClr val="000000"/>
+                </a:solidFill>
+                <a:miter lim="800000"/>
+                <a:headEnd/>
+                <a:tailEnd/>
+              </a14:hiddenLine>
+            </a:ext>
+            <a:ext uri="{AF507438-7753-43E0-B8FC-AC1667EBCBE1}">
+              <a14:hiddenEffects xmlns:a14="http://schemas.microsoft.com/office/drawing/2010/main">
+                <a:effectLst>
+                  <a:outerShdw dist="35921" dir="2700000" algn="ctr" rotWithShape="0">
+                    <a:schemeClr val="bg2"/>
+                  </a:outerShdw>
+                </a:effectLst>
+              </a14:hiddenEffects>
+            </a:ext>
+          </a:extLst>
         </p:spPr>
         <p:txBody>
-          <a:bodyPr vert="horz" lIns="91440" tIns="45720" rIns="91440" bIns="45720" rtlCol="0" anchor="ctr"/>
+          <a:bodyPr vert="horz" wrap="square" lIns="91440" tIns="45720" rIns="91440" bIns="45720" numCol="1" anchor="t" anchorCtr="0" compatLnSpc="1"/>
+          <a:lstStyle>
+            <a:lvl1pPr algn="ctr">
+              <a:defRPr sz="1400"/>
+            </a:lvl1pPr>
+          </a:lstStyle>
+          <a:p>
+            <a:endParaRPr lang="en-US"/>
+          </a:p>
+        </p:txBody>
+      </p:sp>
+      <p:sp>
+        <p:nvSpPr>
+          <p:cNvPr id="1031" name="Rectangle 7"/>
+          <p:cNvSpPr>
+            <a:spLocks noGrp="1" noChangeArrowheads="1"/>
+          </p:cNvSpPr>
+          <p:nvPr>
+            <p:ph type="sldNum" sz="quarter" idx="4"/>
+          </p:nvPr>
+        </p:nvSpPr>
+        <p:spPr bwMode="auto">
+          <a:xfrm>
+            <a:off x="8737600" y="6245225"/>
+            <a:ext cx="2844800" cy="476250"/>
+          </a:xfrm>
+          <a:prstGeom prst="rect">
+            <a:avLst/>
+          </a:prstGeom>
+          <a:noFill/>
+          <a:ln>
+            <a:noFill/>
+          </a:ln>
+          <a:effectLst/>
+          <a:extLst>
+            <a:ext uri="{909E8E84-426E-40DD-AFC4-6F175D3DCCD1}">
+              <a14:hiddenFill xmlns:a14="http://schemas.microsoft.com/office/drawing/2010/main">
+                <a:solidFill>
+                  <a:schemeClr val="accent1"/>
+                </a:solidFill>
+              </a14:hiddenFill>
+            </a:ext>
+            <a:ext uri="{91240B29-F687-4F45-9708-019B960494DF}">
+              <a14:hiddenLine xmlns:a14="http://schemas.microsoft.com/office/drawing/2010/main" w="9525">
+                <a:solidFill>
+                  <a:srgbClr val="000000"/>
+                </a:solidFill>
+                <a:miter lim="800000"/>
+                <a:headEnd/>
+                <a:tailEnd/>
+              </a14:hiddenLine>
+            </a:ext>
+            <a:ext uri="{AF507438-7753-43E0-B8FC-AC1667EBCBE1}">
+              <a14:hiddenEffects xmlns:a14="http://schemas.microsoft.com/office/drawing/2010/main">
+                <a:effectLst>
+                  <a:outerShdw dist="35921" dir="2700000" algn="ctr" rotWithShape="0">
+                    <a:schemeClr val="bg2"/>
+                  </a:outerShdw>
+                </a:effectLst>
+              </a14:hiddenEffects>
+            </a:ext>
+          </a:extLst>
+        </p:spPr>
+        <p:txBody>
+          <a:bodyPr vert="horz" wrap="square" lIns="91440" tIns="45720" rIns="91440" bIns="45720" numCol="1" anchor="t" anchorCtr="0" compatLnSpc="1"/>
           <a:lstStyle>
             <a:lvl1pPr algn="r">
-              <a:defRPr sz="1200">
-                <a:solidFill>
-                  <a:schemeClr val="tx1">
-                    <a:tint val="75000"/>
-                  </a:schemeClr>
-                </a:solidFill>
-              </a:defRPr>
+              <a:defRPr sz="1400"/>
             </a:lvl1pPr>
           </a:lstStyle>
           <a:p>
             <a:fld id="{CDCCCBD2-0CC3-45E9-B320-7A5B43E0C681}" type="slidenum">
               <a:rPr lang="en-US" smtClean="0"/>
-              <a:t>‹#›</a:t>
             </a:fld>
             <a:endParaRPr lang="en-US"/>
           </a:p>
         </p:txBody>
       </p:sp>
     </p:spTree>
-    <p:extLst>
-      <p:ext uri="{BB962C8B-B14F-4D97-AF65-F5344CB8AC3E}">
-        <p14:creationId xmlns:p14="http://schemas.microsoft.com/office/powerpoint/2010/main" val="3834277507"/>
-      </p:ext>
-    </p:extLst>
   </p:cSld>
   <p:clrMap bg1="lt1" tx1="dk1" bg2="lt2" tx2="dk2" accent1="accent1" accent2="accent2" accent3="accent3" accent4="accent4" accent5="accent5" accent6="accent6" hlink="hlink" folHlink="folHlink"/>
   <p:sldLayoutIdLst>
@@ -3831,17 +3592,17 @@
     <p:sldLayoutId id="2147483658" r:id="rId10"/>
     <p:sldLayoutId id="2147483659" r:id="rId11"/>
   </p:sldLayoutIdLst>
+  <p:hf sldNum="0" hdr="0" ftr="0" dt="0"/>
   <p:txStyles>
     <p:titleStyle>
-      <a:lvl1pPr algn="l" defTabSz="914400" rtl="0" eaLnBrk="1" latinLnBrk="0" hangingPunct="1">
-        <a:lnSpc>
-          <a:spcPct val="90000"/>
-        </a:lnSpc>
+      <a:lvl1pPr algn="l" rtl="0" fontAlgn="base">
         <a:spcBef>
           <a:spcPct val="0"/>
         </a:spcBef>
-        <a:buNone/>
-        <a:defRPr sz="4400" kern="1200">
+        <a:spcAft>
+          <a:spcPct val="0"/>
+        </a:spcAft>
+        <a:defRPr sz="3600" kern="1200">
           <a:solidFill>
             <a:schemeClr val="tx1"/>
           </a:solidFill>
@@ -3850,17 +3611,153 @@
           <a:cs typeface="+mj-cs"/>
         </a:defRPr>
       </a:lvl1pPr>
+      <a:lvl2pPr algn="l" rtl="0" fontAlgn="base">
+        <a:spcBef>
+          <a:spcPct val="0"/>
+        </a:spcBef>
+        <a:spcAft>
+          <a:spcPct val="0"/>
+        </a:spcAft>
+        <a:defRPr sz="3600">
+          <a:solidFill>
+            <a:schemeClr val="tx1"/>
+          </a:solidFill>
+          <a:latin typeface="Arial" panose="020B0604020202020204" pitchFamily="34" charset="0"/>
+          <a:ea typeface="SimSun" panose="02010600030101010101" pitchFamily="2" charset="-122"/>
+        </a:defRPr>
+      </a:lvl2pPr>
+      <a:lvl3pPr algn="l" rtl="0" fontAlgn="base">
+        <a:spcBef>
+          <a:spcPct val="0"/>
+        </a:spcBef>
+        <a:spcAft>
+          <a:spcPct val="0"/>
+        </a:spcAft>
+        <a:defRPr sz="3600">
+          <a:solidFill>
+            <a:schemeClr val="tx1"/>
+          </a:solidFill>
+          <a:latin typeface="Arial" panose="020B0604020202020204" pitchFamily="34" charset="0"/>
+          <a:ea typeface="SimSun" panose="02010600030101010101" pitchFamily="2" charset="-122"/>
+        </a:defRPr>
+      </a:lvl3pPr>
+      <a:lvl4pPr algn="l" rtl="0" fontAlgn="base">
+        <a:spcBef>
+          <a:spcPct val="0"/>
+        </a:spcBef>
+        <a:spcAft>
+          <a:spcPct val="0"/>
+        </a:spcAft>
+        <a:defRPr sz="3600">
+          <a:solidFill>
+            <a:schemeClr val="tx1"/>
+          </a:solidFill>
+          <a:latin typeface="Arial" panose="020B0604020202020204" pitchFamily="34" charset="0"/>
+          <a:ea typeface="SimSun" panose="02010600030101010101" pitchFamily="2" charset="-122"/>
+        </a:defRPr>
+      </a:lvl4pPr>
+      <a:lvl5pPr algn="l" rtl="0" fontAlgn="base">
+        <a:spcBef>
+          <a:spcPct val="0"/>
+        </a:spcBef>
+        <a:spcAft>
+          <a:spcPct val="0"/>
+        </a:spcAft>
+        <a:defRPr sz="3600">
+          <a:solidFill>
+            <a:schemeClr val="tx1"/>
+          </a:solidFill>
+          <a:latin typeface="Arial" panose="020B0604020202020204" pitchFamily="34" charset="0"/>
+          <a:ea typeface="SimSun" panose="02010600030101010101" pitchFamily="2" charset="-122"/>
+        </a:defRPr>
+      </a:lvl5pPr>
+      <a:lvl6pPr marL="457200" algn="l" rtl="0" fontAlgn="base">
+        <a:spcBef>
+          <a:spcPct val="0"/>
+        </a:spcBef>
+        <a:spcAft>
+          <a:spcPct val="0"/>
+        </a:spcAft>
+        <a:defRPr sz="3600">
+          <a:solidFill>
+            <a:schemeClr val="tx1"/>
+          </a:solidFill>
+          <a:latin typeface="Arial" panose="020B0604020202020204" pitchFamily="34" charset="0"/>
+          <a:ea typeface="SimSun" panose="02010600030101010101" pitchFamily="2" charset="-122"/>
+        </a:defRPr>
+      </a:lvl6pPr>
+      <a:lvl7pPr marL="914400" algn="l" rtl="0" fontAlgn="base">
+        <a:spcBef>
+          <a:spcPct val="0"/>
+        </a:spcBef>
+        <a:spcAft>
+          <a:spcPct val="0"/>
+        </a:spcAft>
+        <a:defRPr sz="3600">
+          <a:solidFill>
+            <a:schemeClr val="tx1"/>
+          </a:solidFill>
+          <a:latin typeface="Arial" panose="020B0604020202020204" pitchFamily="34" charset="0"/>
+          <a:ea typeface="SimSun" panose="02010600030101010101" pitchFamily="2" charset="-122"/>
+        </a:defRPr>
+      </a:lvl7pPr>
+      <a:lvl8pPr marL="1371600" algn="l" rtl="0" fontAlgn="base">
+        <a:spcBef>
+          <a:spcPct val="0"/>
+        </a:spcBef>
+        <a:spcAft>
+          <a:spcPct val="0"/>
+        </a:spcAft>
+        <a:defRPr sz="3600">
+          <a:solidFill>
+            <a:schemeClr val="tx1"/>
+          </a:solidFill>
+          <a:latin typeface="Arial" panose="020B0604020202020204" pitchFamily="34" charset="0"/>
+          <a:ea typeface="SimSun" panose="02010600030101010101" pitchFamily="2" charset="-122"/>
+        </a:defRPr>
+      </a:lvl8pPr>
+      <a:lvl9pPr marL="1828800" algn="l" rtl="0" fontAlgn="base">
+        <a:spcBef>
+          <a:spcPct val="0"/>
+        </a:spcBef>
+        <a:spcAft>
+          <a:spcPct val="0"/>
+        </a:spcAft>
+        <a:defRPr sz="3600">
+          <a:solidFill>
+            <a:schemeClr val="tx1"/>
+          </a:solidFill>
+          <a:latin typeface="Arial" panose="020B0604020202020204" pitchFamily="34" charset="0"/>
+          <a:ea typeface="SimSun" panose="02010600030101010101" pitchFamily="2" charset="-122"/>
+        </a:defRPr>
+      </a:lvl9pPr>
     </p:titleStyle>
     <p:bodyStyle>
-      <a:lvl1pPr marL="228600" indent="-228600" algn="l" defTabSz="914400" rtl="0" eaLnBrk="1" latinLnBrk="0" hangingPunct="1">
-        <a:lnSpc>
-          <a:spcPct val="90000"/>
-        </a:lnSpc>
+      <a:lvl1pPr marL="342900" indent="-342900" algn="l" rtl="0" fontAlgn="base">
         <a:spcBef>
-          <a:spcPts val="1000"/>
+          <a:spcPct val="20000"/>
         </a:spcBef>
-        <a:buFont typeface="Arial" panose="020B0604020202020204" pitchFamily="34" charset="0"/>
+        <a:spcAft>
+          <a:spcPct val="0"/>
+        </a:spcAft>
         <a:buChar char="•"/>
+        <a:defRPr sz="3200" kern="1200">
+          <a:solidFill>
+            <a:schemeClr val="tx1"/>
+          </a:solidFill>
+          <a:latin typeface="+mn-lt"/>
+          <a:ea typeface="+mn-ea"/>
+          <a:cs typeface="+mn-cs"/>
+        </a:defRPr>
+      </a:lvl1pPr>
+      <a:lvl2pPr marL="742950" indent="-285750" algn="l" rtl="0" fontAlgn="base">
+        <a:spcBef>
+          <a:spcPct val="20000"/>
+        </a:spcBef>
+        <a:spcAft>
+          <a:spcPct val="0"/>
+        </a:spcAft>
+        <a:buChar char="–"/>
         <a:defRPr sz="2800" kern="1200">
           <a:solidFill>
             <a:schemeClr val="tx1"/>
@@ -3869,15 +3766,14 @@
           <a:ea typeface="+mn-ea"/>
           <a:cs typeface="+mn-cs"/>
         </a:defRPr>
-      </a:lvl1pPr>
-      <a:lvl2pPr marL="685800" indent="-228600" algn="l" defTabSz="914400" rtl="0" eaLnBrk="1" latinLnBrk="0" hangingPunct="1">
-        <a:lnSpc>
-          <a:spcPct val="90000"/>
-        </a:lnSpc>
+      </a:lvl2pPr>
+      <a:lvl3pPr marL="1143000" indent="-228600" algn="l" rtl="0" fontAlgn="base">
         <a:spcBef>
-          <a:spcPts val="500"/>
+          <a:spcPct val="20000"/>
         </a:spcBef>
-        <a:buFont typeface="Arial" panose="020B0604020202020204" pitchFamily="34" charset="0"/>
+        <a:spcAft>
+          <a:spcPct val="0"/>
+        </a:spcAft>
         <a:buChar char="•"/>
         <a:defRPr sz="2400" kern="1200">
           <a:solidFill>
@@ -3887,16 +3783,15 @@
           <a:ea typeface="+mn-ea"/>
           <a:cs typeface="+mn-cs"/>
         </a:defRPr>
-      </a:lvl2pPr>
-      <a:lvl3pPr marL="1143000" indent="-228600" algn="l" defTabSz="914400" rtl="0" eaLnBrk="1" latinLnBrk="0" hangingPunct="1">
-        <a:lnSpc>
-          <a:spcPct val="90000"/>
-        </a:lnSpc>
+      </a:lvl3pPr>
+      <a:lvl4pPr marL="1600200" indent="-228600" algn="l" rtl="0" fontAlgn="base">
         <a:spcBef>
-          <a:spcPts val="500"/>
+          <a:spcPct val="20000"/>
         </a:spcBef>
-        <a:buFont typeface="Arial" panose="020B0604020202020204" pitchFamily="34" charset="0"/>
-        <a:buChar char="•"/>
+        <a:spcAft>
+          <a:spcPct val="0"/>
+        </a:spcAft>
+        <a:buChar char="–"/>
         <a:defRPr sz="2000" kern="1200">
           <a:solidFill>
             <a:schemeClr val="tx1"/>
@@ -3905,35 +3800,16 @@
           <a:ea typeface="+mn-ea"/>
           <a:cs typeface="+mn-cs"/>
         </a:defRPr>
-      </a:lvl3pPr>
-      <a:lvl4pPr marL="1600200" indent="-228600" algn="l" defTabSz="914400" rtl="0" eaLnBrk="1" latinLnBrk="0" hangingPunct="1">
-        <a:lnSpc>
-          <a:spcPct val="90000"/>
-        </a:lnSpc>
+      </a:lvl4pPr>
+      <a:lvl5pPr marL="2057400" indent="-228600" algn="l" rtl="0" fontAlgn="base">
         <a:spcBef>
-          <a:spcPts val="500"/>
+          <a:spcPct val="20000"/>
         </a:spcBef>
-        <a:buFont typeface="Arial" panose="020B0604020202020204" pitchFamily="34" charset="0"/>
-        <a:buChar char="•"/>
-        <a:defRPr sz="1800" kern="1200">
-          <a:solidFill>
-            <a:schemeClr val="tx1"/>
-          </a:solidFill>
-          <a:latin typeface="+mn-lt"/>
-          <a:ea typeface="+mn-ea"/>
-          <a:cs typeface="+mn-cs"/>
-        </a:defRPr>
-      </a:lvl4pPr>
-      <a:lvl5pPr marL="2057400" indent="-228600" algn="l" defTabSz="914400" rtl="0" eaLnBrk="1" latinLnBrk="0" hangingPunct="1">
-        <a:lnSpc>
-          <a:spcPct val="90000"/>
-        </a:lnSpc>
-        <a:spcBef>
-          <a:spcPts val="500"/>
-        </a:spcBef>
-        <a:buFont typeface="Arial" panose="020B0604020202020204" pitchFamily="34" charset="0"/>
-        <a:buChar char="•"/>
-        <a:defRPr sz="1800" kern="1200">
+        <a:spcAft>
+          <a:spcPct val="0"/>
+        </a:spcAft>
+        <a:buChar char="»"/>
+        <a:defRPr sz="2000" kern="1200">
           <a:solidFill>
             <a:schemeClr val="tx1"/>
           </a:solidFill>
@@ -4133,13 +4009,7 @@
       </p:grpSpPr>
       <p:sp>
         <p:nvSpPr>
-          <p:cNvPr id="2" name="Title 1">
-            <a:extLst>
-              <a:ext uri="{FF2B5EF4-FFF2-40B4-BE49-F238E27FC236}">
-                <a16:creationId xmlns:a16="http://schemas.microsoft.com/office/drawing/2014/main" id="{33D77D55-D683-4B4C-90A8-EF9D0D29E5D4}"/>
-              </a:ext>
-            </a:extLst>
-          </p:cNvPr>
+          <p:cNvPr id="2" name="Title 1"/>
           <p:cNvSpPr>
             <a:spLocks noGrp="1"/>
           </p:cNvSpPr>
@@ -4147,27 +4017,27 @@
             <p:ph type="ctrTitle"/>
           </p:nvPr>
         </p:nvSpPr>
-        <p:spPr/>
+        <p:spPr>
+          <a:xfrm>
+            <a:off x="624417" y="2569210"/>
+            <a:ext cx="10943167" cy="1082675"/>
+          </a:xfrm>
+        </p:spPr>
         <p:txBody>
           <a:bodyPr/>
           <a:lstStyle/>
           <a:p>
             <a:r>
-              <a:rPr lang="en-US" dirty="0"/>
+              <a:rPr lang="en-US" sz="7200" dirty="0"/>
               <a:t>Battleship with Phaser</a:t>
             </a:r>
-          </a:p>
-        </p:txBody>
-      </p:sp>
-      <p:sp>
-        <p:nvSpPr>
-          <p:cNvPr id="3" name="Subtitle 2">
-            <a:extLst>
-              <a:ext uri="{FF2B5EF4-FFF2-40B4-BE49-F238E27FC236}">
-                <a16:creationId xmlns:a16="http://schemas.microsoft.com/office/drawing/2014/main" id="{85E8C67F-CE3E-4D0A-A549-4BADB3D92E71}"/>
-              </a:ext>
-            </a:extLst>
-          </p:cNvPr>
+            <a:endParaRPr lang="en-US" sz="7200" dirty="0"/>
+          </a:p>
+        </p:txBody>
+      </p:sp>
+      <p:sp>
+        <p:nvSpPr>
+          <p:cNvPr id="3" name="Subtitle 2"/>
           <p:cNvSpPr>
             <a:spLocks noGrp="1"/>
           </p:cNvSpPr>
@@ -4175,36 +4045,39 @@
             <p:ph type="subTitle" idx="1"/>
           </p:nvPr>
         </p:nvSpPr>
-        <p:spPr/>
+        <p:spPr>
+          <a:xfrm>
+            <a:off x="623993" y="3902075"/>
+            <a:ext cx="10949517" cy="981075"/>
+          </a:xfrm>
+        </p:spPr>
         <p:txBody>
           <a:bodyPr/>
           <a:lstStyle/>
           <a:p>
             <a:r>
-              <a:rPr lang="en-US" dirty="0"/>
+              <a:rPr lang="en-US" sz="4800" dirty="0"/>
               <a:t>Cameron Titus</a:t>
             </a:r>
-          </a:p>
-          <a:p>
-            <a:r>
-              <a:rPr lang="en-US" dirty="0"/>
+            <a:endParaRPr lang="en-US" sz="4800" dirty="0"/>
+          </a:p>
+          <a:p>
+            <a:r>
+              <a:rPr lang="en-US" sz="4800" dirty="0"/>
               <a:t>Corey Gray</a:t>
             </a:r>
-          </a:p>
-          <a:p>
-            <a:r>
-              <a:rPr lang="en-US" dirty="0"/>
+            <a:endParaRPr lang="en-US" sz="4800" dirty="0"/>
+          </a:p>
+          <a:p>
+            <a:r>
+              <a:rPr lang="en-US" sz="4800" dirty="0"/>
               <a:t>Duane Shaffer</a:t>
             </a:r>
+            <a:endParaRPr lang="en-US" sz="4800" dirty="0"/>
           </a:p>
         </p:txBody>
       </p:sp>
     </p:spTree>
-    <p:extLst>
-      <p:ext uri="{BB962C8B-B14F-4D97-AF65-F5344CB8AC3E}">
-        <p14:creationId xmlns:p14="http://schemas.microsoft.com/office/powerpoint/2010/main" val="882391827"/>
-      </p:ext>
-    </p:extLst>
   </p:cSld>
   <p:clrMapOvr>
     <a:masterClrMapping/>
@@ -4231,20 +4104,14 @@
       </p:grpSpPr>
       <p:pic>
         <p:nvPicPr>
-          <p:cNvPr id="5" name="Picture 4">
-            <a:extLst>
-              <a:ext uri="{FF2B5EF4-FFF2-40B4-BE49-F238E27FC236}">
-                <a16:creationId xmlns:a16="http://schemas.microsoft.com/office/drawing/2014/main" id="{9A9A1FCC-6238-45DC-92FB-674E105AEDDA}"/>
-              </a:ext>
-            </a:extLst>
-          </p:cNvPr>
+          <p:cNvPr id="5" name="Picture 4"/>
           <p:cNvPicPr>
             <a:picLocks noChangeAspect="1"/>
           </p:cNvPicPr>
           <p:nvPr/>
         </p:nvPicPr>
         <p:blipFill>
-          <a:blip r:embed="rId2">
+          <a:blip r:embed="rId1">
             <a:extLst>
               <a:ext uri="{28A0092B-C50C-407E-A947-70E740481C1C}">
                 <a14:useLocalDpi xmlns:a14="http://schemas.microsoft.com/office/drawing/2010/main" val="0"/>
@@ -4266,11 +4133,6 @@
         </p:spPr>
       </p:pic>
     </p:spTree>
-    <p:extLst>
-      <p:ext uri="{BB962C8B-B14F-4D97-AF65-F5344CB8AC3E}">
-        <p14:creationId xmlns:p14="http://schemas.microsoft.com/office/powerpoint/2010/main" val="3367614362"/>
-      </p:ext>
-    </p:extLst>
   </p:cSld>
   <p:clrMapOvr>
     <a:masterClrMapping/>
@@ -4297,13 +4159,7 @@
       </p:grpSpPr>
       <p:sp>
         <p:nvSpPr>
-          <p:cNvPr id="2" name="Title 1">
-            <a:extLst>
-              <a:ext uri="{FF2B5EF4-FFF2-40B4-BE49-F238E27FC236}">
-                <a16:creationId xmlns:a16="http://schemas.microsoft.com/office/drawing/2014/main" id="{A6C65BF4-34F4-4CF3-8823-D7464BDB3619}"/>
-              </a:ext>
-            </a:extLst>
-          </p:cNvPr>
+          <p:cNvPr id="2" name="Title 1"/>
           <p:cNvSpPr>
             <a:spLocks noGrp="1"/>
           </p:cNvSpPr>
@@ -4311,27 +4167,27 @@
             <p:ph type="title"/>
           </p:nvPr>
         </p:nvSpPr>
-        <p:spPr/>
+        <p:spPr>
+          <a:xfrm>
+            <a:off x="609600" y="307340"/>
+            <a:ext cx="10972800" cy="582613"/>
+          </a:xfrm>
+        </p:spPr>
         <p:txBody>
           <a:bodyPr/>
           <a:lstStyle/>
           <a:p>
             <a:r>
-              <a:rPr lang="en-US" dirty="0"/>
+              <a:rPr lang="en-US" sz="7200" dirty="0"/>
               <a:t>Original Concept</a:t>
             </a:r>
+            <a:endParaRPr lang="en-US" sz="7200" dirty="0"/>
           </a:p>
         </p:txBody>
       </p:sp>
       <p:pic>
         <p:nvPicPr>
-          <p:cNvPr id="5" name="Content Placeholder 4">
-            <a:extLst>
-              <a:ext uri="{FF2B5EF4-FFF2-40B4-BE49-F238E27FC236}">
-                <a16:creationId xmlns:a16="http://schemas.microsoft.com/office/drawing/2014/main" id="{7070D4DF-3962-4D9C-A5CD-0FF3A1A1FB2B}"/>
-              </a:ext>
-            </a:extLst>
-          </p:cNvPr>
+          <p:cNvPr id="5" name="Content Placeholder 4"/>
           <p:cNvPicPr>
             <a:picLocks noGrp="1" noChangeAspect="1"/>
           </p:cNvPicPr>
@@ -4340,7 +4196,7 @@
           </p:nvPr>
         </p:nvPicPr>
         <p:blipFill>
-          <a:blip r:embed="rId3">
+          <a:blip r:embed="rId1">
             <a:extLst>
               <a:ext uri="{28A0092B-C50C-407E-A947-70E740481C1C}">
                 <a14:useLocalDpi xmlns:a14="http://schemas.microsoft.com/office/drawing/2010/main" val="0"/>
@@ -4360,13 +4216,7 @@
       </p:pic>
       <p:sp>
         <p:nvSpPr>
-          <p:cNvPr id="6" name="Content Placeholder 5">
-            <a:extLst>
-              <a:ext uri="{FF2B5EF4-FFF2-40B4-BE49-F238E27FC236}">
-                <a16:creationId xmlns:a16="http://schemas.microsoft.com/office/drawing/2014/main" id="{17D4C50F-BA9A-41E1-8983-1385619B2787}"/>
-              </a:ext>
-            </a:extLst>
-          </p:cNvPr>
+          <p:cNvPr id="6" name="Content Placeholder 5"/>
           <p:cNvSpPr>
             <a:spLocks noGrp="1"/>
           </p:cNvSpPr>
@@ -4376,8 +4226,8 @@
         </p:nvSpPr>
         <p:spPr>
           <a:xfrm>
-            <a:off x="6172200" y="1825625"/>
-            <a:ext cx="5181600" cy="4351338"/>
+            <a:off x="6155690" y="1064895"/>
+            <a:ext cx="5864860" cy="4351655"/>
           </a:xfrm>
         </p:spPr>
         <p:txBody>
@@ -4388,51 +4238,53 @@
               <a:rPr lang="en-US" dirty="0"/>
               <a:t>GUI</a:t>
             </a:r>
+            <a:endParaRPr lang="en-US" dirty="0"/>
           </a:p>
           <a:p>
             <a:r>
               <a:rPr lang="en-US" dirty="0"/>
               <a:t>Mouse or keyboard control</a:t>
             </a:r>
+            <a:endParaRPr lang="en-US" dirty="0"/>
           </a:p>
           <a:p>
             <a:r>
               <a:rPr lang="en-US" dirty="0"/>
               <a:t>Local or online co-op boss fight</a:t>
             </a:r>
+            <a:endParaRPr lang="en-US" dirty="0"/>
           </a:p>
           <a:p>
             <a:r>
               <a:rPr lang="en-US" dirty="0"/>
               <a:t>Time-based final attack and random extra attacks forces decision making</a:t>
             </a:r>
+            <a:endParaRPr lang="en-US" dirty="0"/>
           </a:p>
           <a:p>
             <a:r>
               <a:rPr lang="en-US" dirty="0"/>
               <a:t>Multi-platform</a:t>
             </a:r>
+            <a:endParaRPr lang="en-US" dirty="0"/>
           </a:p>
           <a:p>
             <a:r>
               <a:rPr lang="en-US" dirty="0"/>
               <a:t>Different ships and difficulties</a:t>
             </a:r>
+            <a:endParaRPr lang="en-US" dirty="0"/>
           </a:p>
           <a:p>
             <a:r>
               <a:rPr lang="en-US" dirty="0"/>
               <a:t>Teams and lobbies</a:t>
             </a:r>
+            <a:endParaRPr lang="en-US" dirty="0"/>
           </a:p>
         </p:txBody>
       </p:sp>
     </p:spTree>
-    <p:extLst>
-      <p:ext uri="{BB962C8B-B14F-4D97-AF65-F5344CB8AC3E}">
-        <p14:creationId xmlns:p14="http://schemas.microsoft.com/office/powerpoint/2010/main" val="1880344330"/>
-      </p:ext>
-    </p:extLst>
   </p:cSld>
   <p:clrMapOvr>
     <a:masterClrMapping/>
@@ -4459,13 +4311,7 @@
       </p:grpSpPr>
       <p:sp>
         <p:nvSpPr>
-          <p:cNvPr id="9" name="Title 8">
-            <a:extLst>
-              <a:ext uri="{FF2B5EF4-FFF2-40B4-BE49-F238E27FC236}">
-                <a16:creationId xmlns:a16="http://schemas.microsoft.com/office/drawing/2014/main" id="{586FBED2-5C0B-4C86-A7CA-4F27D0D920EA}"/>
-              </a:ext>
-            </a:extLst>
-          </p:cNvPr>
+          <p:cNvPr id="9" name="Title 8"/>
           <p:cNvSpPr>
             <a:spLocks noGrp="1"/>
           </p:cNvSpPr>
@@ -4473,27 +4319,27 @@
             <p:ph type="title"/>
           </p:nvPr>
         </p:nvSpPr>
-        <p:spPr/>
+        <p:spPr>
+          <a:xfrm>
+            <a:off x="609600" y="322580"/>
+            <a:ext cx="10972800" cy="582613"/>
+          </a:xfrm>
+        </p:spPr>
         <p:txBody>
           <a:bodyPr/>
           <a:lstStyle/>
           <a:p>
             <a:r>
-              <a:rPr lang="en-US" dirty="0"/>
+              <a:rPr lang="en-US" sz="7200" dirty="0"/>
               <a:t>Planning Poker</a:t>
             </a:r>
+            <a:endParaRPr lang="en-US" sz="7200" dirty="0"/>
           </a:p>
         </p:txBody>
       </p:sp>
       <p:pic>
         <p:nvPicPr>
-          <p:cNvPr id="12" name="Content Placeholder 11">
-            <a:extLst>
-              <a:ext uri="{FF2B5EF4-FFF2-40B4-BE49-F238E27FC236}">
-                <a16:creationId xmlns:a16="http://schemas.microsoft.com/office/drawing/2014/main" id="{8351BDDA-D1C3-4F21-A1CF-28E9166BF85E}"/>
-              </a:ext>
-            </a:extLst>
-          </p:cNvPr>
+          <p:cNvPr id="12" name="Content Placeholder 11"/>
           <p:cNvPicPr>
             <a:picLocks noGrp="1" noChangeAspect="1"/>
           </p:cNvPicPr>
@@ -4502,7 +4348,7 @@
           </p:nvPr>
         </p:nvPicPr>
         <p:blipFill>
-          <a:blip r:embed="rId3">
+          <a:blip r:embed="rId1">
             <a:extLst>
               <a:ext uri="{28A0092B-C50C-407E-A947-70E740481C1C}">
                 <a14:useLocalDpi xmlns:a14="http://schemas.microsoft.com/office/drawing/2010/main" val="0"/>
@@ -4521,11 +4367,6 @@
         </p:spPr>
       </p:pic>
     </p:spTree>
-    <p:extLst>
-      <p:ext uri="{BB962C8B-B14F-4D97-AF65-F5344CB8AC3E}">
-        <p14:creationId xmlns:p14="http://schemas.microsoft.com/office/powerpoint/2010/main" val="1998176042"/>
-      </p:ext>
-    </p:extLst>
   </p:cSld>
   <p:clrMapOvr>
     <a:masterClrMapping/>
@@ -4552,13 +4393,7 @@
       </p:grpSpPr>
       <p:sp>
         <p:nvSpPr>
-          <p:cNvPr id="15" name="Title 14">
-            <a:extLst>
-              <a:ext uri="{FF2B5EF4-FFF2-40B4-BE49-F238E27FC236}">
-                <a16:creationId xmlns:a16="http://schemas.microsoft.com/office/drawing/2014/main" id="{0746EB90-C418-4F4D-B85E-6A5EF98A47DB}"/>
-              </a:ext>
-            </a:extLst>
-          </p:cNvPr>
+          <p:cNvPr id="15" name="Title 14"/>
           <p:cNvSpPr>
             <a:spLocks noGrp="1"/>
           </p:cNvSpPr>
@@ -4566,27 +4401,27 @@
             <p:ph type="title"/>
           </p:nvPr>
         </p:nvSpPr>
-        <p:spPr/>
+        <p:spPr>
+          <a:xfrm>
+            <a:off x="609600" y="292100"/>
+            <a:ext cx="10972800" cy="582613"/>
+          </a:xfrm>
+        </p:spPr>
         <p:txBody>
           <a:bodyPr/>
           <a:lstStyle/>
           <a:p>
             <a:r>
-              <a:rPr lang="en-US" dirty="0"/>
+              <a:rPr lang="en-US" sz="7200" dirty="0"/>
               <a:t>Iterative Development</a:t>
             </a:r>
+            <a:endParaRPr lang="en-US" sz="7200" dirty="0"/>
           </a:p>
         </p:txBody>
       </p:sp>
       <p:pic>
         <p:nvPicPr>
-          <p:cNvPr id="18" name="Content Placeholder 17">
-            <a:extLst>
-              <a:ext uri="{FF2B5EF4-FFF2-40B4-BE49-F238E27FC236}">
-                <a16:creationId xmlns:a16="http://schemas.microsoft.com/office/drawing/2014/main" id="{570B91B9-F964-445D-B7E3-E3B41C430D59}"/>
-              </a:ext>
-            </a:extLst>
-          </p:cNvPr>
+          <p:cNvPr id="18" name="Content Placeholder 17"/>
           <p:cNvPicPr>
             <a:picLocks noGrp="1" noChangeAspect="1"/>
           </p:cNvPicPr>
@@ -4595,7 +4430,7 @@
           </p:nvPr>
         </p:nvPicPr>
         <p:blipFill>
-          <a:blip r:embed="rId3">
+          <a:blip r:embed="rId1">
             <a:extLst>
               <a:ext uri="{28A0092B-C50C-407E-A947-70E740481C1C}">
                 <a14:useLocalDpi xmlns:a14="http://schemas.microsoft.com/office/drawing/2010/main" val="0"/>
@@ -4614,11 +4449,6 @@
         </p:spPr>
       </p:pic>
     </p:spTree>
-    <p:extLst>
-      <p:ext uri="{BB962C8B-B14F-4D97-AF65-F5344CB8AC3E}">
-        <p14:creationId xmlns:p14="http://schemas.microsoft.com/office/powerpoint/2010/main" val="1699278986"/>
-      </p:ext>
-    </p:extLst>
   </p:cSld>
   <p:clrMapOvr>
     <a:masterClrMapping/>
@@ -4645,13 +4475,7 @@
       </p:grpSpPr>
       <p:sp>
         <p:nvSpPr>
-          <p:cNvPr id="2" name="Title 1">
-            <a:extLst>
-              <a:ext uri="{FF2B5EF4-FFF2-40B4-BE49-F238E27FC236}">
-                <a16:creationId xmlns:a16="http://schemas.microsoft.com/office/drawing/2014/main" id="{DE6C31A6-4209-4124-A7DC-2C7BD0423FBB}"/>
-              </a:ext>
-            </a:extLst>
-          </p:cNvPr>
+          <p:cNvPr id="2" name="Title 1"/>
           <p:cNvSpPr>
             <a:spLocks noGrp="1"/>
           </p:cNvSpPr>
@@ -4659,27 +4483,27 @@
             <p:ph type="title"/>
           </p:nvPr>
         </p:nvSpPr>
-        <p:spPr/>
+        <p:spPr>
+          <a:xfrm>
+            <a:off x="609600" y="236220"/>
+            <a:ext cx="10972800" cy="582613"/>
+          </a:xfrm>
+        </p:spPr>
         <p:txBody>
           <a:bodyPr/>
           <a:lstStyle/>
           <a:p>
             <a:r>
-              <a:rPr lang="en-US" dirty="0"/>
+              <a:rPr lang="en-US" sz="7200" dirty="0"/>
               <a:t>Triplet Programming</a:t>
             </a:r>
-          </a:p>
-        </p:txBody>
-      </p:sp>
-      <p:sp>
-        <p:nvSpPr>
-          <p:cNvPr id="4" name="Content Placeholder 3">
-            <a:extLst>
-              <a:ext uri="{FF2B5EF4-FFF2-40B4-BE49-F238E27FC236}">
-                <a16:creationId xmlns:a16="http://schemas.microsoft.com/office/drawing/2014/main" id="{BA397130-3FBD-4F52-87E6-245A27FC4758}"/>
-              </a:ext>
-            </a:extLst>
-          </p:cNvPr>
+            <a:endParaRPr lang="en-US" sz="7200" dirty="0"/>
+          </a:p>
+        </p:txBody>
+      </p:sp>
+      <p:sp>
+        <p:nvSpPr>
+          <p:cNvPr id="4" name="Content Placeholder 3"/>
           <p:cNvSpPr>
             <a:spLocks noGrp="1"/>
           </p:cNvSpPr>
@@ -4701,24 +4525,28 @@
               <a:rPr lang="en-US" dirty="0"/>
               <a:t>The Good:</a:t>
             </a:r>
+            <a:endParaRPr lang="en-US" dirty="0"/>
           </a:p>
           <a:p>
             <a:r>
               <a:rPr lang="en-US" dirty="0"/>
               <a:t>Reduced errors</a:t>
             </a:r>
+            <a:endParaRPr lang="en-US" dirty="0"/>
           </a:p>
           <a:p>
             <a:r>
               <a:rPr lang="en-US" dirty="0"/>
               <a:t>Additional inspiration</a:t>
             </a:r>
+            <a:endParaRPr lang="en-US" dirty="0"/>
           </a:p>
           <a:p>
             <a:r>
               <a:rPr lang="en-US" dirty="0"/>
               <a:t>Parallel research and development</a:t>
             </a:r>
+            <a:endParaRPr lang="en-US" dirty="0"/>
           </a:p>
           <a:p>
             <a:endParaRPr lang="en-US" dirty="0"/>
@@ -4731,6 +4559,7 @@
               <a:rPr lang="en-US" dirty="0"/>
               <a:t>The Bad:</a:t>
             </a:r>
+            <a:endParaRPr lang="en-US" dirty="0"/>
           </a:p>
           <a:p>
             <a:pPr marL="0" indent="0">
@@ -4740,18 +4569,13 @@
               <a:rPr lang="en-US" dirty="0"/>
               <a:t>Three developers sitting around for three hours trying to solve one problem and not solving it.</a:t>
             </a:r>
+            <a:endParaRPr lang="en-US" dirty="0"/>
           </a:p>
         </p:txBody>
       </p:sp>
       <p:pic>
         <p:nvPicPr>
-          <p:cNvPr id="9" name="Content Placeholder 8">
-            <a:extLst>
-              <a:ext uri="{FF2B5EF4-FFF2-40B4-BE49-F238E27FC236}">
-                <a16:creationId xmlns:a16="http://schemas.microsoft.com/office/drawing/2014/main" id="{4847E430-D7FE-44D9-9D73-A87257E6D942}"/>
-              </a:ext>
-            </a:extLst>
-          </p:cNvPr>
+          <p:cNvPr id="9" name="Content Placeholder 8"/>
           <p:cNvPicPr>
             <a:picLocks noGrp="1" noChangeAspect="1"/>
           </p:cNvPicPr>
@@ -4760,7 +4584,7 @@
           </p:nvPr>
         </p:nvPicPr>
         <p:blipFill>
-          <a:blip r:embed="rId3">
+          <a:blip r:embed="rId1">
             <a:extLst>
               <a:ext uri="{28A0092B-C50C-407E-A947-70E740481C1C}">
                 <a14:useLocalDpi xmlns:a14="http://schemas.microsoft.com/office/drawing/2010/main" val="0"/>
@@ -4779,11 +4603,6 @@
         </p:spPr>
       </p:pic>
     </p:spTree>
-    <p:extLst>
-      <p:ext uri="{BB962C8B-B14F-4D97-AF65-F5344CB8AC3E}">
-        <p14:creationId xmlns:p14="http://schemas.microsoft.com/office/powerpoint/2010/main" val="1238413179"/>
-      </p:ext>
-    </p:extLst>
   </p:cSld>
   <p:clrMapOvr>
     <a:masterClrMapping/>
@@ -4810,13 +4629,7 @@
       </p:grpSpPr>
       <p:sp>
         <p:nvSpPr>
-          <p:cNvPr id="2" name="Title 1">
-            <a:extLst>
-              <a:ext uri="{FF2B5EF4-FFF2-40B4-BE49-F238E27FC236}">
-                <a16:creationId xmlns:a16="http://schemas.microsoft.com/office/drawing/2014/main" id="{5756D377-9C01-40CD-8542-D32C9453F74F}"/>
-              </a:ext>
-            </a:extLst>
-          </p:cNvPr>
+          <p:cNvPr id="2" name="Title 1"/>
           <p:cNvSpPr>
             <a:spLocks noGrp="1"/>
           </p:cNvSpPr>
@@ -4824,27 +4637,27 @@
             <p:ph type="title"/>
           </p:nvPr>
         </p:nvSpPr>
-        <p:spPr/>
+        <p:spPr>
+          <a:xfrm>
+            <a:off x="609600" y="276860"/>
+            <a:ext cx="10972800" cy="582613"/>
+          </a:xfrm>
+        </p:spPr>
         <p:txBody>
           <a:bodyPr/>
           <a:lstStyle/>
           <a:p>
             <a:r>
-              <a:rPr lang="en-US" dirty="0"/>
+              <a:rPr lang="en-US" sz="7200" dirty="0"/>
               <a:t>Beautiful Branching</a:t>
             </a:r>
+            <a:endParaRPr lang="en-US" sz="7200" dirty="0"/>
           </a:p>
         </p:txBody>
       </p:sp>
       <p:pic>
         <p:nvPicPr>
-          <p:cNvPr id="7" name="Content Placeholder 6">
-            <a:extLst>
-              <a:ext uri="{FF2B5EF4-FFF2-40B4-BE49-F238E27FC236}">
-                <a16:creationId xmlns:a16="http://schemas.microsoft.com/office/drawing/2014/main" id="{68CFE54D-CB08-4DE9-8819-E76D33C03179}"/>
-              </a:ext>
-            </a:extLst>
-          </p:cNvPr>
+          <p:cNvPr id="7" name="Content Placeholder 6"/>
           <p:cNvPicPr>
             <a:picLocks noGrp="1" noChangeAspect="1"/>
           </p:cNvPicPr>
@@ -4853,7 +4666,7 @@
           </p:nvPr>
         </p:nvPicPr>
         <p:blipFill>
-          <a:blip r:embed="rId3">
+          <a:blip r:embed="rId1">
             <a:extLst>
               <a:ext uri="{28A0092B-C50C-407E-A947-70E740481C1C}">
                 <a14:useLocalDpi xmlns:a14="http://schemas.microsoft.com/office/drawing/2010/main" val="0"/>
@@ -4872,11 +4685,6 @@
         </p:spPr>
       </p:pic>
     </p:spTree>
-    <p:extLst>
-      <p:ext uri="{BB962C8B-B14F-4D97-AF65-F5344CB8AC3E}">
-        <p14:creationId xmlns:p14="http://schemas.microsoft.com/office/powerpoint/2010/main" val="489147801"/>
-      </p:ext>
-    </p:extLst>
   </p:cSld>
   <p:clrMapOvr>
     <a:masterClrMapping/>
@@ -4903,13 +4711,7 @@
       </p:grpSpPr>
       <p:sp>
         <p:nvSpPr>
-          <p:cNvPr id="2" name="Title 1">
-            <a:extLst>
-              <a:ext uri="{FF2B5EF4-FFF2-40B4-BE49-F238E27FC236}">
-                <a16:creationId xmlns:a16="http://schemas.microsoft.com/office/drawing/2014/main" id="{FDD2451D-4268-4712-83FB-06D35F8AEB4B}"/>
-              </a:ext>
-            </a:extLst>
-          </p:cNvPr>
+          <p:cNvPr id="2" name="Title 1"/>
           <p:cNvSpPr>
             <a:spLocks noGrp="1"/>
           </p:cNvSpPr>
@@ -4917,27 +4719,27 @@
             <p:ph type="title"/>
           </p:nvPr>
         </p:nvSpPr>
-        <p:spPr/>
+        <p:spPr>
+          <a:xfrm>
+            <a:off x="609600" y="226060"/>
+            <a:ext cx="10972800" cy="582613"/>
+          </a:xfrm>
+        </p:spPr>
         <p:txBody>
           <a:bodyPr/>
           <a:lstStyle/>
           <a:p>
             <a:r>
-              <a:rPr lang="en-US" dirty="0"/>
+              <a:rPr lang="en-US" sz="7200" dirty="0"/>
               <a:t>Cameron’s Final Thoughts</a:t>
             </a:r>
-          </a:p>
-        </p:txBody>
-      </p:sp>
-      <p:sp>
-        <p:nvSpPr>
-          <p:cNvPr id="3" name="Content Placeholder 2">
-            <a:extLst>
-              <a:ext uri="{FF2B5EF4-FFF2-40B4-BE49-F238E27FC236}">
-                <a16:creationId xmlns:a16="http://schemas.microsoft.com/office/drawing/2014/main" id="{D95BCB78-AE51-40F7-BBFE-CB1A05BF2B75}"/>
-              </a:ext>
-            </a:extLst>
-          </p:cNvPr>
+            <a:endParaRPr lang="en-US" sz="7200" dirty="0"/>
+          </a:p>
+        </p:txBody>
+      </p:sp>
+      <p:sp>
+        <p:nvSpPr>
+          <p:cNvPr id="3" name="Content Placeholder 2"/>
           <p:cNvSpPr>
             <a:spLocks noGrp="1"/>
           </p:cNvSpPr>
@@ -4957,15 +4759,11 @@
               <a:rPr lang="en-US" dirty="0"/>
               <a:t>“Pair programming (triplet programming) is a really powerful and useful tool. As is agile development. Often at work I will sit down and think about what classes I need to make, make a prototype and it feels like when I'm finally going it’s a few days later and even then I will find I don't need half the crap I put in there. If we follow the agile mantra we will test often and develop quickly with faster results. I will incorporate some of the mantras in my day to day coding life most definitely.”</a:t>
             </a:r>
+            <a:endParaRPr lang="en-US" dirty="0"/>
           </a:p>
         </p:txBody>
       </p:sp>
     </p:spTree>
-    <p:extLst>
-      <p:ext uri="{BB962C8B-B14F-4D97-AF65-F5344CB8AC3E}">
-        <p14:creationId xmlns:p14="http://schemas.microsoft.com/office/powerpoint/2010/main" val="2989181430"/>
-      </p:ext>
-    </p:extLst>
   </p:cSld>
   <p:clrMapOvr>
     <a:masterClrMapping/>
@@ -4992,13 +4790,7 @@
       </p:grpSpPr>
       <p:sp>
         <p:nvSpPr>
-          <p:cNvPr id="2" name="Title 1">
-            <a:extLst>
-              <a:ext uri="{FF2B5EF4-FFF2-40B4-BE49-F238E27FC236}">
-                <a16:creationId xmlns:a16="http://schemas.microsoft.com/office/drawing/2014/main" id="{53A77102-5E90-4B3D-B12B-906818BB38AA}"/>
-              </a:ext>
-            </a:extLst>
-          </p:cNvPr>
+          <p:cNvPr id="2" name="Title 1"/>
           <p:cNvSpPr>
             <a:spLocks noGrp="1"/>
           </p:cNvSpPr>
@@ -5006,27 +4798,27 @@
             <p:ph type="title"/>
           </p:nvPr>
         </p:nvSpPr>
-        <p:spPr/>
+        <p:spPr>
+          <a:xfrm>
+            <a:off x="609600" y="261620"/>
+            <a:ext cx="10972800" cy="582613"/>
+          </a:xfrm>
+        </p:spPr>
         <p:txBody>
           <a:bodyPr/>
           <a:lstStyle/>
           <a:p>
             <a:r>
-              <a:rPr lang="en-US" dirty="0"/>
+              <a:rPr lang="en-US" sz="7200" dirty="0"/>
               <a:t>Corey’s Final Thoughts</a:t>
             </a:r>
-          </a:p>
-        </p:txBody>
-      </p:sp>
-      <p:sp>
-        <p:nvSpPr>
-          <p:cNvPr id="3" name="Content Placeholder 2">
-            <a:extLst>
-              <a:ext uri="{FF2B5EF4-FFF2-40B4-BE49-F238E27FC236}">
-                <a16:creationId xmlns:a16="http://schemas.microsoft.com/office/drawing/2014/main" id="{14C27E9C-1CE3-4E12-A02F-0B5483778D6A}"/>
-              </a:ext>
-            </a:extLst>
-          </p:cNvPr>
+            <a:endParaRPr lang="en-US" sz="7200" dirty="0"/>
+          </a:p>
+        </p:txBody>
+      </p:sp>
+      <p:sp>
+        <p:nvSpPr>
+          <p:cNvPr id="3" name="Content Placeholder 2"/>
           <p:cNvSpPr>
             <a:spLocks noGrp="1"/>
           </p:cNvSpPr>
@@ -5056,6 +4848,7 @@
               <a:rPr lang="en-US" dirty="0"/>
               <a:t> as XP but as another tool in the toolbox. There are benefits to sometimes working by yourself.</a:t>
             </a:r>
+            <a:endParaRPr lang="en-US" dirty="0"/>
           </a:p>
           <a:p>
             <a:pPr marL="0" indent="0">
@@ -5071,15 +4864,11 @@
               <a:rPr lang="en-US" dirty="0"/>
               <a:t>“I had to learn a new programming language for this project, which was a good experience, but I’m increasing wary of frameworks/libraries and cargo cult programming, especially in web development where there seems to always be some hot new fad. Phaser allowed us to make some quick initial gains, but we hit a wall when we wanted to do something that the documentation didn’t cover. I kept imagining how upset my manager would be if his entire team worked for an afternoon without producing anything.”</a:t>
             </a:r>
+            <a:endParaRPr lang="en-US" dirty="0"/>
           </a:p>
         </p:txBody>
       </p:sp>
     </p:spTree>
-    <p:extLst>
-      <p:ext uri="{BB962C8B-B14F-4D97-AF65-F5344CB8AC3E}">
-        <p14:creationId xmlns:p14="http://schemas.microsoft.com/office/powerpoint/2010/main" val="3980200474"/>
-      </p:ext>
-    </p:extLst>
   </p:cSld>
   <p:clrMapOvr>
     <a:masterClrMapping/>
@@ -5106,13 +4895,7 @@
       </p:grpSpPr>
       <p:sp>
         <p:nvSpPr>
-          <p:cNvPr id="2" name="Title 1">
-            <a:extLst>
-              <a:ext uri="{FF2B5EF4-FFF2-40B4-BE49-F238E27FC236}">
-                <a16:creationId xmlns:a16="http://schemas.microsoft.com/office/drawing/2014/main" id="{B0D5803E-C425-4DAD-A73F-0FB9EDBF798E}"/>
-              </a:ext>
-            </a:extLst>
-          </p:cNvPr>
+          <p:cNvPr id="2" name="Title 1"/>
           <p:cNvSpPr>
             <a:spLocks noGrp="1"/>
           </p:cNvSpPr>
@@ -5120,49 +4903,44 @@
             <p:ph type="title"/>
           </p:nvPr>
         </p:nvSpPr>
+        <p:spPr>
+          <a:xfrm>
+            <a:off x="609600" y="236220"/>
+            <a:ext cx="10972800" cy="582613"/>
+          </a:xfrm>
+        </p:spPr>
+        <p:txBody>
+          <a:bodyPr/>
+          <a:lstStyle/>
+          <a:p>
+            <a:r>
+              <a:rPr lang="en-US" sz="7200" dirty="0"/>
+              <a:t>Duane’s Final Thoughts</a:t>
+            </a:r>
+            <a:endParaRPr lang="en-US" sz="7200" dirty="0"/>
+          </a:p>
+        </p:txBody>
+      </p:sp>
+      <p:sp>
+        <p:nvSpPr>
+          <p:cNvPr id="3" name="Content Placeholder 2"/>
+          <p:cNvSpPr>
+            <a:spLocks noGrp="1"/>
+          </p:cNvSpPr>
+          <p:nvPr>
+            <p:ph idx="1"/>
+          </p:nvPr>
+        </p:nvSpPr>
         <p:spPr/>
         <p:txBody>
           <a:bodyPr/>
           <a:lstStyle/>
           <a:p>
-            <a:r>
-              <a:rPr lang="en-US" dirty="0"/>
-              <a:t>Duane’s Final Thoughts</a:t>
-            </a:r>
-          </a:p>
-        </p:txBody>
-      </p:sp>
-      <p:sp>
-        <p:nvSpPr>
-          <p:cNvPr id="3" name="Content Placeholder 2">
-            <a:extLst>
-              <a:ext uri="{FF2B5EF4-FFF2-40B4-BE49-F238E27FC236}">
-                <a16:creationId xmlns:a16="http://schemas.microsoft.com/office/drawing/2014/main" id="{C5FB0AB3-9B14-4ECD-84C3-2A1260CC0F19}"/>
-              </a:ext>
-            </a:extLst>
-          </p:cNvPr>
-          <p:cNvSpPr>
-            <a:spLocks noGrp="1"/>
-          </p:cNvSpPr>
-          <p:nvPr>
-            <p:ph idx="1"/>
-          </p:nvPr>
-        </p:nvSpPr>
-        <p:spPr/>
-        <p:txBody>
-          <a:bodyPr/>
-          <a:lstStyle/>
-          <a:p>
             <a:endParaRPr lang="en-US"/>
           </a:p>
         </p:txBody>
       </p:sp>
     </p:spTree>
-    <p:extLst>
-      <p:ext uri="{BB962C8B-B14F-4D97-AF65-F5344CB8AC3E}">
-        <p14:creationId xmlns:p14="http://schemas.microsoft.com/office/powerpoint/2010/main" val="2110639918"/>
-      </p:ext>
-    </p:extLst>
   </p:cSld>
   <p:clrMapOvr>
     <a:masterClrMapping/>
@@ -5171,150 +4949,56 @@
 </file>
 
 <file path=ppt/theme/theme1.xml><?xml version="1.0" encoding="utf-8"?>
-<a:theme xmlns:a="http://schemas.openxmlformats.org/drawingml/2006/main" name="Office Theme">
+<a:theme xmlns:a="http://schemas.openxmlformats.org/drawingml/2006/main" name="Green Color">
   <a:themeElements>
-    <a:clrScheme name="Office">
+    <a:clrScheme name="Green Color 13">
       <a:dk1>
-        <a:sysClr val="windowText" lastClr="000000"/>
+        <a:srgbClr val="000000"/>
       </a:dk1>
       <a:lt1>
-        <a:sysClr val="window" lastClr="FFFFFF"/>
+        <a:srgbClr val="FFFFFF"/>
       </a:lt1>
       <a:dk2>
-        <a:srgbClr val="44546A"/>
+        <a:srgbClr val="000000"/>
       </a:dk2>
       <a:lt2>
-        <a:srgbClr val="E7E6E6"/>
+        <a:srgbClr val="969696"/>
       </a:lt2>
       <a:accent1>
-        <a:srgbClr val="4472C4"/>
+        <a:srgbClr val="009900"/>
       </a:accent1>
       <a:accent2>
-        <a:srgbClr val="ED7D31"/>
+        <a:srgbClr val="99CC00"/>
       </a:accent2>
       <a:accent3>
-        <a:srgbClr val="A5A5A5"/>
+        <a:srgbClr val="FFFFFF"/>
       </a:accent3>
       <a:accent4>
-        <a:srgbClr val="FFC000"/>
+        <a:srgbClr val="000000"/>
       </a:accent4>
       <a:accent5>
-        <a:srgbClr val="5B9BD5"/>
+        <a:srgbClr val="AACAAA"/>
       </a:accent5>
       <a:accent6>
-        <a:srgbClr val="70AD47"/>
+        <a:srgbClr val="8AB900"/>
       </a:accent6>
       <a:hlink>
-        <a:srgbClr val="0563C1"/>
+        <a:srgbClr val="CC3300"/>
       </a:hlink>
       <a:folHlink>
-        <a:srgbClr val="954F72"/>
+        <a:srgbClr val="996600"/>
       </a:folHlink>
     </a:clrScheme>
-    <a:fontScheme name="Office">
+    <a:fontScheme name="Green Color">
       <a:majorFont>
-        <a:latin typeface="Calibri Light" panose="020F0302020204030204"/>
-        <a:ea typeface=""/>
+        <a:latin typeface="Arial"/>
+        <a:ea typeface="SimSun"/>
         <a:cs typeface=""/>
-        <a:font script="Jpan" typeface="游ゴシック Light"/>
-        <a:font script="Hang" typeface="맑은 고딕"/>
-        <a:font script="Hans" typeface="等线 Light"/>
-        <a:font script="Hant" typeface="新細明體"/>
-        <a:font script="Arab" typeface="Times New Roman"/>
-        <a:font script="Hebr" typeface="Times New Roman"/>
-        <a:font script="Thai" typeface="Angsana New"/>
-        <a:font script="Ethi" typeface="Nyala"/>
-        <a:font script="Beng" typeface="Vrinda"/>
-        <a:font script="Gujr" typeface="Shruti"/>
-        <a:font script="Khmr" typeface="MoolBoran"/>
-        <a:font script="Knda" typeface="Tunga"/>
-        <a:font script="Guru" typeface="Raavi"/>
-        <a:font script="Cans" typeface="Euphemia"/>
-        <a:font script="Cher" typeface="Plantagenet Cherokee"/>
-        <a:font script="Yiii" typeface="Microsoft Yi Baiti"/>
-        <a:font script="Tibt" typeface="Microsoft Himalaya"/>
-        <a:font script="Thaa" typeface="MV Boli"/>
-        <a:font script="Deva" typeface="Mangal"/>
-        <a:font script="Telu" typeface="Gautami"/>
-        <a:font script="Taml" typeface="Latha"/>
-        <a:font script="Syrc" typeface="Estrangelo Edessa"/>
-        <a:font script="Orya" typeface="Kalinga"/>
-        <a:font script="Mlym" typeface="Kartika"/>
-        <a:font script="Laoo" typeface="DokChampa"/>
-        <a:font script="Sinh" typeface="Iskoola Pota"/>
-        <a:font script="Mong" typeface="Mongolian Baiti"/>
-        <a:font script="Viet" typeface="Times New Roman"/>
-        <a:font script="Uigh" typeface="Microsoft Uighur"/>
-        <a:font script="Geor" typeface="Sylfaen"/>
-        <a:font script="Armn" typeface="Arial"/>
-        <a:font script="Bugi" typeface="Leelawadee UI"/>
-        <a:font script="Bopo" typeface="Microsoft JhengHei"/>
-        <a:font script="Java" typeface="Javanese Text"/>
-        <a:font script="Lisu" typeface="Segoe UI"/>
-        <a:font script="Mymr" typeface="Myanmar Text"/>
-        <a:font script="Nkoo" typeface="Ebrima"/>
-        <a:font script="Olck" typeface="Nirmala UI"/>
-        <a:font script="Osma" typeface="Ebrima"/>
-        <a:font script="Phag" typeface="Phagspa"/>
-        <a:font script="Syrn" typeface="Estrangelo Edessa"/>
-        <a:font script="Syrj" typeface="Estrangelo Edessa"/>
-        <a:font script="Syre" typeface="Estrangelo Edessa"/>
-        <a:font script="Sora" typeface="Nirmala UI"/>
-        <a:font script="Tale" typeface="Microsoft Tai Le"/>
-        <a:font script="Talu" typeface="Microsoft New Tai Lue"/>
-        <a:font script="Tfng" typeface="Ebrima"/>
       </a:majorFont>
       <a:minorFont>
-        <a:latin typeface="Calibri" panose="020F0502020204030204"/>
-        <a:ea typeface=""/>
+        <a:latin typeface="Arial"/>
+        <a:ea typeface="SimSun"/>
         <a:cs typeface=""/>
-        <a:font script="Jpan" typeface="游ゴシック"/>
-        <a:font script="Hang" typeface="맑은 고딕"/>
-        <a:font script="Hans" typeface="等线"/>
-        <a:font script="Hant" typeface="新細明體"/>
-        <a:font script="Arab" typeface="Arial"/>
-        <a:font script="Hebr" typeface="Arial"/>
-        <a:font script="Thai" typeface="Cordia New"/>
-        <a:font script="Ethi" typeface="Nyala"/>
-        <a:font script="Beng" typeface="Vrinda"/>
-        <a:font script="Gujr" typeface="Shruti"/>
-        <a:font script="Khmr" typeface="DaunPenh"/>
-        <a:font script="Knda" typeface="Tunga"/>
-        <a:font script="Guru" typeface="Raavi"/>
-        <a:font script="Cans" typeface="Euphemia"/>
-        <a:font script="Cher" typeface="Plantagenet Cherokee"/>
-        <a:font script="Yiii" typeface="Microsoft Yi Baiti"/>
-        <a:font script="Tibt" typeface="Microsoft Himalaya"/>
-        <a:font script="Thaa" typeface="MV Boli"/>
-        <a:font script="Deva" typeface="Mangal"/>
-        <a:font script="Telu" typeface="Gautami"/>
-        <a:font script="Taml" typeface="Latha"/>
-        <a:font script="Syrc" typeface="Estrangelo Edessa"/>
-        <a:font script="Orya" typeface="Kalinga"/>
-        <a:font script="Mlym" typeface="Kartika"/>
-        <a:font script="Laoo" typeface="DokChampa"/>
-        <a:font script="Sinh" typeface="Iskoola Pota"/>
-        <a:font script="Mong" typeface="Mongolian Baiti"/>
-        <a:font script="Viet" typeface="Arial"/>
-        <a:font script="Uigh" typeface="Microsoft Uighur"/>
-        <a:font script="Geor" typeface="Sylfaen"/>
-        <a:font script="Armn" typeface="Arial"/>
-        <a:font script="Bugi" typeface="Leelawadee UI"/>
-        <a:font script="Bopo" typeface="Microsoft JhengHei"/>
-        <a:font script="Java" typeface="Javanese Text"/>
-        <a:font script="Lisu" typeface="Segoe UI"/>
-        <a:font script="Mymr" typeface="Myanmar Text"/>
-        <a:font script="Nkoo" typeface="Ebrima"/>
-        <a:font script="Olck" typeface="Nirmala UI"/>
-        <a:font script="Osma" typeface="Ebrima"/>
-        <a:font script="Phag" typeface="Phagspa"/>
-        <a:font script="Syrn" typeface="Estrangelo Edessa"/>
-        <a:font script="Syrj" typeface="Estrangelo Edessa"/>
-        <a:font script="Syre" typeface="Estrangelo Edessa"/>
-        <a:font script="Sora" typeface="Nirmala UI"/>
-        <a:font script="Tale" typeface="Microsoft Tai Le"/>
-        <a:font script="Talu" typeface="Microsoft New Tai Lue"/>
-        <a:font script="Tfng" typeface="Ebrima"/>
       </a:minorFont>
     </a:fontScheme>
     <a:fmtScheme name="Office">
@@ -5455,8 +5139,673 @@
       </a:bgFillStyleLst>
     </a:fmtScheme>
   </a:themeElements>
-  <a:objectDefaults/>
-  <a:extraClrSchemeLst/>
+  <a:objectDefaults>
+    <a:spDef>
+      <a:spPr bwMode="auto">
+        <a:xfrm>
+          <a:off x="0" y="0"/>
+          <a:ext cx="1" cy="1"/>
+        </a:xfrm>
+        <a:custGeom>
+          <a:avLst/>
+          <a:gdLst/>
+          <a:ahLst/>
+          <a:cxnLst/>
+          <a:rect l="0" t="0" r="0" b="0"/>
+          <a:pathLst/>
+        </a:custGeom>
+        <a:gradFill rotWithShape="0">
+          <a:gsLst>
+            <a:gs pos="0">
+              <a:schemeClr val="accent1"/>
+            </a:gs>
+            <a:gs pos="100000">
+              <a:schemeClr val="accent2"/>
+            </a:gs>
+          </a:gsLst>
+          <a:lin ang="5400000" scaled="1"/>
+        </a:gradFill>
+        <a:ln w="9525" cap="flat" cmpd="sng" algn="ctr">
+          <a:solidFill>
+            <a:schemeClr val="accent1"/>
+          </a:solidFill>
+          <a:prstDash val="solid"/>
+          <a:round/>
+          <a:headEnd type="none" w="med" len="med"/>
+          <a:tailEnd type="none" w="med" len="med"/>
+        </a:ln>
+      </a:spPr>
+      <a:bodyPr vert="horz" wrap="none" lIns="91440" tIns="45720" rIns="91440" bIns="45720" numCol="1" anchor="ctr" anchorCtr="0" compatLnSpc="1"/>
+      <a:lstStyle>
+        <a:defPPr marL="0" marR="0" indent="0" algn="l" defTabSz="914400" rtl="0" eaLnBrk="1" fontAlgn="base" latinLnBrk="0" hangingPunct="1">
+          <a:lnSpc>
+            <a:spcPct val="100000"/>
+          </a:lnSpc>
+          <a:spcBef>
+            <a:spcPct val="0"/>
+          </a:spcBef>
+          <a:spcAft>
+            <a:spcPct val="0"/>
+          </a:spcAft>
+          <a:buClrTx/>
+          <a:buSzTx/>
+          <a:buFontTx/>
+          <a:buNone/>
+          <a:defRPr kumimoji="0" lang="zh-CN" altLang="en-US" sz="1800" b="0" i="0" u="none" strike="noStrike" cap="none" normalizeH="0" baseline="0" smtClean="0">
+            <a:ln>
+              <a:noFill/>
+            </a:ln>
+            <a:solidFill>
+              <a:schemeClr val="tx1"/>
+            </a:solidFill>
+            <a:effectLst/>
+            <a:latin typeface="Arial" panose="020B0604020202020204" pitchFamily="34" charset="0"/>
+            <a:ea typeface="SimSun" panose="02010600030101010101" pitchFamily="2" charset="-122"/>
+          </a:defRPr>
+        </a:defPPr>
+      </a:lstStyle>
+    </a:spDef>
+    <a:lnDef>
+      <a:spPr bwMode="auto">
+        <a:xfrm>
+          <a:off x="0" y="0"/>
+          <a:ext cx="1" cy="1"/>
+        </a:xfrm>
+        <a:custGeom>
+          <a:avLst/>
+          <a:gdLst/>
+          <a:ahLst/>
+          <a:cxnLst/>
+          <a:rect l="0" t="0" r="0" b="0"/>
+          <a:pathLst/>
+        </a:custGeom>
+        <a:gradFill rotWithShape="0">
+          <a:gsLst>
+            <a:gs pos="0">
+              <a:schemeClr val="accent1"/>
+            </a:gs>
+            <a:gs pos="100000">
+              <a:schemeClr val="accent2"/>
+            </a:gs>
+          </a:gsLst>
+          <a:lin ang="5400000" scaled="1"/>
+        </a:gradFill>
+        <a:ln w="9525" cap="flat" cmpd="sng" algn="ctr">
+          <a:solidFill>
+            <a:schemeClr val="accent1"/>
+          </a:solidFill>
+          <a:prstDash val="solid"/>
+          <a:round/>
+          <a:headEnd type="none" w="med" len="med"/>
+          <a:tailEnd type="none" w="med" len="med"/>
+        </a:ln>
+      </a:spPr>
+      <a:bodyPr vert="horz" wrap="none" lIns="91440" tIns="45720" rIns="91440" bIns="45720" numCol="1" anchor="ctr" anchorCtr="0" compatLnSpc="1"/>
+      <a:lstStyle>
+        <a:defPPr marL="0" marR="0" indent="0" algn="l" defTabSz="914400" rtl="0" eaLnBrk="1" fontAlgn="base" latinLnBrk="0" hangingPunct="1">
+          <a:lnSpc>
+            <a:spcPct val="100000"/>
+          </a:lnSpc>
+          <a:spcBef>
+            <a:spcPct val="0"/>
+          </a:spcBef>
+          <a:spcAft>
+            <a:spcPct val="0"/>
+          </a:spcAft>
+          <a:buClrTx/>
+          <a:buSzTx/>
+          <a:buFontTx/>
+          <a:buNone/>
+          <a:defRPr kumimoji="0" lang="zh-CN" altLang="en-US" sz="1800" b="0" i="0" u="none" strike="noStrike" cap="none" normalizeH="0" baseline="0" smtClean="0">
+            <a:ln>
+              <a:noFill/>
+            </a:ln>
+            <a:solidFill>
+              <a:schemeClr val="tx1"/>
+            </a:solidFill>
+            <a:effectLst/>
+            <a:latin typeface="Arial" panose="020B0604020202020204" pitchFamily="34" charset="0"/>
+            <a:ea typeface="SimSun" panose="02010600030101010101" pitchFamily="2" charset="-122"/>
+          </a:defRPr>
+        </a:defPPr>
+      </a:lstStyle>
+    </a:lnDef>
+  </a:objectDefaults>
+  <a:extraClrSchemeLst>
+    <a:extraClrScheme>
+      <a:clrScheme name="Green Color 1">
+        <a:dk1>
+          <a:srgbClr val="000000"/>
+        </a:dk1>
+        <a:lt1>
+          <a:srgbClr val="FFFFFF"/>
+        </a:lt1>
+        <a:dk2>
+          <a:srgbClr val="000000"/>
+        </a:dk2>
+        <a:lt2>
+          <a:srgbClr val="808080"/>
+        </a:lt2>
+        <a:accent1>
+          <a:srgbClr val="BBE0E3"/>
+        </a:accent1>
+        <a:accent2>
+          <a:srgbClr val="333399"/>
+        </a:accent2>
+        <a:accent3>
+          <a:srgbClr val="FFFFFF"/>
+        </a:accent3>
+        <a:accent4>
+          <a:srgbClr val="000000"/>
+        </a:accent4>
+        <a:accent5>
+          <a:srgbClr val="DAEDEF"/>
+        </a:accent5>
+        <a:accent6>
+          <a:srgbClr val="2D2D8A"/>
+        </a:accent6>
+        <a:hlink>
+          <a:srgbClr val="009999"/>
+        </a:hlink>
+        <a:folHlink>
+          <a:srgbClr val="99CC00"/>
+        </a:folHlink>
+      </a:clrScheme>
+      <a:clrMap bg1="lt1" tx1="dk1" bg2="lt2" tx2="dk2" accent1="accent1" accent2="accent2" accent3="accent3" accent4="accent4" accent5="accent5" accent6="accent6" hlink="hlink" folHlink="folHlink"/>
+    </a:extraClrScheme>
+    <a:extraClrScheme>
+      <a:clrScheme name="Green Color 2">
+        <a:dk1>
+          <a:srgbClr val="000000"/>
+        </a:dk1>
+        <a:lt1>
+          <a:srgbClr val="FFFFFF"/>
+        </a:lt1>
+        <a:dk2>
+          <a:srgbClr val="000000"/>
+        </a:dk2>
+        <a:lt2>
+          <a:srgbClr val="969696"/>
+        </a:lt2>
+        <a:accent1>
+          <a:srgbClr val="FBDF53"/>
+        </a:accent1>
+        <a:accent2>
+          <a:srgbClr val="FF9966"/>
+        </a:accent2>
+        <a:accent3>
+          <a:srgbClr val="FFFFFF"/>
+        </a:accent3>
+        <a:accent4>
+          <a:srgbClr val="000000"/>
+        </a:accent4>
+        <a:accent5>
+          <a:srgbClr val="FDECB3"/>
+        </a:accent5>
+        <a:accent6>
+          <a:srgbClr val="E78A5C"/>
+        </a:accent6>
+        <a:hlink>
+          <a:srgbClr val="CC3300"/>
+        </a:hlink>
+        <a:folHlink>
+          <a:srgbClr val="996600"/>
+        </a:folHlink>
+      </a:clrScheme>
+      <a:clrMap bg1="lt1" tx1="dk1" bg2="lt2" tx2="dk2" accent1="accent1" accent2="accent2" accent3="accent3" accent4="accent4" accent5="accent5" accent6="accent6" hlink="hlink" folHlink="folHlink"/>
+    </a:extraClrScheme>
+    <a:extraClrScheme>
+      <a:clrScheme name="Green Color 3">
+        <a:dk1>
+          <a:srgbClr val="000000"/>
+        </a:dk1>
+        <a:lt1>
+          <a:srgbClr val="FFFFFF"/>
+        </a:lt1>
+        <a:dk2>
+          <a:srgbClr val="000000"/>
+        </a:dk2>
+        <a:lt2>
+          <a:srgbClr val="808080"/>
+        </a:lt2>
+        <a:accent1>
+          <a:srgbClr val="99CCFF"/>
+        </a:accent1>
+        <a:accent2>
+          <a:srgbClr val="CCCCFF"/>
+        </a:accent2>
+        <a:accent3>
+          <a:srgbClr val="FFFFFF"/>
+        </a:accent3>
+        <a:accent4>
+          <a:srgbClr val="000000"/>
+        </a:accent4>
+        <a:accent5>
+          <a:srgbClr val="CAE2FF"/>
+        </a:accent5>
+        <a:accent6>
+          <a:srgbClr val="B9B9E7"/>
+        </a:accent6>
+        <a:hlink>
+          <a:srgbClr val="3333CC"/>
+        </a:hlink>
+        <a:folHlink>
+          <a:srgbClr val="AF67FF"/>
+        </a:folHlink>
+      </a:clrScheme>
+      <a:clrMap bg1="lt1" tx1="dk1" bg2="lt2" tx2="dk2" accent1="accent1" accent2="accent2" accent3="accent3" accent4="accent4" accent5="accent5" accent6="accent6" hlink="hlink" folHlink="folHlink"/>
+    </a:extraClrScheme>
+    <a:extraClrScheme>
+      <a:clrScheme name="Green Color 4">
+        <a:dk1>
+          <a:srgbClr val="000000"/>
+        </a:dk1>
+        <a:lt1>
+          <a:srgbClr val="DEF6F1"/>
+        </a:lt1>
+        <a:dk2>
+          <a:srgbClr val="000000"/>
+        </a:dk2>
+        <a:lt2>
+          <a:srgbClr val="969696"/>
+        </a:lt2>
+        <a:accent1>
+          <a:srgbClr val="FFFFFF"/>
+        </a:accent1>
+        <a:accent2>
+          <a:srgbClr val="8DC6FF"/>
+        </a:accent2>
+        <a:accent3>
+          <a:srgbClr val="ECFAF7"/>
+        </a:accent3>
+        <a:accent4>
+          <a:srgbClr val="000000"/>
+        </a:accent4>
+        <a:accent5>
+          <a:srgbClr val="FFFFFF"/>
+        </a:accent5>
+        <a:accent6>
+          <a:srgbClr val="7FB3E7"/>
+        </a:accent6>
+        <a:hlink>
+          <a:srgbClr val="0066CC"/>
+        </a:hlink>
+        <a:folHlink>
+          <a:srgbClr val="00A800"/>
+        </a:folHlink>
+      </a:clrScheme>
+      <a:clrMap bg1="lt1" tx1="dk1" bg2="lt2" tx2="dk2" accent1="accent1" accent2="accent2" accent3="accent3" accent4="accent4" accent5="accent5" accent6="accent6" hlink="hlink" folHlink="folHlink"/>
+    </a:extraClrScheme>
+    <a:extraClrScheme>
+      <a:clrScheme name="Green Color 5">
+        <a:dk1>
+          <a:srgbClr val="000000"/>
+        </a:dk1>
+        <a:lt1>
+          <a:srgbClr val="FFFFD9"/>
+        </a:lt1>
+        <a:dk2>
+          <a:srgbClr val="000000"/>
+        </a:dk2>
+        <a:lt2>
+          <a:srgbClr val="777777"/>
+        </a:lt2>
+        <a:accent1>
+          <a:srgbClr val="FFFFF7"/>
+        </a:accent1>
+        <a:accent2>
+          <a:srgbClr val="33CCCC"/>
+        </a:accent2>
+        <a:accent3>
+          <a:srgbClr val="FFFFE9"/>
+        </a:accent3>
+        <a:accent4>
+          <a:srgbClr val="000000"/>
+        </a:accent4>
+        <a:accent5>
+          <a:srgbClr val="FFFFFA"/>
+        </a:accent5>
+        <a:accent6>
+          <a:srgbClr val="2DB9B9"/>
+        </a:accent6>
+        <a:hlink>
+          <a:srgbClr val="FF5050"/>
+        </a:hlink>
+        <a:folHlink>
+          <a:srgbClr val="FF9900"/>
+        </a:folHlink>
+      </a:clrScheme>
+      <a:clrMap bg1="lt1" tx1="dk1" bg2="lt2" tx2="dk2" accent1="accent1" accent2="accent2" accent3="accent3" accent4="accent4" accent5="accent5" accent6="accent6" hlink="hlink" folHlink="folHlink"/>
+    </a:extraClrScheme>
+    <a:extraClrScheme>
+      <a:clrScheme name="Green Color 6">
+        <a:dk1>
+          <a:srgbClr val="005A58"/>
+        </a:dk1>
+        <a:lt1>
+          <a:srgbClr val="FFFFFF"/>
+        </a:lt1>
+        <a:dk2>
+          <a:srgbClr val="008080"/>
+        </a:dk2>
+        <a:lt2>
+          <a:srgbClr val="FFFF99"/>
+        </a:lt2>
+        <a:accent1>
+          <a:srgbClr val="006462"/>
+        </a:accent1>
+        <a:accent2>
+          <a:srgbClr val="6D6FC7"/>
+        </a:accent2>
+        <a:accent3>
+          <a:srgbClr val="AAC0C0"/>
+        </a:accent3>
+        <a:accent4>
+          <a:srgbClr val="DADADA"/>
+        </a:accent4>
+        <a:accent5>
+          <a:srgbClr val="AAB8B7"/>
+        </a:accent5>
+        <a:accent6>
+          <a:srgbClr val="6264B4"/>
+        </a:accent6>
+        <a:hlink>
+          <a:srgbClr val="00FFFF"/>
+        </a:hlink>
+        <a:folHlink>
+          <a:srgbClr val="00FF00"/>
+        </a:folHlink>
+      </a:clrScheme>
+      <a:clrMap bg1="dk2" tx1="lt1" bg2="dk1" tx2="lt2" accent1="accent1" accent2="accent2" accent3="accent3" accent4="accent4" accent5="accent5" accent6="accent6" hlink="hlink" folHlink="folHlink"/>
+    </a:extraClrScheme>
+    <a:extraClrScheme>
+      <a:clrScheme name="Green Color 7">
+        <a:dk1>
+          <a:srgbClr val="5C1F00"/>
+        </a:dk1>
+        <a:lt1>
+          <a:srgbClr val="FFFFFF"/>
+        </a:lt1>
+        <a:dk2>
+          <a:srgbClr val="800000"/>
+        </a:dk2>
+        <a:lt2>
+          <a:srgbClr val="DFD293"/>
+        </a:lt2>
+        <a:accent1>
+          <a:srgbClr val="CC3300"/>
+        </a:accent1>
+        <a:accent2>
+          <a:srgbClr val="BE7960"/>
+        </a:accent2>
+        <a:accent3>
+          <a:srgbClr val="C0AAAA"/>
+        </a:accent3>
+        <a:accent4>
+          <a:srgbClr val="DADADA"/>
+        </a:accent4>
+        <a:accent5>
+          <a:srgbClr val="E2ADAA"/>
+        </a:accent5>
+        <a:accent6>
+          <a:srgbClr val="AC6D56"/>
+        </a:accent6>
+        <a:hlink>
+          <a:srgbClr val="FFFF99"/>
+        </a:hlink>
+        <a:folHlink>
+          <a:srgbClr val="D3A219"/>
+        </a:folHlink>
+      </a:clrScheme>
+      <a:clrMap bg1="dk2" tx1="lt1" bg2="dk1" tx2="lt2" accent1="accent1" accent2="accent2" accent3="accent3" accent4="accent4" accent5="accent5" accent6="accent6" hlink="hlink" folHlink="folHlink"/>
+    </a:extraClrScheme>
+    <a:extraClrScheme>
+      <a:clrScheme name="Green Color 8">
+        <a:dk1>
+          <a:srgbClr val="003366"/>
+        </a:dk1>
+        <a:lt1>
+          <a:srgbClr val="FFFFFF"/>
+        </a:lt1>
+        <a:dk2>
+          <a:srgbClr val="000099"/>
+        </a:dk2>
+        <a:lt2>
+          <a:srgbClr val="CCFFFF"/>
+        </a:lt2>
+        <a:accent1>
+          <a:srgbClr val="3366CC"/>
+        </a:accent1>
+        <a:accent2>
+          <a:srgbClr val="00B000"/>
+        </a:accent2>
+        <a:accent3>
+          <a:srgbClr val="AAAACA"/>
+        </a:accent3>
+        <a:accent4>
+          <a:srgbClr val="DADADA"/>
+        </a:accent4>
+        <a:accent5>
+          <a:srgbClr val="ADB8E2"/>
+        </a:accent5>
+        <a:accent6>
+          <a:srgbClr val="009F00"/>
+        </a:accent6>
+        <a:hlink>
+          <a:srgbClr val="66CCFF"/>
+        </a:hlink>
+        <a:folHlink>
+          <a:srgbClr val="FFE701"/>
+        </a:folHlink>
+      </a:clrScheme>
+      <a:clrMap bg1="dk2" tx1="lt1" bg2="dk1" tx2="lt2" accent1="accent1" accent2="accent2" accent3="accent3" accent4="accent4" accent5="accent5" accent6="accent6" hlink="hlink" folHlink="folHlink"/>
+    </a:extraClrScheme>
+    <a:extraClrScheme>
+      <a:clrScheme name="Green Color 9">
+        <a:dk1>
+          <a:srgbClr val="336699"/>
+        </a:dk1>
+        <a:lt1>
+          <a:srgbClr val="FFFFFF"/>
+        </a:lt1>
+        <a:dk2>
+          <a:srgbClr val="000000"/>
+        </a:dk2>
+        <a:lt2>
+          <a:srgbClr val="E3EBF1"/>
+        </a:lt2>
+        <a:accent1>
+          <a:srgbClr val="003399"/>
+        </a:accent1>
+        <a:accent2>
+          <a:srgbClr val="468A4B"/>
+        </a:accent2>
+        <a:accent3>
+          <a:srgbClr val="AAAAAA"/>
+        </a:accent3>
+        <a:accent4>
+          <a:srgbClr val="DADADA"/>
+        </a:accent4>
+        <a:accent5>
+          <a:srgbClr val="AAADCA"/>
+        </a:accent5>
+        <a:accent6>
+          <a:srgbClr val="3F7D43"/>
+        </a:accent6>
+        <a:hlink>
+          <a:srgbClr val="66CCFF"/>
+        </a:hlink>
+        <a:folHlink>
+          <a:srgbClr val="F0E500"/>
+        </a:folHlink>
+      </a:clrScheme>
+      <a:clrMap bg1="dk2" tx1="lt1" bg2="dk1" tx2="lt2" accent1="accent1" accent2="accent2" accent3="accent3" accent4="accent4" accent5="accent5" accent6="accent6" hlink="hlink" folHlink="folHlink"/>
+    </a:extraClrScheme>
+    <a:extraClrScheme>
+      <a:clrScheme name="Green Color 10">
+        <a:dk1>
+          <a:srgbClr val="777777"/>
+        </a:dk1>
+        <a:lt1>
+          <a:srgbClr val="FFFFFF"/>
+        </a:lt1>
+        <a:dk2>
+          <a:srgbClr val="686B5D"/>
+        </a:dk2>
+        <a:lt2>
+          <a:srgbClr val="D1D1CB"/>
+        </a:lt2>
+        <a:accent1>
+          <a:srgbClr val="909082"/>
+        </a:accent1>
+        <a:accent2>
+          <a:srgbClr val="809EA8"/>
+        </a:accent2>
+        <a:accent3>
+          <a:srgbClr val="B9BAB6"/>
+        </a:accent3>
+        <a:accent4>
+          <a:srgbClr val="DADADA"/>
+        </a:accent4>
+        <a:accent5>
+          <a:srgbClr val="C6C6C1"/>
+        </a:accent5>
+        <a:accent6>
+          <a:srgbClr val="738F98"/>
+        </a:accent6>
+        <a:hlink>
+          <a:srgbClr val="FFCC66"/>
+        </a:hlink>
+        <a:folHlink>
+          <a:srgbClr val="E9DCB9"/>
+        </a:folHlink>
+      </a:clrScheme>
+      <a:clrMap bg1="dk2" tx1="lt1" bg2="dk1" tx2="lt2" accent1="accent1" accent2="accent2" accent3="accent3" accent4="accent4" accent5="accent5" accent6="accent6" hlink="hlink" folHlink="folHlink"/>
+    </a:extraClrScheme>
+    <a:extraClrScheme>
+      <a:clrScheme name="Green Color 11">
+        <a:dk1>
+          <a:srgbClr val="3E3E5C"/>
+        </a:dk1>
+        <a:lt1>
+          <a:srgbClr val="FFFFFF"/>
+        </a:lt1>
+        <a:dk2>
+          <a:srgbClr val="666699"/>
+        </a:dk2>
+        <a:lt2>
+          <a:srgbClr val="FFFFFF"/>
+        </a:lt2>
+        <a:accent1>
+          <a:srgbClr val="60597B"/>
+        </a:accent1>
+        <a:accent2>
+          <a:srgbClr val="6666FF"/>
+        </a:accent2>
+        <a:accent3>
+          <a:srgbClr val="B8B8CA"/>
+        </a:accent3>
+        <a:accent4>
+          <a:srgbClr val="DADADA"/>
+        </a:accent4>
+        <a:accent5>
+          <a:srgbClr val="B6B5BF"/>
+        </a:accent5>
+        <a:accent6>
+          <a:srgbClr val="5C5CE7"/>
+        </a:accent6>
+        <a:hlink>
+          <a:srgbClr val="99CCFF"/>
+        </a:hlink>
+        <a:folHlink>
+          <a:srgbClr val="FFFF99"/>
+        </a:folHlink>
+      </a:clrScheme>
+      <a:clrMap bg1="dk2" tx1="lt1" bg2="dk1" tx2="lt2" accent1="accent1" accent2="accent2" accent3="accent3" accent4="accent4" accent5="accent5" accent6="accent6" hlink="hlink" folHlink="folHlink"/>
+    </a:extraClrScheme>
+    <a:extraClrScheme>
+      <a:clrScheme name="Green Color 12">
+        <a:dk1>
+          <a:srgbClr val="2D2015"/>
+        </a:dk1>
+        <a:lt1>
+          <a:srgbClr val="FFFFFF"/>
+        </a:lt1>
+        <a:dk2>
+          <a:srgbClr val="523E26"/>
+        </a:dk2>
+        <a:lt2>
+          <a:srgbClr val="DFC08D"/>
+        </a:lt2>
+        <a:accent1>
+          <a:srgbClr val="8C7B70"/>
+        </a:accent1>
+        <a:accent2>
+          <a:srgbClr val="8F5F2F"/>
+        </a:accent2>
+        <a:accent3>
+          <a:srgbClr val="B3AFAC"/>
+        </a:accent3>
+        <a:accent4>
+          <a:srgbClr val="DADADA"/>
+        </a:accent4>
+        <a:accent5>
+          <a:srgbClr val="C5BFBB"/>
+        </a:accent5>
+        <a:accent6>
+          <a:srgbClr val="81552A"/>
+        </a:accent6>
+        <a:hlink>
+          <a:srgbClr val="CCB400"/>
+        </a:hlink>
+        <a:folHlink>
+          <a:srgbClr val="8C9EA0"/>
+        </a:folHlink>
+      </a:clrScheme>
+      <a:clrMap bg1="dk2" tx1="lt1" bg2="dk1" tx2="lt2" accent1="accent1" accent2="accent2" accent3="accent3" accent4="accent4" accent5="accent5" accent6="accent6" hlink="hlink" folHlink="folHlink"/>
+    </a:extraClrScheme>
+    <a:extraClrScheme>
+      <a:clrScheme name="Green Color 13">
+        <a:dk1>
+          <a:srgbClr val="000000"/>
+        </a:dk1>
+        <a:lt1>
+          <a:srgbClr val="FFFFFF"/>
+        </a:lt1>
+        <a:dk2>
+          <a:srgbClr val="000000"/>
+        </a:dk2>
+        <a:lt2>
+          <a:srgbClr val="969696"/>
+        </a:lt2>
+        <a:accent1>
+          <a:srgbClr val="009900"/>
+        </a:accent1>
+        <a:accent2>
+          <a:srgbClr val="99CC00"/>
+        </a:accent2>
+        <a:accent3>
+          <a:srgbClr val="FFFFFF"/>
+        </a:accent3>
+        <a:accent4>
+          <a:srgbClr val="000000"/>
+        </a:accent4>
+        <a:accent5>
+          <a:srgbClr val="AACAAA"/>
+        </a:accent5>
+        <a:accent6>
+          <a:srgbClr val="8AB900"/>
+        </a:accent6>
+        <a:hlink>
+          <a:srgbClr val="CC3300"/>
+        </a:hlink>
+        <a:folHlink>
+          <a:srgbClr val="996600"/>
+        </a:folHlink>
+      </a:clrScheme>
+      <a:clrMap bg1="lt1" tx1="dk1" bg2="lt2" tx2="dk2" accent1="accent1" accent2="accent2" accent3="accent3" accent4="accent4" accent5="accent5" accent6="accent6" hlink="hlink" folHlink="folHlink"/>
+    </a:extraClrScheme>
+  </a:extraClrSchemeLst>
   <a:extLst>
     <a:ext uri="{05A4C25C-085E-4340-85A3-A5531E510DB2}">
       <thm15:themeFamily xmlns:thm15="http://schemas.microsoft.com/office/thememl/2012/main" name="Office Theme" id="{62F939B6-93AF-4DB8-9C6B-D6C7DFDC589F}" vid="{4A3C46E8-61CC-4603-A589-7422A47A8E4A}"/>
@@ -5508,7 +5857,7 @@
     </a:clrScheme>
     <a:fontScheme name="Office">
       <a:majorFont>
-        <a:latin typeface="Calibri Light" panose="020F0302020204030204"/>
+        <a:latin typeface="Calibri Light"/>
         <a:ea typeface=""/>
         <a:cs typeface=""/>
         <a:font script="Jpan" typeface="游ゴシック Light"/>
@@ -5541,26 +5890,9 @@
         <a:font script="Viet" typeface="Times New Roman"/>
         <a:font script="Uigh" typeface="Microsoft Uighur"/>
         <a:font script="Geor" typeface="Sylfaen"/>
-        <a:font script="Armn" typeface="Arial"/>
-        <a:font script="Bugi" typeface="Leelawadee UI"/>
-        <a:font script="Bopo" typeface="Microsoft JhengHei"/>
-        <a:font script="Java" typeface="Javanese Text"/>
-        <a:font script="Lisu" typeface="Segoe UI"/>
-        <a:font script="Mymr" typeface="Myanmar Text"/>
-        <a:font script="Nkoo" typeface="Ebrima"/>
-        <a:font script="Olck" typeface="Nirmala UI"/>
-        <a:font script="Osma" typeface="Ebrima"/>
-        <a:font script="Phag" typeface="Phagspa"/>
-        <a:font script="Syrn" typeface="Estrangelo Edessa"/>
-        <a:font script="Syrj" typeface="Estrangelo Edessa"/>
-        <a:font script="Syre" typeface="Estrangelo Edessa"/>
-        <a:font script="Sora" typeface="Nirmala UI"/>
-        <a:font script="Tale" typeface="Microsoft Tai Le"/>
-        <a:font script="Talu" typeface="Microsoft New Tai Lue"/>
-        <a:font script="Tfng" typeface="Ebrima"/>
       </a:majorFont>
       <a:minorFont>
-        <a:latin typeface="Calibri" panose="020F0502020204030204"/>
+        <a:latin typeface="Calibri"/>
         <a:ea typeface=""/>
         <a:cs typeface=""/>
         <a:font script="Jpan" typeface="游ゴシック"/>
@@ -5593,23 +5925,6 @@
         <a:font script="Viet" typeface="Arial"/>
         <a:font script="Uigh" typeface="Microsoft Uighur"/>
         <a:font script="Geor" typeface="Sylfaen"/>
-        <a:font script="Armn" typeface="Arial"/>
-        <a:font script="Bugi" typeface="Leelawadee UI"/>
-        <a:font script="Bopo" typeface="Microsoft JhengHei"/>
-        <a:font script="Java" typeface="Javanese Text"/>
-        <a:font script="Lisu" typeface="Segoe UI"/>
-        <a:font script="Mymr" typeface="Myanmar Text"/>
-        <a:font script="Nkoo" typeface="Ebrima"/>
-        <a:font script="Olck" typeface="Nirmala UI"/>
-        <a:font script="Osma" typeface="Ebrima"/>
-        <a:font script="Phag" typeface="Phagspa"/>
-        <a:font script="Syrn" typeface="Estrangelo Edessa"/>
-        <a:font script="Syrj" typeface="Estrangelo Edessa"/>
-        <a:font script="Syre" typeface="Estrangelo Edessa"/>
-        <a:font script="Sora" typeface="Nirmala UI"/>
-        <a:font script="Tale" typeface="Microsoft Tai Le"/>
-        <a:font script="Talu" typeface="Microsoft New Tai Lue"/>
-        <a:font script="Tfng" typeface="Ebrima"/>
       </a:minorFont>
     </a:fontScheme>
     <a:fmtScheme name="Office">
@@ -5750,8 +6065,6 @@
       </a:bgFillStyleLst>
     </a:fmtScheme>
   </a:themeElements>
-  <a:objectDefaults/>
-  <a:extraClrSchemeLst/>
   <a:extLst>
     <a:ext uri="{05A4C25C-085E-4340-85A3-A5531E510DB2}">
       <thm15:themeFamily xmlns:thm15="http://schemas.microsoft.com/office/thememl/2012/main" name="Office Theme" id="{62F939B6-93AF-4DB8-9C6B-D6C7DFDC589F}" vid="{4A3C46E8-61CC-4603-A589-7422A47A8E4A}"/>

--- a/development_process/presentation.pptx
+++ b/development_process/presentation.pptx
@@ -4936,7 +4936,32 @@
           <a:bodyPr/>
           <a:lstStyle/>
           <a:p>
-            <a:endParaRPr lang="en-US"/>
+            <a:r>
+              <a:rPr lang="en-US" sz="7200"/>
+              <a:t>Fail Fast!</a:t>
+            </a:r>
+            <a:endParaRPr lang="en-US" sz="7200"/>
+          </a:p>
+          <a:p>
+            <a:r>
+              <a:rPr lang="en-US" sz="7200"/>
+              <a:t>Improved Git skills</a:t>
+            </a:r>
+            <a:endParaRPr lang="en-US" sz="7200"/>
+          </a:p>
+          <a:p>
+            <a:r>
+              <a:rPr lang="en-US" sz="7200"/>
+              <a:t>YAGNI</a:t>
+            </a:r>
+            <a:endParaRPr lang="en-US" sz="7200"/>
+          </a:p>
+          <a:p>
+            <a:r>
+              <a:rPr lang="en-US" sz="7200"/>
+              <a:t>Refactor later</a:t>
+            </a:r>
+            <a:endParaRPr lang="en-US" sz="7200"/>
           </a:p>
         </p:txBody>
       </p:sp>
